--- a/Specifications/אתר מנהלת.pptx
+++ b/Specifications/אתר מנהלת.pptx
@@ -14,6 +14,7 @@
     <p:sldId id="262" r:id="rId9"/>
     <p:sldId id="263" r:id="rId10"/>
     <p:sldId id="264" r:id="rId11"/>
+    <p:sldId id="265" r:id="rId12"/>
   </p:sldIdLst>
   <p:sldSz cx="9144000" cy="6858000"/>
   <p:notesSz cx="7772400" cy="10058400"/>
@@ -61,7 +62,7 @@
       </p:grpSpPr>
       <p:sp>
         <p:nvSpPr>
-          <p:cNvPr id="26" name="PlaceHolder 1"/>
+          <p:cNvPr id="23" name="PlaceHolder 1"/>
           <p:cNvSpPr>
             <a:spLocks noGrp="1"/>
           </p:cNvSpPr>
@@ -72,7 +73,7 @@
         <p:spPr>
           <a:xfrm>
             <a:off x="685800" y="2130480"/>
-            <a:ext cx="7772040" cy="1469520"/>
+            <a:ext cx="7771680" cy="1469160"/>
           </a:xfrm>
           <a:prstGeom prst="rect">
             <a:avLst/>
@@ -81,19 +82,16 @@
         <p:txBody>
           <a:bodyPr lIns="0" rIns="0" tIns="0" bIns="0" anchor="ctr"/>
           <a:p>
-            <a:pPr algn="r" rtl="1"/>
-            <a:endParaRPr b="0" lang="he-IL" sz="1800" spc="-1" strike="noStrike">
-              <a:solidFill>
-                <a:srgbClr val="000000"/>
-              </a:solidFill>
-              <a:latin typeface="Calibri"/>
+            <a:pPr algn="ctr"/>
+            <a:endParaRPr b="0" lang="en-US" sz="4400" spc="-1" strike="noStrike">
+              <a:latin typeface="Arial"/>
             </a:endParaRPr>
           </a:p>
         </p:txBody>
       </p:sp>
       <p:sp>
         <p:nvSpPr>
-          <p:cNvPr id="27" name="PlaceHolder 2"/>
+          <p:cNvPr id="24" name="PlaceHolder 2"/>
           <p:cNvSpPr>
             <a:spLocks noGrp="1"/>
           </p:cNvSpPr>
@@ -115,23 +113,15 @@
             <a:normAutofit/>
           </a:bodyPr>
           <a:p>
-            <a:pPr algn="r" rtl="1">
-              <a:spcBef>
-                <a:spcPts val="1417"/>
-              </a:spcBef>
-            </a:pPr>
-            <a:endParaRPr b="0" lang="he-IL" sz="3200" spc="-1" strike="noStrike">
-              <a:solidFill>
-                <a:srgbClr val="000000"/>
-              </a:solidFill>
-              <a:latin typeface="Calibri"/>
+            <a:endParaRPr b="0" lang="en-US" sz="3200" spc="-1" strike="noStrike">
+              <a:latin typeface="Arial"/>
             </a:endParaRPr>
           </a:p>
         </p:txBody>
       </p:sp>
       <p:sp>
         <p:nvSpPr>
-          <p:cNvPr id="28" name="PlaceHolder 3"/>
+          <p:cNvPr id="25" name="PlaceHolder 3"/>
           <p:cNvSpPr>
             <a:spLocks noGrp="1"/>
           </p:cNvSpPr>
@@ -153,16 +143,8 @@
             <a:normAutofit/>
           </a:bodyPr>
           <a:p>
-            <a:pPr algn="r" rtl="1">
-              <a:spcBef>
-                <a:spcPts val="1417"/>
-              </a:spcBef>
-            </a:pPr>
-            <a:endParaRPr b="0" lang="he-IL" sz="3200" spc="-1" strike="noStrike">
-              <a:solidFill>
-                <a:srgbClr val="000000"/>
-              </a:solidFill>
-              <a:latin typeface="Calibri"/>
+            <a:endParaRPr b="0" lang="en-US" sz="3200" spc="-1" strike="noStrike">
+              <a:latin typeface="Arial"/>
             </a:endParaRPr>
           </a:p>
         </p:txBody>
@@ -191,7 +173,7 @@
       </p:grpSpPr>
       <p:sp>
         <p:nvSpPr>
-          <p:cNvPr id="29" name="PlaceHolder 1"/>
+          <p:cNvPr id="26" name="PlaceHolder 1"/>
           <p:cNvSpPr>
             <a:spLocks noGrp="1"/>
           </p:cNvSpPr>
@@ -202,7 +184,7 @@
         <p:spPr>
           <a:xfrm>
             <a:off x="685800" y="2130480"/>
-            <a:ext cx="7772040" cy="1469520"/>
+            <a:ext cx="7771680" cy="1469160"/>
           </a:xfrm>
           <a:prstGeom prst="rect">
             <a:avLst/>
@@ -211,19 +193,16 @@
         <p:txBody>
           <a:bodyPr lIns="0" rIns="0" tIns="0" bIns="0" anchor="ctr"/>
           <a:p>
-            <a:pPr algn="r" rtl="1"/>
-            <a:endParaRPr b="0" lang="he-IL" sz="1800" spc="-1" strike="noStrike">
-              <a:solidFill>
-                <a:srgbClr val="000000"/>
-              </a:solidFill>
-              <a:latin typeface="Calibri"/>
+            <a:pPr algn="ctr"/>
+            <a:endParaRPr b="0" lang="en-US" sz="4400" spc="-1" strike="noStrike">
+              <a:latin typeface="Arial"/>
             </a:endParaRPr>
           </a:p>
         </p:txBody>
       </p:sp>
       <p:sp>
         <p:nvSpPr>
-          <p:cNvPr id="30" name="PlaceHolder 2"/>
+          <p:cNvPr id="27" name="PlaceHolder 2"/>
           <p:cNvSpPr>
             <a:spLocks noGrp="1"/>
           </p:cNvSpPr>
@@ -245,23 +224,15 @@
             <a:normAutofit/>
           </a:bodyPr>
           <a:p>
-            <a:pPr algn="r" rtl="1">
-              <a:spcBef>
-                <a:spcPts val="1417"/>
-              </a:spcBef>
-            </a:pPr>
-            <a:endParaRPr b="0" lang="he-IL" sz="3200" spc="-1" strike="noStrike">
-              <a:solidFill>
-                <a:srgbClr val="000000"/>
-              </a:solidFill>
-              <a:latin typeface="Calibri"/>
+            <a:endParaRPr b="0" lang="en-US" sz="3200" spc="-1" strike="noStrike">
+              <a:latin typeface="Arial"/>
             </a:endParaRPr>
           </a:p>
         </p:txBody>
       </p:sp>
       <p:sp>
         <p:nvSpPr>
-          <p:cNvPr id="31" name="PlaceHolder 3"/>
+          <p:cNvPr id="28" name="PlaceHolder 3"/>
           <p:cNvSpPr>
             <a:spLocks noGrp="1"/>
           </p:cNvSpPr>
@@ -283,23 +254,15 @@
             <a:normAutofit/>
           </a:bodyPr>
           <a:p>
-            <a:pPr algn="r" rtl="1">
-              <a:spcBef>
-                <a:spcPts val="1417"/>
-              </a:spcBef>
-            </a:pPr>
-            <a:endParaRPr b="0" lang="he-IL" sz="3200" spc="-1" strike="noStrike">
-              <a:solidFill>
-                <a:srgbClr val="000000"/>
-              </a:solidFill>
-              <a:latin typeface="Calibri"/>
+            <a:endParaRPr b="0" lang="en-US" sz="3200" spc="-1" strike="noStrike">
+              <a:latin typeface="Arial"/>
             </a:endParaRPr>
           </a:p>
         </p:txBody>
       </p:sp>
       <p:sp>
         <p:nvSpPr>
-          <p:cNvPr id="32" name="PlaceHolder 4"/>
+          <p:cNvPr id="29" name="PlaceHolder 4"/>
           <p:cNvSpPr>
             <a:spLocks noGrp="1"/>
           </p:cNvSpPr>
@@ -321,23 +284,15 @@
             <a:normAutofit/>
           </a:bodyPr>
           <a:p>
-            <a:pPr algn="r" rtl="1">
-              <a:spcBef>
-                <a:spcPts val="1417"/>
-              </a:spcBef>
-            </a:pPr>
-            <a:endParaRPr b="0" lang="he-IL" sz="3200" spc="-1" strike="noStrike">
-              <a:solidFill>
-                <a:srgbClr val="000000"/>
-              </a:solidFill>
-              <a:latin typeface="Calibri"/>
+            <a:endParaRPr b="0" lang="en-US" sz="3200" spc="-1" strike="noStrike">
+              <a:latin typeface="Arial"/>
             </a:endParaRPr>
           </a:p>
         </p:txBody>
       </p:sp>
       <p:sp>
         <p:nvSpPr>
-          <p:cNvPr id="33" name="PlaceHolder 5"/>
+          <p:cNvPr id="30" name="PlaceHolder 5"/>
           <p:cNvSpPr>
             <a:spLocks noGrp="1"/>
           </p:cNvSpPr>
@@ -359,16 +314,8 @@
             <a:normAutofit/>
           </a:bodyPr>
           <a:p>
-            <a:pPr algn="r" rtl="1">
-              <a:spcBef>
-                <a:spcPts val="1417"/>
-              </a:spcBef>
-            </a:pPr>
-            <a:endParaRPr b="0" lang="he-IL" sz="3200" spc="-1" strike="noStrike">
-              <a:solidFill>
-                <a:srgbClr val="000000"/>
-              </a:solidFill>
-              <a:latin typeface="Calibri"/>
+            <a:endParaRPr b="0" lang="en-US" sz="3200" spc="-1" strike="noStrike">
+              <a:latin typeface="Arial"/>
             </a:endParaRPr>
           </a:p>
         </p:txBody>
@@ -397,7 +344,7 @@
       </p:grpSpPr>
       <p:sp>
         <p:nvSpPr>
-          <p:cNvPr id="34" name="PlaceHolder 1"/>
+          <p:cNvPr id="31" name="PlaceHolder 1"/>
           <p:cNvSpPr>
             <a:spLocks noGrp="1"/>
           </p:cNvSpPr>
@@ -408,7 +355,7 @@
         <p:spPr>
           <a:xfrm>
             <a:off x="685800" y="2130480"/>
-            <a:ext cx="7772040" cy="1469520"/>
+            <a:ext cx="7771680" cy="1469160"/>
           </a:xfrm>
           <a:prstGeom prst="rect">
             <a:avLst/>
@@ -417,19 +364,16 @@
         <p:txBody>
           <a:bodyPr lIns="0" rIns="0" tIns="0" bIns="0" anchor="ctr"/>
           <a:p>
-            <a:pPr algn="r" rtl="1"/>
-            <a:endParaRPr b="0" lang="he-IL" sz="1800" spc="-1" strike="noStrike">
-              <a:solidFill>
-                <a:srgbClr val="000000"/>
-              </a:solidFill>
-              <a:latin typeface="Calibri"/>
+            <a:pPr algn="ctr"/>
+            <a:endParaRPr b="0" lang="en-US" sz="4400" spc="-1" strike="noStrike">
+              <a:latin typeface="Arial"/>
             </a:endParaRPr>
           </a:p>
         </p:txBody>
       </p:sp>
       <p:sp>
         <p:nvSpPr>
-          <p:cNvPr id="35" name="PlaceHolder 2"/>
+          <p:cNvPr id="32" name="PlaceHolder 2"/>
           <p:cNvSpPr>
             <a:spLocks noGrp="1"/>
           </p:cNvSpPr>
@@ -451,23 +395,15 @@
             <a:normAutofit/>
           </a:bodyPr>
           <a:p>
-            <a:pPr algn="r" rtl="1">
-              <a:spcBef>
-                <a:spcPts val="1417"/>
-              </a:spcBef>
-            </a:pPr>
-            <a:endParaRPr b="0" lang="he-IL" sz="3200" spc="-1" strike="noStrike">
-              <a:solidFill>
-                <a:srgbClr val="000000"/>
-              </a:solidFill>
-              <a:latin typeface="Calibri"/>
+            <a:endParaRPr b="0" lang="en-US" sz="3200" spc="-1" strike="noStrike">
+              <a:latin typeface="Arial"/>
             </a:endParaRPr>
           </a:p>
         </p:txBody>
       </p:sp>
       <p:sp>
         <p:nvSpPr>
-          <p:cNvPr id="36" name="PlaceHolder 3"/>
+          <p:cNvPr id="33" name="PlaceHolder 3"/>
           <p:cNvSpPr>
             <a:spLocks noGrp="1"/>
           </p:cNvSpPr>
@@ -489,23 +425,15 @@
             <a:normAutofit/>
           </a:bodyPr>
           <a:p>
-            <a:pPr algn="r" rtl="1">
-              <a:spcBef>
-                <a:spcPts val="1417"/>
-              </a:spcBef>
-            </a:pPr>
-            <a:endParaRPr b="0" lang="he-IL" sz="3200" spc="-1" strike="noStrike">
-              <a:solidFill>
-                <a:srgbClr val="000000"/>
-              </a:solidFill>
-              <a:latin typeface="Calibri"/>
+            <a:endParaRPr b="0" lang="en-US" sz="3200" spc="-1" strike="noStrike">
+              <a:latin typeface="Arial"/>
             </a:endParaRPr>
           </a:p>
         </p:txBody>
       </p:sp>
       <p:sp>
         <p:nvSpPr>
-          <p:cNvPr id="37" name="PlaceHolder 4"/>
+          <p:cNvPr id="34" name="PlaceHolder 4"/>
           <p:cNvSpPr>
             <a:spLocks noGrp="1"/>
           </p:cNvSpPr>
@@ -527,23 +455,15 @@
             <a:normAutofit/>
           </a:bodyPr>
           <a:p>
-            <a:pPr algn="r" rtl="1">
-              <a:spcBef>
-                <a:spcPts val="1417"/>
-              </a:spcBef>
-            </a:pPr>
-            <a:endParaRPr b="0" lang="he-IL" sz="3200" spc="-1" strike="noStrike">
-              <a:solidFill>
-                <a:srgbClr val="000000"/>
-              </a:solidFill>
-              <a:latin typeface="Calibri"/>
+            <a:endParaRPr b="0" lang="en-US" sz="3200" spc="-1" strike="noStrike">
+              <a:latin typeface="Arial"/>
             </a:endParaRPr>
           </a:p>
         </p:txBody>
       </p:sp>
       <p:sp>
         <p:nvSpPr>
-          <p:cNvPr id="38" name="PlaceHolder 5"/>
+          <p:cNvPr id="35" name="PlaceHolder 5"/>
           <p:cNvSpPr>
             <a:spLocks noGrp="1"/>
           </p:cNvSpPr>
@@ -565,23 +485,15 @@
             <a:normAutofit/>
           </a:bodyPr>
           <a:p>
-            <a:pPr algn="r" rtl="1">
-              <a:spcBef>
-                <a:spcPts val="1417"/>
-              </a:spcBef>
-            </a:pPr>
-            <a:endParaRPr b="0" lang="he-IL" sz="3200" spc="-1" strike="noStrike">
-              <a:solidFill>
-                <a:srgbClr val="000000"/>
-              </a:solidFill>
-              <a:latin typeface="Calibri"/>
+            <a:endParaRPr b="0" lang="en-US" sz="3200" spc="-1" strike="noStrike">
+              <a:latin typeface="Arial"/>
             </a:endParaRPr>
           </a:p>
         </p:txBody>
       </p:sp>
       <p:sp>
         <p:nvSpPr>
-          <p:cNvPr id="39" name="PlaceHolder 6"/>
+          <p:cNvPr id="36" name="PlaceHolder 6"/>
           <p:cNvSpPr>
             <a:spLocks noGrp="1"/>
           </p:cNvSpPr>
@@ -603,23 +515,15 @@
             <a:normAutofit/>
           </a:bodyPr>
           <a:p>
-            <a:pPr algn="r" rtl="1">
-              <a:spcBef>
-                <a:spcPts val="1417"/>
-              </a:spcBef>
-            </a:pPr>
-            <a:endParaRPr b="0" lang="he-IL" sz="3200" spc="-1" strike="noStrike">
-              <a:solidFill>
-                <a:srgbClr val="000000"/>
-              </a:solidFill>
-              <a:latin typeface="Calibri"/>
+            <a:endParaRPr b="0" lang="en-US" sz="3200" spc="-1" strike="noStrike">
+              <a:latin typeface="Arial"/>
             </a:endParaRPr>
           </a:p>
         </p:txBody>
       </p:sp>
       <p:sp>
         <p:nvSpPr>
-          <p:cNvPr id="40" name="PlaceHolder 7"/>
+          <p:cNvPr id="37" name="PlaceHolder 7"/>
           <p:cNvSpPr>
             <a:spLocks noGrp="1"/>
           </p:cNvSpPr>
@@ -641,16 +545,8 @@
             <a:normAutofit/>
           </a:bodyPr>
           <a:p>
-            <a:pPr algn="r" rtl="1">
-              <a:spcBef>
-                <a:spcPts val="1417"/>
-              </a:spcBef>
-            </a:pPr>
-            <a:endParaRPr b="0" lang="he-IL" sz="3200" spc="-1" strike="noStrike">
-              <a:solidFill>
-                <a:srgbClr val="000000"/>
-              </a:solidFill>
-              <a:latin typeface="Calibri"/>
+            <a:endParaRPr b="0" lang="en-US" sz="3200" spc="-1" strike="noStrike">
+              <a:latin typeface="Arial"/>
             </a:endParaRPr>
           </a:p>
         </p:txBody>
@@ -679,7 +575,7 @@
       </p:grpSpPr>
       <p:sp>
         <p:nvSpPr>
-          <p:cNvPr id="5" name="PlaceHolder 1"/>
+          <p:cNvPr id="2" name="PlaceHolder 1"/>
           <p:cNvSpPr>
             <a:spLocks noGrp="1"/>
           </p:cNvSpPr>
@@ -690,7 +586,7 @@
         <p:spPr>
           <a:xfrm>
             <a:off x="685800" y="2130480"/>
-            <a:ext cx="7772040" cy="1469520"/>
+            <a:ext cx="7771680" cy="1469160"/>
           </a:xfrm>
           <a:prstGeom prst="rect">
             <a:avLst/>
@@ -699,19 +595,16 @@
         <p:txBody>
           <a:bodyPr lIns="0" rIns="0" tIns="0" bIns="0" anchor="ctr"/>
           <a:p>
-            <a:pPr algn="r" rtl="1"/>
-            <a:endParaRPr b="0" lang="he-IL" sz="1800" spc="-1" strike="noStrike">
-              <a:solidFill>
-                <a:srgbClr val="000000"/>
-              </a:solidFill>
-              <a:latin typeface="Calibri"/>
+            <a:pPr algn="ctr"/>
+            <a:endParaRPr b="0" lang="en-US" sz="4400" spc="-1" strike="noStrike">
+              <a:latin typeface="Arial"/>
             </a:endParaRPr>
           </a:p>
         </p:txBody>
       </p:sp>
       <p:sp>
         <p:nvSpPr>
-          <p:cNvPr id="6" name="PlaceHolder 2"/>
+          <p:cNvPr id="3" name="PlaceHolder 2"/>
           <p:cNvSpPr>
             <a:spLocks noGrp="1"/>
           </p:cNvSpPr>
@@ -762,7 +655,7 @@
       </p:grpSpPr>
       <p:sp>
         <p:nvSpPr>
-          <p:cNvPr id="7" name="PlaceHolder 1"/>
+          <p:cNvPr id="4" name="PlaceHolder 1"/>
           <p:cNvSpPr>
             <a:spLocks noGrp="1"/>
           </p:cNvSpPr>
@@ -773,7 +666,7 @@
         <p:spPr>
           <a:xfrm>
             <a:off x="685800" y="2130480"/>
-            <a:ext cx="7772040" cy="1469520"/>
+            <a:ext cx="7771680" cy="1469160"/>
           </a:xfrm>
           <a:prstGeom prst="rect">
             <a:avLst/>
@@ -782,19 +675,16 @@
         <p:txBody>
           <a:bodyPr lIns="0" rIns="0" tIns="0" bIns="0" anchor="ctr"/>
           <a:p>
-            <a:pPr algn="r" rtl="1"/>
-            <a:endParaRPr b="0" lang="he-IL" sz="1800" spc="-1" strike="noStrike">
-              <a:solidFill>
-                <a:srgbClr val="000000"/>
-              </a:solidFill>
-              <a:latin typeface="Calibri"/>
+            <a:pPr algn="ctr"/>
+            <a:endParaRPr b="0" lang="en-US" sz="4400" spc="-1" strike="noStrike">
+              <a:latin typeface="Arial"/>
             </a:endParaRPr>
           </a:p>
         </p:txBody>
       </p:sp>
       <p:sp>
         <p:nvSpPr>
-          <p:cNvPr id="8" name="PlaceHolder 2"/>
+          <p:cNvPr id="5" name="PlaceHolder 2"/>
           <p:cNvSpPr>
             <a:spLocks noGrp="1"/>
           </p:cNvSpPr>
@@ -816,16 +706,8 @@
             <a:normAutofit/>
           </a:bodyPr>
           <a:p>
-            <a:pPr algn="r" rtl="1">
-              <a:spcBef>
-                <a:spcPts val="1417"/>
-              </a:spcBef>
-            </a:pPr>
-            <a:endParaRPr b="0" lang="he-IL" sz="3200" spc="-1" strike="noStrike">
-              <a:solidFill>
-                <a:srgbClr val="000000"/>
-              </a:solidFill>
-              <a:latin typeface="Calibri"/>
+            <a:endParaRPr b="0" lang="en-US" sz="3200" spc="-1" strike="noStrike">
+              <a:latin typeface="Arial"/>
             </a:endParaRPr>
           </a:p>
         </p:txBody>
@@ -854,7 +736,7 @@
       </p:grpSpPr>
       <p:sp>
         <p:nvSpPr>
-          <p:cNvPr id="9" name="PlaceHolder 1"/>
+          <p:cNvPr id="6" name="PlaceHolder 1"/>
           <p:cNvSpPr>
             <a:spLocks noGrp="1"/>
           </p:cNvSpPr>
@@ -865,7 +747,7 @@
         <p:spPr>
           <a:xfrm>
             <a:off x="685800" y="2130480"/>
-            <a:ext cx="7772040" cy="1469520"/>
+            <a:ext cx="7771680" cy="1469160"/>
           </a:xfrm>
           <a:prstGeom prst="rect">
             <a:avLst/>
@@ -874,19 +756,16 @@
         <p:txBody>
           <a:bodyPr lIns="0" rIns="0" tIns="0" bIns="0" anchor="ctr"/>
           <a:p>
-            <a:pPr algn="r" rtl="1"/>
-            <a:endParaRPr b="0" lang="he-IL" sz="1800" spc="-1" strike="noStrike">
-              <a:solidFill>
-                <a:srgbClr val="000000"/>
-              </a:solidFill>
-              <a:latin typeface="Calibri"/>
+            <a:pPr algn="ctr"/>
+            <a:endParaRPr b="0" lang="en-US" sz="4400" spc="-1" strike="noStrike">
+              <a:latin typeface="Arial"/>
             </a:endParaRPr>
           </a:p>
         </p:txBody>
       </p:sp>
       <p:sp>
         <p:nvSpPr>
-          <p:cNvPr id="10" name="PlaceHolder 2"/>
+          <p:cNvPr id="7" name="PlaceHolder 2"/>
           <p:cNvSpPr>
             <a:spLocks noGrp="1"/>
           </p:cNvSpPr>
@@ -908,23 +787,15 @@
             <a:normAutofit/>
           </a:bodyPr>
           <a:p>
-            <a:pPr algn="r" rtl="1">
-              <a:spcBef>
-                <a:spcPts val="1417"/>
-              </a:spcBef>
-            </a:pPr>
-            <a:endParaRPr b="0" lang="he-IL" sz="3200" spc="-1" strike="noStrike">
-              <a:solidFill>
-                <a:srgbClr val="000000"/>
-              </a:solidFill>
-              <a:latin typeface="Calibri"/>
+            <a:endParaRPr b="0" lang="en-US" sz="3200" spc="-1" strike="noStrike">
+              <a:latin typeface="Arial"/>
             </a:endParaRPr>
           </a:p>
         </p:txBody>
       </p:sp>
       <p:sp>
         <p:nvSpPr>
-          <p:cNvPr id="11" name="PlaceHolder 3"/>
+          <p:cNvPr id="8" name="PlaceHolder 3"/>
           <p:cNvSpPr>
             <a:spLocks noGrp="1"/>
           </p:cNvSpPr>
@@ -946,16 +817,8 @@
             <a:normAutofit/>
           </a:bodyPr>
           <a:p>
-            <a:pPr algn="r" rtl="1">
-              <a:spcBef>
-                <a:spcPts val="1417"/>
-              </a:spcBef>
-            </a:pPr>
-            <a:endParaRPr b="0" lang="he-IL" sz="3200" spc="-1" strike="noStrike">
-              <a:solidFill>
-                <a:srgbClr val="000000"/>
-              </a:solidFill>
-              <a:latin typeface="Calibri"/>
+            <a:endParaRPr b="0" lang="en-US" sz="3200" spc="-1" strike="noStrike">
+              <a:latin typeface="Arial"/>
             </a:endParaRPr>
           </a:p>
         </p:txBody>
@@ -984,7 +847,7 @@
       </p:grpSpPr>
       <p:sp>
         <p:nvSpPr>
-          <p:cNvPr id="12" name="PlaceHolder 1"/>
+          <p:cNvPr id="9" name="PlaceHolder 1"/>
           <p:cNvSpPr>
             <a:spLocks noGrp="1"/>
           </p:cNvSpPr>
@@ -995,7 +858,7 @@
         <p:spPr>
           <a:xfrm>
             <a:off x="685800" y="2130480"/>
-            <a:ext cx="7772040" cy="1469520"/>
+            <a:ext cx="7771680" cy="1469160"/>
           </a:xfrm>
           <a:prstGeom prst="rect">
             <a:avLst/>
@@ -1004,12 +867,9 @@
         <p:txBody>
           <a:bodyPr lIns="0" rIns="0" tIns="0" bIns="0" anchor="ctr"/>
           <a:p>
-            <a:pPr algn="r" rtl="1"/>
-            <a:endParaRPr b="0" lang="he-IL" sz="1800" spc="-1" strike="noStrike">
-              <a:solidFill>
-                <a:srgbClr val="000000"/>
-              </a:solidFill>
-              <a:latin typeface="Calibri"/>
+            <a:pPr algn="ctr"/>
+            <a:endParaRPr b="0" lang="en-US" sz="4400" spc="-1" strike="noStrike">
+              <a:latin typeface="Arial"/>
             </a:endParaRPr>
           </a:p>
         </p:txBody>
@@ -1038,7 +898,7 @@
       </p:grpSpPr>
       <p:sp>
         <p:nvSpPr>
-          <p:cNvPr id="13" name="PlaceHolder 1"/>
+          <p:cNvPr id="10" name="PlaceHolder 1"/>
           <p:cNvSpPr>
             <a:spLocks noGrp="1"/>
           </p:cNvSpPr>
@@ -1049,7 +909,7 @@
         <p:spPr>
           <a:xfrm>
             <a:off x="685800" y="2130480"/>
-            <a:ext cx="7772040" cy="6813000"/>
+            <a:ext cx="7771680" cy="6811560"/>
           </a:xfrm>
           <a:prstGeom prst="rect">
             <a:avLst/>
@@ -1089,7 +949,7 @@
       </p:grpSpPr>
       <p:sp>
         <p:nvSpPr>
-          <p:cNvPr id="14" name="PlaceHolder 1"/>
+          <p:cNvPr id="11" name="PlaceHolder 1"/>
           <p:cNvSpPr>
             <a:spLocks noGrp="1"/>
           </p:cNvSpPr>
@@ -1100,7 +960,7 @@
         <p:spPr>
           <a:xfrm>
             <a:off x="685800" y="2130480"/>
-            <a:ext cx="7772040" cy="1469520"/>
+            <a:ext cx="7771680" cy="1469160"/>
           </a:xfrm>
           <a:prstGeom prst="rect">
             <a:avLst/>
@@ -1109,19 +969,16 @@
         <p:txBody>
           <a:bodyPr lIns="0" rIns="0" tIns="0" bIns="0" anchor="ctr"/>
           <a:p>
-            <a:pPr algn="r" rtl="1"/>
-            <a:endParaRPr b="0" lang="he-IL" sz="1800" spc="-1" strike="noStrike">
-              <a:solidFill>
-                <a:srgbClr val="000000"/>
-              </a:solidFill>
-              <a:latin typeface="Calibri"/>
+            <a:pPr algn="ctr"/>
+            <a:endParaRPr b="0" lang="en-US" sz="4400" spc="-1" strike="noStrike">
+              <a:latin typeface="Arial"/>
             </a:endParaRPr>
           </a:p>
         </p:txBody>
       </p:sp>
       <p:sp>
         <p:nvSpPr>
-          <p:cNvPr id="15" name="PlaceHolder 2"/>
+          <p:cNvPr id="12" name="PlaceHolder 2"/>
           <p:cNvSpPr>
             <a:spLocks noGrp="1"/>
           </p:cNvSpPr>
@@ -1143,23 +1000,15 @@
             <a:normAutofit/>
           </a:bodyPr>
           <a:p>
-            <a:pPr algn="r" rtl="1">
-              <a:spcBef>
-                <a:spcPts val="1417"/>
-              </a:spcBef>
-            </a:pPr>
-            <a:endParaRPr b="0" lang="he-IL" sz="3200" spc="-1" strike="noStrike">
-              <a:solidFill>
-                <a:srgbClr val="000000"/>
-              </a:solidFill>
-              <a:latin typeface="Calibri"/>
+            <a:endParaRPr b="0" lang="en-US" sz="3200" spc="-1" strike="noStrike">
+              <a:latin typeface="Arial"/>
             </a:endParaRPr>
           </a:p>
         </p:txBody>
       </p:sp>
       <p:sp>
         <p:nvSpPr>
-          <p:cNvPr id="16" name="PlaceHolder 3"/>
+          <p:cNvPr id="13" name="PlaceHolder 3"/>
           <p:cNvSpPr>
             <a:spLocks noGrp="1"/>
           </p:cNvSpPr>
@@ -1181,23 +1030,15 @@
             <a:normAutofit/>
           </a:bodyPr>
           <a:p>
-            <a:pPr algn="r" rtl="1">
-              <a:spcBef>
-                <a:spcPts val="1417"/>
-              </a:spcBef>
-            </a:pPr>
-            <a:endParaRPr b="0" lang="he-IL" sz="3200" spc="-1" strike="noStrike">
-              <a:solidFill>
-                <a:srgbClr val="000000"/>
-              </a:solidFill>
-              <a:latin typeface="Calibri"/>
+            <a:endParaRPr b="0" lang="en-US" sz="3200" spc="-1" strike="noStrike">
+              <a:latin typeface="Arial"/>
             </a:endParaRPr>
           </a:p>
         </p:txBody>
       </p:sp>
       <p:sp>
         <p:nvSpPr>
-          <p:cNvPr id="17" name="PlaceHolder 4"/>
+          <p:cNvPr id="14" name="PlaceHolder 4"/>
           <p:cNvSpPr>
             <a:spLocks noGrp="1"/>
           </p:cNvSpPr>
@@ -1219,16 +1060,8 @@
             <a:normAutofit/>
           </a:bodyPr>
           <a:p>
-            <a:pPr algn="r" rtl="1">
-              <a:spcBef>
-                <a:spcPts val="1417"/>
-              </a:spcBef>
-            </a:pPr>
-            <a:endParaRPr b="0" lang="he-IL" sz="3200" spc="-1" strike="noStrike">
-              <a:solidFill>
-                <a:srgbClr val="000000"/>
-              </a:solidFill>
-              <a:latin typeface="Calibri"/>
+            <a:endParaRPr b="0" lang="en-US" sz="3200" spc="-1" strike="noStrike">
+              <a:latin typeface="Arial"/>
             </a:endParaRPr>
           </a:p>
         </p:txBody>
@@ -1257,7 +1090,7 @@
       </p:grpSpPr>
       <p:sp>
         <p:nvSpPr>
-          <p:cNvPr id="18" name="PlaceHolder 1"/>
+          <p:cNvPr id="15" name="PlaceHolder 1"/>
           <p:cNvSpPr>
             <a:spLocks noGrp="1"/>
           </p:cNvSpPr>
@@ -1268,7 +1101,7 @@
         <p:spPr>
           <a:xfrm>
             <a:off x="685800" y="2130480"/>
-            <a:ext cx="7772040" cy="1469520"/>
+            <a:ext cx="7771680" cy="1469160"/>
           </a:xfrm>
           <a:prstGeom prst="rect">
             <a:avLst/>
@@ -1277,19 +1110,16 @@
         <p:txBody>
           <a:bodyPr lIns="0" rIns="0" tIns="0" bIns="0" anchor="ctr"/>
           <a:p>
-            <a:pPr algn="r" rtl="1"/>
-            <a:endParaRPr b="0" lang="he-IL" sz="1800" spc="-1" strike="noStrike">
-              <a:solidFill>
-                <a:srgbClr val="000000"/>
-              </a:solidFill>
-              <a:latin typeface="Calibri"/>
+            <a:pPr algn="ctr"/>
+            <a:endParaRPr b="0" lang="en-US" sz="4400" spc="-1" strike="noStrike">
+              <a:latin typeface="Arial"/>
             </a:endParaRPr>
           </a:p>
         </p:txBody>
       </p:sp>
       <p:sp>
         <p:nvSpPr>
-          <p:cNvPr id="19" name="PlaceHolder 2"/>
+          <p:cNvPr id="16" name="PlaceHolder 2"/>
           <p:cNvSpPr>
             <a:spLocks noGrp="1"/>
           </p:cNvSpPr>
@@ -1311,23 +1141,15 @@
             <a:normAutofit/>
           </a:bodyPr>
           <a:p>
-            <a:pPr algn="r" rtl="1">
-              <a:spcBef>
-                <a:spcPts val="1417"/>
-              </a:spcBef>
-            </a:pPr>
-            <a:endParaRPr b="0" lang="he-IL" sz="3200" spc="-1" strike="noStrike">
-              <a:solidFill>
-                <a:srgbClr val="000000"/>
-              </a:solidFill>
-              <a:latin typeface="Calibri"/>
+            <a:endParaRPr b="0" lang="en-US" sz="3200" spc="-1" strike="noStrike">
+              <a:latin typeface="Arial"/>
             </a:endParaRPr>
           </a:p>
         </p:txBody>
       </p:sp>
       <p:sp>
         <p:nvSpPr>
-          <p:cNvPr id="20" name="PlaceHolder 3"/>
+          <p:cNvPr id="17" name="PlaceHolder 3"/>
           <p:cNvSpPr>
             <a:spLocks noGrp="1"/>
           </p:cNvSpPr>
@@ -1349,23 +1171,15 @@
             <a:normAutofit/>
           </a:bodyPr>
           <a:p>
-            <a:pPr algn="r" rtl="1">
-              <a:spcBef>
-                <a:spcPts val="1417"/>
-              </a:spcBef>
-            </a:pPr>
-            <a:endParaRPr b="0" lang="he-IL" sz="3200" spc="-1" strike="noStrike">
-              <a:solidFill>
-                <a:srgbClr val="000000"/>
-              </a:solidFill>
-              <a:latin typeface="Calibri"/>
+            <a:endParaRPr b="0" lang="en-US" sz="3200" spc="-1" strike="noStrike">
+              <a:latin typeface="Arial"/>
             </a:endParaRPr>
           </a:p>
         </p:txBody>
       </p:sp>
       <p:sp>
         <p:nvSpPr>
-          <p:cNvPr id="21" name="PlaceHolder 4"/>
+          <p:cNvPr id="18" name="PlaceHolder 4"/>
           <p:cNvSpPr>
             <a:spLocks noGrp="1"/>
           </p:cNvSpPr>
@@ -1387,16 +1201,8 @@
             <a:normAutofit/>
           </a:bodyPr>
           <a:p>
-            <a:pPr algn="r" rtl="1">
-              <a:spcBef>
-                <a:spcPts val="1417"/>
-              </a:spcBef>
-            </a:pPr>
-            <a:endParaRPr b="0" lang="he-IL" sz="3200" spc="-1" strike="noStrike">
-              <a:solidFill>
-                <a:srgbClr val="000000"/>
-              </a:solidFill>
-              <a:latin typeface="Calibri"/>
+            <a:endParaRPr b="0" lang="en-US" sz="3200" spc="-1" strike="noStrike">
+              <a:latin typeface="Arial"/>
             </a:endParaRPr>
           </a:p>
         </p:txBody>
@@ -1425,7 +1231,7 @@
       </p:grpSpPr>
       <p:sp>
         <p:nvSpPr>
-          <p:cNvPr id="22" name="PlaceHolder 1"/>
+          <p:cNvPr id="19" name="PlaceHolder 1"/>
           <p:cNvSpPr>
             <a:spLocks noGrp="1"/>
           </p:cNvSpPr>
@@ -1436,7 +1242,7 @@
         <p:spPr>
           <a:xfrm>
             <a:off x="685800" y="2130480"/>
-            <a:ext cx="7772040" cy="1469520"/>
+            <a:ext cx="7771680" cy="1469160"/>
           </a:xfrm>
           <a:prstGeom prst="rect">
             <a:avLst/>
@@ -1445,19 +1251,16 @@
         <p:txBody>
           <a:bodyPr lIns="0" rIns="0" tIns="0" bIns="0" anchor="ctr"/>
           <a:p>
-            <a:pPr algn="r" rtl="1"/>
-            <a:endParaRPr b="0" lang="he-IL" sz="1800" spc="-1" strike="noStrike">
-              <a:solidFill>
-                <a:srgbClr val="000000"/>
-              </a:solidFill>
-              <a:latin typeface="Calibri"/>
+            <a:pPr algn="ctr"/>
+            <a:endParaRPr b="0" lang="en-US" sz="4400" spc="-1" strike="noStrike">
+              <a:latin typeface="Arial"/>
             </a:endParaRPr>
           </a:p>
         </p:txBody>
       </p:sp>
       <p:sp>
         <p:nvSpPr>
-          <p:cNvPr id="23" name="PlaceHolder 2"/>
+          <p:cNvPr id="20" name="PlaceHolder 2"/>
           <p:cNvSpPr>
             <a:spLocks noGrp="1"/>
           </p:cNvSpPr>
@@ -1479,23 +1282,15 @@
             <a:normAutofit/>
           </a:bodyPr>
           <a:p>
-            <a:pPr algn="r" rtl="1">
-              <a:spcBef>
-                <a:spcPts val="1417"/>
-              </a:spcBef>
-            </a:pPr>
-            <a:endParaRPr b="0" lang="he-IL" sz="3200" spc="-1" strike="noStrike">
-              <a:solidFill>
-                <a:srgbClr val="000000"/>
-              </a:solidFill>
-              <a:latin typeface="Calibri"/>
+            <a:endParaRPr b="0" lang="en-US" sz="3200" spc="-1" strike="noStrike">
+              <a:latin typeface="Arial"/>
             </a:endParaRPr>
           </a:p>
         </p:txBody>
       </p:sp>
       <p:sp>
         <p:nvSpPr>
-          <p:cNvPr id="24" name="PlaceHolder 3"/>
+          <p:cNvPr id="21" name="PlaceHolder 3"/>
           <p:cNvSpPr>
             <a:spLocks noGrp="1"/>
           </p:cNvSpPr>
@@ -1517,23 +1312,15 @@
             <a:normAutofit/>
           </a:bodyPr>
           <a:p>
-            <a:pPr algn="r" rtl="1">
-              <a:spcBef>
-                <a:spcPts val="1417"/>
-              </a:spcBef>
-            </a:pPr>
-            <a:endParaRPr b="0" lang="he-IL" sz="3200" spc="-1" strike="noStrike">
-              <a:solidFill>
-                <a:srgbClr val="000000"/>
-              </a:solidFill>
-              <a:latin typeface="Calibri"/>
+            <a:endParaRPr b="0" lang="en-US" sz="3200" spc="-1" strike="noStrike">
+              <a:latin typeface="Arial"/>
             </a:endParaRPr>
           </a:p>
         </p:txBody>
       </p:sp>
       <p:sp>
         <p:nvSpPr>
-          <p:cNvPr id="25" name="PlaceHolder 4"/>
+          <p:cNvPr id="22" name="PlaceHolder 4"/>
           <p:cNvSpPr>
             <a:spLocks noGrp="1"/>
           </p:cNvSpPr>
@@ -1555,16 +1342,8 @@
             <a:normAutofit/>
           </a:bodyPr>
           <a:p>
-            <a:pPr algn="r" rtl="1">
-              <a:spcBef>
-                <a:spcPts val="1417"/>
-              </a:spcBef>
-            </a:pPr>
-            <a:endParaRPr b="0" lang="he-IL" sz="3200" spc="-1" strike="noStrike">
-              <a:solidFill>
-                <a:srgbClr val="000000"/>
-              </a:solidFill>
-              <a:latin typeface="Calibri"/>
+            <a:endParaRPr b="0" lang="en-US" sz="3200" spc="-1" strike="noStrike">
+              <a:latin typeface="Arial"/>
             </a:endParaRPr>
           </a:p>
         </p:txBody>
@@ -1611,34 +1390,23 @@
         <p:spPr>
           <a:xfrm>
             <a:off x="685800" y="2130480"/>
-            <a:ext cx="7772040" cy="1469520"/>
+            <a:ext cx="7771680" cy="1469160"/>
           </a:xfrm>
           <a:prstGeom prst="rect">
             <a:avLst/>
           </a:prstGeom>
         </p:spPr>
         <p:txBody>
-          <a:bodyPr anchor="ctr"/>
+          <a:bodyPr lIns="0" rIns="0" tIns="0" bIns="0" anchor="ctr"/>
           <a:p>
-            <a:pPr algn="ctr" rtl="1">
-              <a:lnSpc>
-                <a:spcPct val="100000"/>
-              </a:lnSpc>
-            </a:pPr>
             <a:r>
-              <a:rPr b="0" lang="he-IL" sz="4400" spc="-1" strike="noStrike">
-                <a:solidFill>
-                  <a:srgbClr val="000000"/>
-                </a:solidFill>
-                <a:latin typeface="Calibri"/>
+              <a:rPr b="0" lang="en-US" sz="1800" spc="-1" strike="noStrike">
+                <a:latin typeface="Arial"/>
               </a:rPr>
-              <a:t>לחץ כדי לערוך סגנון כותרת של תבנית בסיס</a:t>
+              <a:t>Click to edit the title text format</a:t>
             </a:r>
-            <a:endParaRPr b="0" lang="he-IL" sz="4400" spc="-1" strike="noStrike">
-              <a:solidFill>
-                <a:srgbClr val="000000"/>
-              </a:solidFill>
-              <a:latin typeface="Calibri"/>
+            <a:endParaRPr b="0" lang="en-US" sz="1800" spc="-1" strike="noStrike">
+              <a:latin typeface="Arial"/>
             </a:endParaRPr>
           </a:p>
         </p:txBody>
@@ -1646,118 +1414,6 @@
       <p:sp>
         <p:nvSpPr>
           <p:cNvPr id="1" name="PlaceHolder 2"/>
-          <p:cNvSpPr>
-            <a:spLocks noGrp="1"/>
-          </p:cNvSpPr>
-          <p:nvPr>
-            <p:ph type="dt"/>
-          </p:nvPr>
-        </p:nvSpPr>
-        <p:spPr>
-          <a:xfrm>
-            <a:off x="6553080" y="6356520"/>
-            <a:ext cx="2133360" cy="364680"/>
-          </a:xfrm>
-          <a:prstGeom prst="rect">
-            <a:avLst/>
-          </a:prstGeom>
-        </p:spPr>
-        <p:txBody>
-          <a:bodyPr anchor="ctr"/>
-          <a:p>
-            <a:pPr algn="r" rtl="1">
-              <a:lnSpc>
-                <a:spcPct val="100000"/>
-              </a:lnSpc>
-            </a:pPr>
-            <a:fld id="{14C9A137-2CB0-4B19-8CC2-AAEAAC40FF9C}" type="datetime">
-              <a:rPr b="0" lang="en-US" sz="1200" spc="-1" strike="noStrike">
-                <a:solidFill>
-                  <a:srgbClr val="8b8b8b"/>
-                </a:solidFill>
-                <a:latin typeface="Calibri"/>
-              </a:rPr>
-              <a:t>4/5/19</a:t>
-            </a:fld>
-            <a:endParaRPr b="0" lang="en-US" sz="1200" spc="-1" strike="noStrike">
-              <a:latin typeface="Times New Roman"/>
-            </a:endParaRPr>
-          </a:p>
-        </p:txBody>
-      </p:sp>
-      <p:sp>
-        <p:nvSpPr>
-          <p:cNvPr id="2" name="PlaceHolder 3"/>
-          <p:cNvSpPr>
-            <a:spLocks noGrp="1"/>
-          </p:cNvSpPr>
-          <p:nvPr>
-            <p:ph type="ftr"/>
-          </p:nvPr>
-        </p:nvSpPr>
-        <p:spPr>
-          <a:xfrm>
-            <a:off x="3124080" y="6356520"/>
-            <a:ext cx="2895120" cy="364680"/>
-          </a:xfrm>
-          <a:prstGeom prst="rect">
-            <a:avLst/>
-          </a:prstGeom>
-        </p:spPr>
-        <p:txBody>
-          <a:bodyPr anchor="ctr"/>
-          <a:p>
-            <a:endParaRPr b="0" lang="en-US" sz="2400" spc="-1" strike="noStrike">
-              <a:latin typeface="Times New Roman"/>
-            </a:endParaRPr>
-          </a:p>
-        </p:txBody>
-      </p:sp>
-      <p:sp>
-        <p:nvSpPr>
-          <p:cNvPr id="3" name="PlaceHolder 4"/>
-          <p:cNvSpPr>
-            <a:spLocks noGrp="1"/>
-          </p:cNvSpPr>
-          <p:nvPr>
-            <p:ph type="sldNum"/>
-          </p:nvPr>
-        </p:nvSpPr>
-        <p:spPr>
-          <a:xfrm>
-            <a:off x="457200" y="6356520"/>
-            <a:ext cx="2133360" cy="364680"/>
-          </a:xfrm>
-          <a:prstGeom prst="rect">
-            <a:avLst/>
-          </a:prstGeom>
-        </p:spPr>
-        <p:txBody>
-          <a:bodyPr anchor="ctr"/>
-          <a:p>
-            <a:pPr rtl="1">
-              <a:lnSpc>
-                <a:spcPct val="100000"/>
-              </a:lnSpc>
-            </a:pPr>
-            <a:fld id="{1C8D3BF8-035C-4A9D-BC9A-F6CE05F5D3E8}" type="slidenum">
-              <a:rPr b="0" lang="en-US" sz="1200" spc="-1" strike="noStrike">
-                <a:solidFill>
-                  <a:srgbClr val="8b8b8b"/>
-                </a:solidFill>
-                <a:latin typeface="Calibri"/>
-              </a:rPr>
-              <a:t>&lt;number&gt;</a:t>
-            </a:fld>
-            <a:endParaRPr b="0" lang="en-US" sz="1200" spc="-1" strike="noStrike">
-              <a:latin typeface="Times New Roman"/>
-            </a:endParaRPr>
-          </a:p>
-        </p:txBody>
-      </p:sp>
-      <p:sp>
-        <p:nvSpPr>
-          <p:cNvPr id="4" name="PlaceHolder 5"/>
           <p:cNvSpPr>
             <a:spLocks noGrp="1"/>
           </p:cNvSpPr>
@@ -1779,7 +1435,7 @@
             <a:normAutofit/>
           </a:bodyPr>
           <a:p>
-            <a:pPr marL="432000" indent="-324000" algn="r" rtl="1">
+            <a:pPr marL="432000" indent="-324000">
               <a:spcBef>
                 <a:spcPts val="1417"/>
               </a:spcBef>
@@ -1791,23 +1447,17 @@
               <a:buChar char=""/>
             </a:pPr>
             <a:r>
-              <a:rPr b="0" lang="he-IL" sz="3200" spc="-1" strike="noStrike">
-                <a:solidFill>
-                  <a:srgbClr val="000000"/>
-                </a:solidFill>
-                <a:latin typeface="Calibri"/>
+              <a:rPr b="0" lang="en-US" sz="3200" spc="-1" strike="noStrike">
+                <a:latin typeface="Arial"/>
               </a:rPr>
               <a:t>Click to edit the outline text format</a:t>
             </a:r>
-            <a:endParaRPr b="0" lang="he-IL" sz="3200" spc="-1" strike="noStrike">
-              <a:solidFill>
-                <a:srgbClr val="000000"/>
-              </a:solidFill>
-              <a:latin typeface="Calibri"/>
+            <a:endParaRPr b="0" lang="en-US" sz="3200" spc="-1" strike="noStrike">
+              <a:latin typeface="Arial"/>
             </a:endParaRPr>
           </a:p>
           <a:p>
-            <a:pPr lvl="1" marL="864000" indent="-324000" algn="r" rtl="1">
+            <a:pPr lvl="1" marL="864000" indent="-324000">
               <a:spcBef>
                 <a:spcPts val="1134"/>
               </a:spcBef>
@@ -1819,23 +1469,17 @@
               <a:buChar char=""/>
             </a:pPr>
             <a:r>
-              <a:rPr b="0" lang="he-IL" sz="2400" spc="-1" strike="noStrike">
-                <a:solidFill>
-                  <a:srgbClr val="000000"/>
-                </a:solidFill>
-                <a:latin typeface="Calibri"/>
+              <a:rPr b="0" lang="en-US" sz="2800" spc="-1" strike="noStrike">
+                <a:latin typeface="Arial"/>
               </a:rPr>
               <a:t>Second Outline Level</a:t>
             </a:r>
-            <a:endParaRPr b="0" lang="he-IL" sz="2400" spc="-1" strike="noStrike">
-              <a:solidFill>
-                <a:srgbClr val="000000"/>
-              </a:solidFill>
-              <a:latin typeface="Calibri"/>
+            <a:endParaRPr b="0" lang="en-US" sz="2800" spc="-1" strike="noStrike">
+              <a:latin typeface="Arial"/>
             </a:endParaRPr>
           </a:p>
           <a:p>
-            <a:pPr lvl="2" marL="1296000" indent="-288000" algn="r" rtl="1">
+            <a:pPr lvl="2" marL="1296000" indent="-288000">
               <a:spcBef>
                 <a:spcPts val="850"/>
               </a:spcBef>
@@ -1847,23 +1491,17 @@
               <a:buChar char=""/>
             </a:pPr>
             <a:r>
-              <a:rPr b="0" lang="he-IL" sz="2000" spc="-1" strike="noStrike">
-                <a:solidFill>
-                  <a:srgbClr val="000000"/>
-                </a:solidFill>
-                <a:latin typeface="Calibri"/>
+              <a:rPr b="0" lang="en-US" sz="2400" spc="-1" strike="noStrike">
+                <a:latin typeface="Arial"/>
               </a:rPr>
               <a:t>Third Outline Level</a:t>
             </a:r>
-            <a:endParaRPr b="0" lang="he-IL" sz="2000" spc="-1" strike="noStrike">
-              <a:solidFill>
-                <a:srgbClr val="000000"/>
-              </a:solidFill>
-              <a:latin typeface="Calibri"/>
+            <a:endParaRPr b="0" lang="en-US" sz="2400" spc="-1" strike="noStrike">
+              <a:latin typeface="Arial"/>
             </a:endParaRPr>
           </a:p>
           <a:p>
-            <a:pPr lvl="3" marL="1728000" indent="-216000" algn="r" rtl="1">
+            <a:pPr lvl="3" marL="1728000" indent="-216000">
               <a:spcBef>
                 <a:spcPts val="567"/>
               </a:spcBef>
@@ -1875,23 +1513,17 @@
               <a:buChar char=""/>
             </a:pPr>
             <a:r>
-              <a:rPr b="0" lang="he-IL" sz="2000" spc="-1" strike="noStrike">
-                <a:solidFill>
-                  <a:srgbClr val="000000"/>
-                </a:solidFill>
-                <a:latin typeface="Calibri"/>
+              <a:rPr b="0" lang="en-US" sz="2000" spc="-1" strike="noStrike">
+                <a:latin typeface="Arial"/>
               </a:rPr>
               <a:t>Fourth Outline Level</a:t>
             </a:r>
-            <a:endParaRPr b="0" lang="he-IL" sz="2000" spc="-1" strike="noStrike">
-              <a:solidFill>
-                <a:srgbClr val="000000"/>
-              </a:solidFill>
-              <a:latin typeface="Calibri"/>
+            <a:endParaRPr b="0" lang="en-US" sz="2000" spc="-1" strike="noStrike">
+              <a:latin typeface="Arial"/>
             </a:endParaRPr>
           </a:p>
           <a:p>
-            <a:pPr lvl="4" marL="2160000" indent="-216000" algn="r" rtl="1">
+            <a:pPr lvl="4" marL="2160000" indent="-216000">
               <a:spcBef>
                 <a:spcPts val="283"/>
               </a:spcBef>
@@ -1903,23 +1535,17 @@
               <a:buChar char=""/>
             </a:pPr>
             <a:r>
-              <a:rPr b="0" lang="he-IL" sz="2000" spc="-1" strike="noStrike">
-                <a:solidFill>
-                  <a:srgbClr val="000000"/>
-                </a:solidFill>
-                <a:latin typeface="Calibri"/>
+              <a:rPr b="0" lang="en-US" sz="2000" spc="-1" strike="noStrike">
+                <a:latin typeface="Arial"/>
               </a:rPr>
               <a:t>Fifth Outline Level</a:t>
             </a:r>
-            <a:endParaRPr b="0" lang="he-IL" sz="2000" spc="-1" strike="noStrike">
-              <a:solidFill>
-                <a:srgbClr val="000000"/>
-              </a:solidFill>
-              <a:latin typeface="Calibri"/>
+            <a:endParaRPr b="0" lang="en-US" sz="2000" spc="-1" strike="noStrike">
+              <a:latin typeface="Arial"/>
             </a:endParaRPr>
           </a:p>
           <a:p>
-            <a:pPr lvl="5" marL="2592000" indent="-216000" algn="r" rtl="1">
+            <a:pPr lvl="5" marL="2592000" indent="-216000">
               <a:spcBef>
                 <a:spcPts val="283"/>
               </a:spcBef>
@@ -1931,23 +1557,17 @@
               <a:buChar char=""/>
             </a:pPr>
             <a:r>
-              <a:rPr b="0" lang="he-IL" sz="2000" spc="-1" strike="noStrike">
-                <a:solidFill>
-                  <a:srgbClr val="000000"/>
-                </a:solidFill>
-                <a:latin typeface="Calibri"/>
+              <a:rPr b="0" lang="en-US" sz="2000" spc="-1" strike="noStrike">
+                <a:latin typeface="Arial"/>
               </a:rPr>
               <a:t>Sixth Outline Level</a:t>
             </a:r>
-            <a:endParaRPr b="0" lang="he-IL" sz="2000" spc="-1" strike="noStrike">
-              <a:solidFill>
-                <a:srgbClr val="000000"/>
-              </a:solidFill>
-              <a:latin typeface="Calibri"/>
+            <a:endParaRPr b="0" lang="en-US" sz="2000" spc="-1" strike="noStrike">
+              <a:latin typeface="Arial"/>
             </a:endParaRPr>
           </a:p>
           <a:p>
-            <a:pPr lvl="6" marL="3024000" indent="-216000" algn="r" rtl="1">
+            <a:pPr lvl="6" marL="3024000" indent="-216000">
               <a:spcBef>
                 <a:spcPts val="283"/>
               </a:spcBef>
@@ -1959,19 +1579,13 @@
               <a:buChar char=""/>
             </a:pPr>
             <a:r>
-              <a:rPr b="0" lang="he-IL" sz="2000" spc="-1" strike="noStrike">
-                <a:solidFill>
-                  <a:srgbClr val="000000"/>
-                </a:solidFill>
-                <a:latin typeface="Calibri"/>
+              <a:rPr b="0" lang="en-US" sz="2000" spc="-1" strike="noStrike">
+                <a:latin typeface="Arial"/>
               </a:rPr>
               <a:t>Seventh Outline Level</a:t>
             </a:r>
-            <a:endParaRPr b="0" lang="he-IL" sz="2000" spc="-1" strike="noStrike">
-              <a:solidFill>
-                <a:srgbClr val="000000"/>
-              </a:solidFill>
-              <a:latin typeface="Calibri"/>
+            <a:endParaRPr b="0" lang="en-US" sz="2000" spc="-1" strike="noStrike">
+              <a:latin typeface="Arial"/>
             </a:endParaRPr>
           </a:p>
         </p:txBody>
@@ -2013,9 +1627,90 @@
           <a:chExt cx="0" cy="0"/>
         </a:xfrm>
       </p:grpSpPr>
+      <p:sp>
+        <p:nvSpPr>
+          <p:cNvPr id="38" name="TextShape 1"/>
+          <p:cNvSpPr txBox="1"/>
+          <p:nvPr/>
+        </p:nvSpPr>
+        <p:spPr>
+          <a:xfrm>
+            <a:off x="685800" y="2130480"/>
+            <a:ext cx="7771680" cy="1469160"/>
+          </a:xfrm>
+          <a:prstGeom prst="rect">
+            <a:avLst/>
+          </a:prstGeom>
+          <a:noFill/>
+          <a:ln>
+            <a:noFill/>
+          </a:ln>
+        </p:spPr>
+        <p:txBody>
+          <a:bodyPr lIns="0" rIns="0" tIns="0" bIns="0" anchor="ctr"/>
+          <a:p>
+            <a:pPr algn="ctr"/>
+            <a:endParaRPr b="0" lang="en-US" sz="4400" spc="-1" strike="noStrike">
+              <a:latin typeface="Arial"/>
+            </a:endParaRPr>
+          </a:p>
+        </p:txBody>
+      </p:sp>
+      <p:sp>
+        <p:nvSpPr>
+          <p:cNvPr id="39" name="TextShape 2"/>
+          <p:cNvSpPr txBox="1"/>
+          <p:nvPr/>
+        </p:nvSpPr>
+        <p:spPr>
+          <a:xfrm>
+            <a:off x="457200" y="1604520"/>
+            <a:ext cx="8229240" cy="3977280"/>
+          </a:xfrm>
+          <a:prstGeom prst="rect">
+            <a:avLst/>
+          </a:prstGeom>
+          <a:noFill/>
+          <a:ln>
+            <a:noFill/>
+          </a:ln>
+        </p:spPr>
+        <p:txBody>
+          <a:bodyPr lIns="0" rIns="0" tIns="0" bIns="0">
+            <a:normAutofit/>
+          </a:bodyPr>
+          <a:p>
+            <a:endParaRPr b="0" lang="en-US" sz="3200" spc="-1" strike="noStrike">
+              <a:latin typeface="Arial"/>
+            </a:endParaRPr>
+          </a:p>
+        </p:txBody>
+      </p:sp>
+    </p:spTree>
+  </p:cSld>
+</p:sld>
+</file>
+
+<file path=ppt/slides/slide10.xml><?xml version="1.0" encoding="utf-8"?>
+<p:sld xmlns:a="http://schemas.openxmlformats.org/drawingml/2006/main" xmlns:p="http://schemas.openxmlformats.org/presentationml/2006/main" xmlns:r="http://schemas.openxmlformats.org/officeDocument/2006/relationships" xmlns:p14="http://schemas.microsoft.com/office/powerpoint/2010/main" xmlns:p15="http://schemas.microsoft.com/office/powerpoint/2012/main" xmlns:mc="http://schemas.openxmlformats.org/markup-compatibility/2006">
+  <p:cSld>
+    <p:spTree>
+      <p:nvGrpSpPr>
+        <p:cNvPr id="1" name=""/>
+        <p:cNvGrpSpPr/>
+        <p:nvPr/>
+      </p:nvGrpSpPr>
+      <p:grpSpPr>
+        <a:xfrm>
+          <a:off x="0" y="0"/>
+          <a:ext cx="0" cy="0"/>
+          <a:chOff x="0" y="0"/>
+          <a:chExt cx="0" cy="0"/>
+        </a:xfrm>
+      </p:grpSpPr>
       <p:pic>
         <p:nvPicPr>
-          <p:cNvPr id="41" name="" descr=""/>
+          <p:cNvPr id="121" name="" descr=""/>
           <p:cNvPicPr/>
           <p:nvPr/>
         </p:nvPicPr>
@@ -2026,7 +1721,7 @@
         <p:spPr>
           <a:xfrm>
             <a:off x="0" y="0"/>
-            <a:ext cx="9143640" cy="5343840"/>
+            <a:ext cx="9143280" cy="5343480"/>
           </a:xfrm>
           <a:prstGeom prst="rect">
             <a:avLst/>
@@ -2038,19 +1733,19 @@
       </p:pic>
       <p:pic>
         <p:nvPicPr>
-          <p:cNvPr id="42" name="" descr=""/>
+          <p:cNvPr id="122" name="" descr=""/>
           <p:cNvPicPr/>
           <p:nvPr/>
         </p:nvPicPr>
         <p:blipFill>
           <a:blip r:embed="rId2"/>
-          <a:srcRect l="0" t="0" r="0" b="21739"/>
+          <a:srcRect l="0" t="0" r="0" b="21743"/>
           <a:stretch/>
         </p:blipFill>
         <p:spPr>
           <a:xfrm>
             <a:off x="0" y="444960"/>
-            <a:ext cx="9143640" cy="1566720"/>
+            <a:ext cx="9143280" cy="1566360"/>
           </a:xfrm>
           <a:prstGeom prst="rect">
             <a:avLst/>
@@ -2062,14 +1757,14 @@
       </p:pic>
       <p:sp>
         <p:nvSpPr>
-          <p:cNvPr id="43" name="CustomShape 1"/>
+          <p:cNvPr id="123" name="CustomShape 1"/>
           <p:cNvSpPr/>
           <p:nvPr/>
         </p:nvSpPr>
         <p:spPr>
           <a:xfrm>
-            <a:off x="7498080" y="91440"/>
-            <a:ext cx="1554480" cy="274320"/>
+            <a:off x="7406640" y="91440"/>
+            <a:ext cx="1554120" cy="273960"/>
           </a:xfrm>
           <a:prstGeom prst="rect">
             <a:avLst/>
@@ -2080,6 +1775,952 @@
           <a:ln>
             <a:solidFill>
               <a:srgbClr val="ffffff"/>
+            </a:solidFill>
+          </a:ln>
+        </p:spPr>
+        <p:style>
+          <a:lnRef idx="0"/>
+          <a:fillRef idx="0"/>
+          <a:effectRef idx="0"/>
+          <a:fontRef idx="minor"/>
+        </p:style>
+        <p:txBody>
+          <a:bodyPr wrap="none" lIns="90000" rIns="90000" tIns="45000" bIns="45000" anchor="ctr"/>
+          <a:p>
+            <a:pPr algn="ctr">
+              <a:lnSpc>
+                <a:spcPct val="100000"/>
+              </a:lnSpc>
+            </a:pPr>
+            <a:r>
+              <a:rPr b="1" lang="en-US" sz="1400" spc="-1" strike="noStrike">
+                <a:solidFill>
+                  <a:srgbClr val="000000"/>
+                </a:solidFill>
+                <a:latin typeface="Arial"/>
+                <a:ea typeface="DejaVu Sans"/>
+              </a:rPr>
+              <a:t>עובדים</a:t>
+            </a:r>
+            <a:endParaRPr b="0" lang="en-US" sz="1400" spc="-1" strike="noStrike">
+              <a:latin typeface="Arial"/>
+            </a:endParaRPr>
+          </a:p>
+        </p:txBody>
+      </p:sp>
+      <p:sp>
+        <p:nvSpPr>
+          <p:cNvPr id="124" name="CustomShape 2"/>
+          <p:cNvSpPr/>
+          <p:nvPr/>
+        </p:nvSpPr>
+        <p:spPr>
+          <a:xfrm>
+            <a:off x="5669280" y="91440"/>
+            <a:ext cx="1554120" cy="273960"/>
+          </a:xfrm>
+          <a:prstGeom prst="rect">
+            <a:avLst/>
+          </a:prstGeom>
+          <a:solidFill>
+            <a:srgbClr val="f79448"/>
+          </a:solidFill>
+          <a:ln>
+            <a:solidFill>
+              <a:srgbClr val="ffffff"/>
+            </a:solidFill>
+          </a:ln>
+        </p:spPr>
+        <p:style>
+          <a:lnRef idx="0"/>
+          <a:fillRef idx="0"/>
+          <a:effectRef idx="0"/>
+          <a:fontRef idx="minor"/>
+        </p:style>
+        <p:txBody>
+          <a:bodyPr wrap="none" lIns="90000" rIns="90000" tIns="45000" bIns="45000" anchor="ctr"/>
+          <a:p>
+            <a:pPr algn="ctr">
+              <a:lnSpc>
+                <a:spcPct val="100000"/>
+              </a:lnSpc>
+            </a:pPr>
+            <a:r>
+              <a:rPr b="1" lang="en-US" sz="1400" spc="-1" strike="noStrike">
+                <a:solidFill>
+                  <a:srgbClr val="000000"/>
+                </a:solidFill>
+                <a:latin typeface="Arial"/>
+                <a:ea typeface="DejaVu Sans"/>
+              </a:rPr>
+              <a:t>תדריך יומי</a:t>
+            </a:r>
+            <a:endParaRPr b="0" lang="en-US" sz="1400" spc="-1" strike="noStrike">
+              <a:latin typeface="Arial"/>
+            </a:endParaRPr>
+          </a:p>
+        </p:txBody>
+      </p:sp>
+      <p:sp>
+        <p:nvSpPr>
+          <p:cNvPr id="125" name="CustomShape 3"/>
+          <p:cNvSpPr/>
+          <p:nvPr/>
+        </p:nvSpPr>
+        <p:spPr>
+          <a:xfrm>
+            <a:off x="5760720" y="182880"/>
+            <a:ext cx="182520" cy="91080"/>
+          </a:xfrm>
+          <a:custGeom>
+            <a:avLst/>
+            <a:gdLst/>
+            <a:ahLst/>
+            <a:rect l="l" t="t" r="r" b="b"/>
+            <a:pathLst>
+              <a:path w="510" h="256">
+                <a:moveTo>
+                  <a:pt x="252" y="255"/>
+                </a:moveTo>
+                <a:lnTo>
+                  <a:pt x="0" y="0"/>
+                </a:lnTo>
+                <a:lnTo>
+                  <a:pt x="509" y="0"/>
+                </a:lnTo>
+                <a:lnTo>
+                  <a:pt x="252" y="255"/>
+                </a:lnTo>
+              </a:path>
+            </a:pathLst>
+          </a:custGeom>
+          <a:solidFill>
+            <a:srgbClr val="000000"/>
+          </a:solidFill>
+          <a:ln>
+            <a:solidFill>
+              <a:srgbClr val="ffffff"/>
+            </a:solidFill>
+          </a:ln>
+        </p:spPr>
+        <p:style>
+          <a:lnRef idx="0"/>
+          <a:fillRef idx="0"/>
+          <a:effectRef idx="0"/>
+          <a:fontRef idx="minor"/>
+        </p:style>
+      </p:sp>
+      <p:sp>
+        <p:nvSpPr>
+          <p:cNvPr id="126" name="CustomShape 4"/>
+          <p:cNvSpPr/>
+          <p:nvPr/>
+        </p:nvSpPr>
+        <p:spPr>
+          <a:xfrm>
+            <a:off x="7498080" y="182880"/>
+            <a:ext cx="182520" cy="91080"/>
+          </a:xfrm>
+          <a:custGeom>
+            <a:avLst/>
+            <a:gdLst/>
+            <a:ahLst/>
+            <a:rect l="l" t="t" r="r" b="b"/>
+            <a:pathLst>
+              <a:path w="510" h="256">
+                <a:moveTo>
+                  <a:pt x="252" y="255"/>
+                </a:moveTo>
+                <a:lnTo>
+                  <a:pt x="0" y="0"/>
+                </a:lnTo>
+                <a:lnTo>
+                  <a:pt x="509" y="0"/>
+                </a:lnTo>
+                <a:lnTo>
+                  <a:pt x="252" y="255"/>
+                </a:lnTo>
+              </a:path>
+            </a:pathLst>
+          </a:custGeom>
+          <a:solidFill>
+            <a:srgbClr val="000000"/>
+          </a:solidFill>
+          <a:ln>
+            <a:solidFill>
+              <a:srgbClr val="ffffff"/>
+            </a:solidFill>
+          </a:ln>
+        </p:spPr>
+        <p:style>
+          <a:lnRef idx="0"/>
+          <a:fillRef idx="0"/>
+          <a:effectRef idx="0"/>
+          <a:fontRef idx="minor"/>
+        </p:style>
+      </p:sp>
+      <p:sp>
+        <p:nvSpPr>
+          <p:cNvPr id="127" name="CustomShape 5"/>
+          <p:cNvSpPr/>
+          <p:nvPr/>
+        </p:nvSpPr>
+        <p:spPr>
+          <a:xfrm>
+            <a:off x="3657600" y="91440"/>
+            <a:ext cx="1828440" cy="273960"/>
+          </a:xfrm>
+          <a:prstGeom prst="rect">
+            <a:avLst/>
+          </a:prstGeom>
+          <a:solidFill>
+            <a:srgbClr val="f79448"/>
+          </a:solidFill>
+          <a:ln>
+            <a:solidFill>
+              <a:srgbClr val="ffffff"/>
+            </a:solidFill>
+          </a:ln>
+        </p:spPr>
+        <p:style>
+          <a:lnRef idx="0"/>
+          <a:fillRef idx="0"/>
+          <a:effectRef idx="0"/>
+          <a:fontRef idx="minor"/>
+        </p:style>
+        <p:txBody>
+          <a:bodyPr wrap="none" lIns="90000" rIns="90000" tIns="45000" bIns="45000" anchor="ctr"/>
+          <a:p>
+            <a:pPr algn="r">
+              <a:lnSpc>
+                <a:spcPct val="100000"/>
+              </a:lnSpc>
+            </a:pPr>
+            <a:r>
+              <a:rPr b="1" lang="en-US" sz="1400" spc="-1" strike="noStrike">
+                <a:solidFill>
+                  <a:srgbClr val="000000"/>
+                </a:solidFill>
+                <a:latin typeface="Arial"/>
+                <a:ea typeface="DejaVu Sans"/>
+              </a:rPr>
+              <a:t>הודעות חשובות</a:t>
+            </a:r>
+            <a:endParaRPr b="0" lang="en-US" sz="1400" spc="-1" strike="noStrike">
+              <a:latin typeface="Arial"/>
+            </a:endParaRPr>
+          </a:p>
+        </p:txBody>
+      </p:sp>
+      <p:sp>
+        <p:nvSpPr>
+          <p:cNvPr id="128" name="CustomShape 6"/>
+          <p:cNvSpPr/>
+          <p:nvPr/>
+        </p:nvSpPr>
+        <p:spPr>
+          <a:xfrm>
+            <a:off x="3749040" y="182880"/>
+            <a:ext cx="182520" cy="91080"/>
+          </a:xfrm>
+          <a:custGeom>
+            <a:avLst/>
+            <a:gdLst/>
+            <a:ahLst/>
+            <a:rect l="l" t="t" r="r" b="b"/>
+            <a:pathLst>
+              <a:path w="510" h="256">
+                <a:moveTo>
+                  <a:pt x="252" y="255"/>
+                </a:moveTo>
+                <a:lnTo>
+                  <a:pt x="0" y="0"/>
+                </a:lnTo>
+                <a:lnTo>
+                  <a:pt x="509" y="0"/>
+                </a:lnTo>
+                <a:lnTo>
+                  <a:pt x="252" y="255"/>
+                </a:lnTo>
+              </a:path>
+            </a:pathLst>
+          </a:custGeom>
+          <a:solidFill>
+            <a:srgbClr val="000000"/>
+          </a:solidFill>
+          <a:ln>
+            <a:solidFill>
+              <a:srgbClr val="ffffff"/>
+            </a:solidFill>
+          </a:ln>
+        </p:spPr>
+        <p:style>
+          <a:lnRef idx="0"/>
+          <a:fillRef idx="0"/>
+          <a:effectRef idx="0"/>
+          <a:fontRef idx="minor"/>
+        </p:style>
+      </p:sp>
+      <p:sp>
+        <p:nvSpPr>
+          <p:cNvPr id="129" name="CustomShape 7"/>
+          <p:cNvSpPr/>
+          <p:nvPr/>
+        </p:nvSpPr>
+        <p:spPr>
+          <a:xfrm>
+            <a:off x="182880" y="91440"/>
+            <a:ext cx="2285640" cy="345960"/>
+          </a:xfrm>
+          <a:prstGeom prst="rect">
+            <a:avLst/>
+          </a:prstGeom>
+          <a:noFill/>
+          <a:ln>
+            <a:noFill/>
+          </a:ln>
+        </p:spPr>
+        <p:style>
+          <a:lnRef idx="0"/>
+          <a:fillRef idx="0"/>
+          <a:effectRef idx="0"/>
+          <a:fontRef idx="minor"/>
+        </p:style>
+        <p:txBody>
+          <a:bodyPr lIns="90000" rIns="90000" tIns="45000" bIns="45000"/>
+          <a:p>
+            <a:pPr algn="ctr">
+              <a:lnSpc>
+                <a:spcPct val="100000"/>
+              </a:lnSpc>
+            </a:pPr>
+            <a:r>
+              <a:rPr b="0" lang="en-US" sz="1400" spc="-1" strike="noStrike">
+                <a:solidFill>
+                  <a:srgbClr val="ffffff"/>
+                </a:solidFill>
+                <a:latin typeface="Arial"/>
+              </a:rPr>
+              <a:t>ברוכה הבאה, מיכל</a:t>
+            </a:r>
+            <a:endParaRPr b="0" lang="en-US" sz="1400" spc="-1" strike="noStrike">
+              <a:latin typeface="Arial"/>
+            </a:endParaRPr>
+          </a:p>
+        </p:txBody>
+      </p:sp>
+      <p:sp>
+        <p:nvSpPr>
+          <p:cNvPr id="130" name="TextShape 8"/>
+          <p:cNvSpPr txBox="1"/>
+          <p:nvPr/>
+        </p:nvSpPr>
+        <p:spPr>
+          <a:xfrm>
+            <a:off x="4297680" y="1982160"/>
+            <a:ext cx="5120640" cy="486720"/>
+          </a:xfrm>
+          <a:prstGeom prst="rect">
+            <a:avLst/>
+          </a:prstGeom>
+          <a:noFill/>
+          <a:ln>
+            <a:noFill/>
+          </a:ln>
+        </p:spPr>
+        <p:txBody>
+          <a:bodyPr lIns="90000" rIns="90000" tIns="45000" bIns="45000"/>
+          <a:p>
+            <a:pPr algn="ctr"/>
+            <a:r>
+              <a:rPr b="1" lang="en-US" sz="2800" spc="-1" strike="noStrike" u="sng">
+                <a:uFillTx/>
+                <a:latin typeface="Arial"/>
+              </a:rPr>
+              <a:t>הודעה </a:t>
+            </a:r>
+            <a:r>
+              <a:rPr b="1" lang="en-US" sz="2800" spc="-1" strike="noStrike" u="sng">
+                <a:uFillTx/>
+                <a:latin typeface="Arial"/>
+              </a:rPr>
+              <a:t>1</a:t>
+            </a:r>
+            <a:endParaRPr b="1" lang="en-US" sz="2800" spc="-1" strike="noStrike" u="sng">
+              <a:uFillTx/>
+              <a:latin typeface="Arial"/>
+            </a:endParaRPr>
+          </a:p>
+        </p:txBody>
+      </p:sp>
+      <p:graphicFrame>
+        <p:nvGraphicFramePr>
+          <p:cNvPr id="131" name="Table 9"/>
+          <p:cNvGraphicFramePr/>
+          <p:nvPr/>
+        </p:nvGraphicFramePr>
+        <p:xfrm>
+          <a:off x="1830240" y="3049920"/>
+          <a:ext cx="5075280" cy="4319280"/>
+        </p:xfrm>
+        <a:graphic>
+          <a:graphicData uri="http://schemas.openxmlformats.org/drawingml/2006/table">
+            <a:tbl>
+              <a:tblPr/>
+              <a:tblGrid>
+                <a:gridCol w="1268640"/>
+                <a:gridCol w="1268640"/>
+                <a:gridCol w="1268640"/>
+                <a:gridCol w="1269720"/>
+              </a:tblGrid>
+              <a:tr h="719640">
+                <a:tc>
+                  <a:txBody>
+                    <a:bodyPr lIns="90000" rIns="90000" tIns="46800" bIns="46800"/>
+                    <a:p>
+                      <a:pPr algn="ctr"/>
+                      <a:r>
+                        <a:rPr b="0" lang="en-US" sz="1800" spc="-1" strike="noStrike">
+                          <a:latin typeface="Arial"/>
+                        </a:rPr>
+                        <a:t>האם אישר</a:t>
+                      </a:r>
+                      <a:endParaRPr b="0" lang="en-US" sz="1800" spc="-1" strike="noStrike">
+                        <a:latin typeface="Arial"/>
+                      </a:endParaRPr>
+                    </a:p>
+                  </a:txBody>
+                  <a:tcPr marL="90000" marR="90000">
+                    <a:lnL w="720">
+                      <a:solidFill>
+                        <a:srgbClr val="ffffff"/>
+                      </a:solidFill>
+                    </a:lnL>
+                    <a:lnR w="720">
+                      <a:solidFill>
+                        <a:srgbClr val="ffffff"/>
+                      </a:solidFill>
+                    </a:lnR>
+                    <a:lnT w="720">
+                      <a:solidFill>
+                        <a:srgbClr val="ffffff"/>
+                      </a:solidFill>
+                    </a:lnT>
+                    <a:lnB w="720">
+                      <a:solidFill>
+                        <a:srgbClr val="ffffff"/>
+                      </a:solidFill>
+                    </a:lnB>
+                    <a:solidFill>
+                      <a:srgbClr val="b3b3b3"/>
+                    </a:solidFill>
+                  </a:tcPr>
+                </a:tc>
+                <a:tc>
+                  <a:txBody>
+                    <a:bodyPr lIns="90000" rIns="90000" tIns="46800" bIns="46800"/>
+                    <a:p>
+                      <a:pPr algn="ctr"/>
+                      <a:r>
+                        <a:rPr b="0" lang="en-US" sz="1800" spc="-1" strike="noStrike">
+                          <a:latin typeface="Arial"/>
+                        </a:rPr>
+                        <a:t>תפקיד</a:t>
+                      </a:r>
+                      <a:endParaRPr b="0" lang="en-US" sz="1800" spc="-1" strike="noStrike">
+                        <a:latin typeface="Arial"/>
+                      </a:endParaRPr>
+                    </a:p>
+                  </a:txBody>
+                  <a:tcPr marL="90000" marR="90000">
+                    <a:lnL w="720">
+                      <a:solidFill>
+                        <a:srgbClr val="ffffff"/>
+                      </a:solidFill>
+                    </a:lnL>
+                    <a:lnR w="720">
+                      <a:solidFill>
+                        <a:srgbClr val="ffffff"/>
+                      </a:solidFill>
+                    </a:lnR>
+                    <a:lnT w="720">
+                      <a:solidFill>
+                        <a:srgbClr val="ffffff"/>
+                      </a:solidFill>
+                    </a:lnT>
+                    <a:lnB w="720">
+                      <a:solidFill>
+                        <a:srgbClr val="ffffff"/>
+                      </a:solidFill>
+                    </a:lnB>
+                    <a:solidFill>
+                      <a:srgbClr val="b3b3b3"/>
+                    </a:solidFill>
+                  </a:tcPr>
+                </a:tc>
+                <a:tc>
+                  <a:txBody>
+                    <a:bodyPr lIns="90000" rIns="90000" tIns="46800" bIns="46800"/>
+                    <a:p>
+                      <a:pPr algn="ctr"/>
+                      <a:r>
+                        <a:rPr b="0" lang="en-US" sz="1800" spc="-1" strike="noStrike">
+                          <a:latin typeface="Arial"/>
+                        </a:rPr>
+                        <a:t>שם סניף</a:t>
+                      </a:r>
+                      <a:endParaRPr b="0" lang="en-US" sz="1800" spc="-1" strike="noStrike">
+                        <a:latin typeface="Arial"/>
+                      </a:endParaRPr>
+                    </a:p>
+                  </a:txBody>
+                  <a:tcPr marL="90000" marR="90000">
+                    <a:lnL w="720">
+                      <a:solidFill>
+                        <a:srgbClr val="ffffff"/>
+                      </a:solidFill>
+                    </a:lnL>
+                    <a:lnR w="720">
+                      <a:solidFill>
+                        <a:srgbClr val="ffffff"/>
+                      </a:solidFill>
+                    </a:lnR>
+                    <a:lnT w="720">
+                      <a:solidFill>
+                        <a:srgbClr val="ffffff"/>
+                      </a:solidFill>
+                    </a:lnT>
+                    <a:lnB w="720">
+                      <a:solidFill>
+                        <a:srgbClr val="ffffff"/>
+                      </a:solidFill>
+                    </a:lnB>
+                    <a:solidFill>
+                      <a:srgbClr val="b3b3b3"/>
+                    </a:solidFill>
+                  </a:tcPr>
+                </a:tc>
+                <a:tc>
+                  <a:txBody>
+                    <a:bodyPr lIns="90000" rIns="90000" tIns="46800" bIns="46800"/>
+                    <a:p>
+                      <a:pPr algn="ctr"/>
+                      <a:r>
+                        <a:rPr b="0" lang="en-US" sz="1800" spc="-1" strike="noStrike">
+                          <a:latin typeface="Arial"/>
+                        </a:rPr>
+                        <a:t>שם העובד</a:t>
+                      </a:r>
+                      <a:endParaRPr b="0" lang="en-US" sz="1800" spc="-1" strike="noStrike">
+                        <a:latin typeface="Arial"/>
+                      </a:endParaRPr>
+                    </a:p>
+                  </a:txBody>
+                  <a:tcPr marL="90000" marR="90000">
+                    <a:lnL w="720">
+                      <a:solidFill>
+                        <a:srgbClr val="ffffff"/>
+                      </a:solidFill>
+                    </a:lnL>
+                    <a:lnR w="720">
+                      <a:solidFill>
+                        <a:srgbClr val="ffffff"/>
+                      </a:solidFill>
+                    </a:lnR>
+                    <a:lnT w="720">
+                      <a:solidFill>
+                        <a:srgbClr val="ffffff"/>
+                      </a:solidFill>
+                    </a:lnT>
+                    <a:lnB w="720">
+                      <a:solidFill>
+                        <a:srgbClr val="ffffff"/>
+                      </a:solidFill>
+                    </a:lnB>
+                    <a:solidFill>
+                      <a:srgbClr val="b3b3b3"/>
+                    </a:solidFill>
+                  </a:tcPr>
+                </a:tc>
+              </a:tr>
+              <a:tr h="719640">
+                <a:tc>
+                  <a:tcPr marL="90000" marR="90000">
+                    <a:lnL w="720">
+                      <a:solidFill>
+                        <a:srgbClr val="ffffff"/>
+                      </a:solidFill>
+                    </a:lnL>
+                    <a:lnR w="720">
+                      <a:solidFill>
+                        <a:srgbClr val="ffffff"/>
+                      </a:solidFill>
+                    </a:lnR>
+                    <a:lnT w="720">
+                      <a:solidFill>
+                        <a:srgbClr val="ffffff"/>
+                      </a:solidFill>
+                    </a:lnT>
+                    <a:lnB w="720">
+                      <a:solidFill>
+                        <a:srgbClr val="ffffff"/>
+                      </a:solidFill>
+                    </a:lnB>
+                    <a:solidFill>
+                      <a:srgbClr val="cccccc"/>
+                    </a:solidFill>
+                  </a:tcPr>
+                </a:tc>
+                <a:tc>
+                  <a:tcPr marL="90000" marR="90000">
+                    <a:lnL w="720">
+                      <a:solidFill>
+                        <a:srgbClr val="ffffff"/>
+                      </a:solidFill>
+                    </a:lnL>
+                    <a:lnR w="720">
+                      <a:solidFill>
+                        <a:srgbClr val="ffffff"/>
+                      </a:solidFill>
+                    </a:lnR>
+                    <a:lnT w="720">
+                      <a:solidFill>
+                        <a:srgbClr val="ffffff"/>
+                      </a:solidFill>
+                    </a:lnT>
+                    <a:lnB w="720">
+                      <a:solidFill>
+                        <a:srgbClr val="ffffff"/>
+                      </a:solidFill>
+                    </a:lnB>
+                    <a:solidFill>
+                      <a:srgbClr val="cccccc"/>
+                    </a:solidFill>
+                  </a:tcPr>
+                </a:tc>
+                <a:tc>
+                  <a:tcPr marL="90000" marR="90000">
+                    <a:lnL w="720">
+                      <a:solidFill>
+                        <a:srgbClr val="ffffff"/>
+                      </a:solidFill>
+                    </a:lnL>
+                    <a:lnR w="720">
+                      <a:solidFill>
+                        <a:srgbClr val="ffffff"/>
+                      </a:solidFill>
+                    </a:lnR>
+                    <a:lnT w="720">
+                      <a:solidFill>
+                        <a:srgbClr val="ffffff"/>
+                      </a:solidFill>
+                    </a:lnT>
+                    <a:lnB w="720">
+                      <a:solidFill>
+                        <a:srgbClr val="ffffff"/>
+                      </a:solidFill>
+                    </a:lnB>
+                    <a:solidFill>
+                      <a:srgbClr val="cccccc"/>
+                    </a:solidFill>
+                  </a:tcPr>
+                </a:tc>
+                <a:tc>
+                  <a:tcPr marL="90000" marR="90000">
+                    <a:lnL w="720">
+                      <a:solidFill>
+                        <a:srgbClr val="ffffff"/>
+                      </a:solidFill>
+                    </a:lnL>
+                    <a:lnR w="720">
+                      <a:solidFill>
+                        <a:srgbClr val="ffffff"/>
+                      </a:solidFill>
+                    </a:lnR>
+                    <a:lnT w="720">
+                      <a:solidFill>
+                        <a:srgbClr val="ffffff"/>
+                      </a:solidFill>
+                    </a:lnT>
+                    <a:lnB w="720">
+                      <a:solidFill>
+                        <a:srgbClr val="ffffff"/>
+                      </a:solidFill>
+                    </a:lnB>
+                    <a:solidFill>
+                      <a:srgbClr val="cccccc"/>
+                    </a:solidFill>
+                  </a:tcPr>
+                </a:tc>
+              </a:tr>
+              <a:tr h="719640">
+                <a:tc>
+                  <a:tcPr marL="90000" marR="90000">
+                    <a:lnL w="720">
+                      <a:solidFill>
+                        <a:srgbClr val="ffffff"/>
+                      </a:solidFill>
+                    </a:lnL>
+                    <a:lnR w="720">
+                      <a:solidFill>
+                        <a:srgbClr val="ffffff"/>
+                      </a:solidFill>
+                    </a:lnR>
+                    <a:lnT w="720">
+                      <a:solidFill>
+                        <a:srgbClr val="ffffff"/>
+                      </a:solidFill>
+                    </a:lnT>
+                    <a:lnB w="720">
+                      <a:solidFill>
+                        <a:srgbClr val="ffffff"/>
+                      </a:solidFill>
+                    </a:lnB>
+                    <a:solidFill>
+                      <a:srgbClr val="e6e6e6"/>
+                    </a:solidFill>
+                  </a:tcPr>
+                </a:tc>
+                <a:tc>
+                  <a:tcPr marL="90000" marR="90000">
+                    <a:lnL w="720">
+                      <a:solidFill>
+                        <a:srgbClr val="ffffff"/>
+                      </a:solidFill>
+                    </a:lnL>
+                    <a:lnR w="720">
+                      <a:solidFill>
+                        <a:srgbClr val="ffffff"/>
+                      </a:solidFill>
+                    </a:lnR>
+                    <a:lnT w="720">
+                      <a:solidFill>
+                        <a:srgbClr val="ffffff"/>
+                      </a:solidFill>
+                    </a:lnT>
+                    <a:lnB w="720">
+                      <a:solidFill>
+                        <a:srgbClr val="ffffff"/>
+                      </a:solidFill>
+                    </a:lnB>
+                    <a:solidFill>
+                      <a:srgbClr val="e6e6e6"/>
+                    </a:solidFill>
+                  </a:tcPr>
+                </a:tc>
+                <a:tc>
+                  <a:tcPr marL="90000" marR="90000">
+                    <a:lnL w="720">
+                      <a:solidFill>
+                        <a:srgbClr val="ffffff"/>
+                      </a:solidFill>
+                    </a:lnL>
+                    <a:lnR w="720">
+                      <a:solidFill>
+                        <a:srgbClr val="ffffff"/>
+                      </a:solidFill>
+                    </a:lnR>
+                    <a:lnT w="720">
+                      <a:solidFill>
+                        <a:srgbClr val="ffffff"/>
+                      </a:solidFill>
+                    </a:lnT>
+                    <a:lnB w="720">
+                      <a:solidFill>
+                        <a:srgbClr val="ffffff"/>
+                      </a:solidFill>
+                    </a:lnB>
+                    <a:solidFill>
+                      <a:srgbClr val="e6e6e6"/>
+                    </a:solidFill>
+                  </a:tcPr>
+                </a:tc>
+                <a:tc>
+                  <a:tcPr marL="90000" marR="90000">
+                    <a:lnL w="720">
+                      <a:solidFill>
+                        <a:srgbClr val="ffffff"/>
+                      </a:solidFill>
+                    </a:lnL>
+                    <a:lnR w="720">
+                      <a:solidFill>
+                        <a:srgbClr val="ffffff"/>
+                      </a:solidFill>
+                    </a:lnR>
+                    <a:lnT w="720">
+                      <a:solidFill>
+                        <a:srgbClr val="ffffff"/>
+                      </a:solidFill>
+                    </a:lnT>
+                    <a:lnB w="720">
+                      <a:solidFill>
+                        <a:srgbClr val="ffffff"/>
+                      </a:solidFill>
+                    </a:lnB>
+                    <a:solidFill>
+                      <a:srgbClr val="e6e6e6"/>
+                    </a:solidFill>
+                  </a:tcPr>
+                </a:tc>
+              </a:tr>
+              <a:tr h="721440">
+                <a:tc>
+                  <a:tcPr marL="90000" marR="90000">
+                    <a:lnL w="720">
+                      <a:solidFill>
+                        <a:srgbClr val="ffffff"/>
+                      </a:solidFill>
+                    </a:lnL>
+                    <a:lnR w="720">
+                      <a:solidFill>
+                        <a:srgbClr val="ffffff"/>
+                      </a:solidFill>
+                    </a:lnR>
+                    <a:lnT w="720">
+                      <a:solidFill>
+                        <a:srgbClr val="ffffff"/>
+                      </a:solidFill>
+                    </a:lnT>
+                    <a:lnB w="720">
+                      <a:solidFill>
+                        <a:srgbClr val="ffffff"/>
+                      </a:solidFill>
+                    </a:lnB>
+                    <a:solidFill>
+                      <a:srgbClr val="cccccc"/>
+                    </a:solidFill>
+                  </a:tcPr>
+                </a:tc>
+                <a:tc>
+                  <a:tcPr marL="90000" marR="90000">
+                    <a:lnL w="720">
+                      <a:solidFill>
+                        <a:srgbClr val="ffffff"/>
+                      </a:solidFill>
+                    </a:lnL>
+                    <a:lnR w="720">
+                      <a:solidFill>
+                        <a:srgbClr val="ffffff"/>
+                      </a:solidFill>
+                    </a:lnR>
+                    <a:lnT w="720">
+                      <a:solidFill>
+                        <a:srgbClr val="ffffff"/>
+                      </a:solidFill>
+                    </a:lnT>
+                    <a:lnB w="720">
+                      <a:solidFill>
+                        <a:srgbClr val="ffffff"/>
+                      </a:solidFill>
+                    </a:lnB>
+                    <a:solidFill>
+                      <a:srgbClr val="cccccc"/>
+                    </a:solidFill>
+                  </a:tcPr>
+                </a:tc>
+                <a:tc>
+                  <a:tcPr marL="90000" marR="90000">
+                    <a:lnL w="720">
+                      <a:solidFill>
+                        <a:srgbClr val="ffffff"/>
+                      </a:solidFill>
+                    </a:lnL>
+                    <a:lnR w="720">
+                      <a:solidFill>
+                        <a:srgbClr val="ffffff"/>
+                      </a:solidFill>
+                    </a:lnR>
+                    <a:lnT w="720">
+                      <a:solidFill>
+                        <a:srgbClr val="ffffff"/>
+                      </a:solidFill>
+                    </a:lnT>
+                    <a:lnB w="720">
+                      <a:solidFill>
+                        <a:srgbClr val="ffffff"/>
+                      </a:solidFill>
+                    </a:lnB>
+                    <a:solidFill>
+                      <a:srgbClr val="cccccc"/>
+                    </a:solidFill>
+                  </a:tcPr>
+                </a:tc>
+                <a:tc>
+                  <a:tcPr marL="90000" marR="90000">
+                    <a:lnL w="720">
+                      <a:solidFill>
+                        <a:srgbClr val="ffffff"/>
+                      </a:solidFill>
+                    </a:lnL>
+                    <a:lnR w="720">
+                      <a:solidFill>
+                        <a:srgbClr val="ffffff"/>
+                      </a:solidFill>
+                    </a:lnR>
+                    <a:lnT w="720">
+                      <a:solidFill>
+                        <a:srgbClr val="ffffff"/>
+                      </a:solidFill>
+                    </a:lnT>
+                    <a:lnB w="720">
+                      <a:solidFill>
+                        <a:srgbClr val="ffffff"/>
+                      </a:solidFill>
+                    </a:lnB>
+                    <a:solidFill>
+                      <a:srgbClr val="cccccc"/>
+                    </a:solidFill>
+                  </a:tcPr>
+                </a:tc>
+              </a:tr>
+            </a:tbl>
+          </a:graphicData>
+        </a:graphic>
+      </p:graphicFrame>
+      <p:sp>
+        <p:nvSpPr>
+          <p:cNvPr id="132" name="TextShape 10"/>
+          <p:cNvSpPr txBox="1"/>
+          <p:nvPr/>
+        </p:nvSpPr>
+        <p:spPr>
+          <a:xfrm>
+            <a:off x="91440" y="3291840"/>
+            <a:ext cx="1463040" cy="346320"/>
+          </a:xfrm>
+          <a:prstGeom prst="rect">
+            <a:avLst/>
+          </a:prstGeom>
+          <a:noFill/>
+          <a:ln>
+            <a:noFill/>
+          </a:ln>
+        </p:spPr>
+      </p:sp>
+      <p:sp>
+        <p:nvSpPr>
+          <p:cNvPr id="133" name="CustomShape 11"/>
+          <p:cNvSpPr/>
+          <p:nvPr/>
+        </p:nvSpPr>
+        <p:spPr>
+          <a:xfrm>
+            <a:off x="182880" y="2834640"/>
+            <a:ext cx="1554480" cy="1097280"/>
+          </a:xfrm>
+          <a:prstGeom prst="wedgeRoundRectCallout">
+            <a:avLst>
+              <a:gd name="adj1" fmla="val 67500"/>
+              <a:gd name="adj2" fmla="val 61740"/>
+              <a:gd name="adj3" fmla="val 16667"/>
+            </a:avLst>
+          </a:prstGeom>
+          <a:solidFill>
+            <a:srgbClr val="729fcf"/>
+          </a:solidFill>
+          <a:ln>
+            <a:solidFill>
+              <a:srgbClr val="3465a4"/>
             </a:solidFill>
           </a:ln>
         </p:spPr>
@@ -2094,12 +2735,75 @@
           <a:p>
             <a:pPr algn="ctr"/>
             <a:r>
-              <a:rPr b="1" lang="en-US" sz="1400" spc="-1" strike="noStrike">
+              <a:rPr b="0" lang="en-US" sz="1800" spc="-1" strike="noStrike">
                 <a:latin typeface="Arial"/>
               </a:rPr>
-              <a:t>כניסה</a:t>
+              <a:t>כאן יופיעו שמות</a:t>
             </a:r>
-            <a:endParaRPr b="1" lang="en-US" sz="1400" spc="-1" strike="noStrike">
+            <a:endParaRPr b="0" lang="en-US" sz="1800" spc="-1" strike="noStrike">
+              <a:latin typeface="Arial"/>
+            </a:endParaRPr>
+          </a:p>
+          <a:p>
+            <a:pPr algn="ctr"/>
+            <a:r>
+              <a:rPr b="0" lang="en-US" sz="1800" spc="-1" strike="noStrike">
+                <a:latin typeface="Arial"/>
+              </a:rPr>
+              <a:t> </a:t>
+            </a:r>
+            <a:r>
+              <a:rPr b="0" lang="en-US" sz="1800" spc="-1" strike="noStrike">
+                <a:latin typeface="Arial"/>
+              </a:rPr>
+              <a:t>כל המנהלים</a:t>
+            </a:r>
+            <a:endParaRPr b="0" lang="en-US" sz="1800" spc="-1" strike="noStrike">
+              <a:latin typeface="Arial"/>
+            </a:endParaRPr>
+          </a:p>
+        </p:txBody>
+      </p:sp>
+      <p:sp>
+        <p:nvSpPr>
+          <p:cNvPr id="134" name="CustomShape 12"/>
+          <p:cNvSpPr/>
+          <p:nvPr/>
+        </p:nvSpPr>
+        <p:spPr>
+          <a:xfrm>
+            <a:off x="2286000" y="2560320"/>
+            <a:ext cx="4572000" cy="365760"/>
+          </a:xfrm>
+          <a:prstGeom prst="rect">
+            <a:avLst/>
+          </a:prstGeom>
+          <a:solidFill>
+            <a:srgbClr val="729fcf"/>
+          </a:solidFill>
+          <a:ln>
+            <a:solidFill>
+              <a:srgbClr val="3465a4"/>
+            </a:solidFill>
+          </a:ln>
+        </p:spPr>
+        <p:style>
+          <a:lnRef idx="0"/>
+          <a:fillRef idx="0"/>
+          <a:effectRef idx="0"/>
+          <a:fontRef idx="minor"/>
+        </p:style>
+        <p:txBody>
+          <a:bodyPr wrap="none" lIns="90000" rIns="90000" tIns="45000" bIns="45000" anchor="ctr"/>
+          <a:p>
+            <a:pPr algn="ctr"/>
+            <a:r>
+              <a:rPr b="0" lang="en-US" sz="1800" spc="-1" strike="noStrike">
+                <a:latin typeface="Arial"/>
+              </a:rPr>
+              <a:t>שורת חיפוש</a:t>
+            </a:r>
+            <a:endParaRPr b="0" lang="en-US" sz="1800" spc="-1" strike="noStrike">
               <a:latin typeface="Arial"/>
             </a:endParaRPr>
           </a:p>
@@ -2110,10 +2814,10 @@
   <p:timing>
     <p:tnLst>
       <p:par>
-        <p:cTn id="1" dur="indefinite" restart="never" nodeType="tmRoot">
+        <p:cTn id="17" dur="indefinite" restart="never" nodeType="tmRoot">
           <p:childTnLst>
             <p:seq>
-              <p:cTn id="2" dur="indefinite" nodeType="mainSeq"/>
+              <p:cTn id="18" dur="indefinite" nodeType="mainSeq"/>
               <p:prevCondLst>
                 <p:cond delay="0" evt="onPrev">
                   <p:tgtEl>
@@ -2156,7 +2860,7 @@
       </p:grpSpPr>
       <p:pic>
         <p:nvPicPr>
-          <p:cNvPr id="44" name="" descr=""/>
+          <p:cNvPr id="40" name="" descr=""/>
           <p:cNvPicPr/>
           <p:nvPr/>
         </p:nvPicPr>
@@ -2167,7 +2871,7 @@
         <p:spPr>
           <a:xfrm>
             <a:off x="0" y="0"/>
-            <a:ext cx="9143640" cy="5343840"/>
+            <a:ext cx="9143280" cy="5343480"/>
           </a:xfrm>
           <a:prstGeom prst="rect">
             <a:avLst/>
@@ -2179,19 +2883,19 @@
       </p:pic>
       <p:pic>
         <p:nvPicPr>
-          <p:cNvPr id="45" name="" descr=""/>
+          <p:cNvPr id="41" name="" descr=""/>
           <p:cNvPicPr/>
           <p:nvPr/>
         </p:nvPicPr>
         <p:blipFill>
           <a:blip r:embed="rId2"/>
-          <a:srcRect l="0" t="0" r="0" b="21739"/>
+          <a:srcRect l="0" t="0" r="0" b="21743"/>
           <a:stretch/>
         </p:blipFill>
         <p:spPr>
           <a:xfrm>
             <a:off x="0" y="444960"/>
-            <a:ext cx="9143640" cy="1566720"/>
+            <a:ext cx="9143280" cy="1566360"/>
           </a:xfrm>
           <a:prstGeom prst="rect">
             <a:avLst/>
@@ -2203,14 +2907,14 @@
       </p:pic>
       <p:sp>
         <p:nvSpPr>
-          <p:cNvPr id="46" name="CustomShape 1"/>
+          <p:cNvPr id="42" name="CustomShape 1"/>
           <p:cNvSpPr/>
           <p:nvPr/>
         </p:nvSpPr>
         <p:spPr>
           <a:xfrm>
             <a:off x="7498080" y="91440"/>
-            <a:ext cx="1554480" cy="274320"/>
+            <a:ext cx="1554120" cy="273960"/>
           </a:xfrm>
           <a:prstGeom prst="rect">
             <a:avLst/>
@@ -2233,81 +2937,36 @@
         <p:txBody>
           <a:bodyPr wrap="none" lIns="90000" rIns="90000" tIns="45000" bIns="45000" anchor="ctr"/>
           <a:p>
-            <a:pPr algn="ctr"/>
+            <a:pPr algn="ctr">
+              <a:lnSpc>
+                <a:spcPct val="100000"/>
+              </a:lnSpc>
+            </a:pPr>
             <a:r>
               <a:rPr b="1" lang="en-US" sz="1400" spc="-1" strike="noStrike">
+                <a:solidFill>
+                  <a:srgbClr val="000000"/>
+                </a:solidFill>
                 <a:latin typeface="Arial"/>
+                <a:ea typeface="DejaVu Sans"/>
               </a:rPr>
               <a:t>כניסה</a:t>
             </a:r>
-            <a:endParaRPr b="1" lang="en-US" sz="1400" spc="-1" strike="noStrike">
+            <a:endParaRPr b="0" lang="en-US" sz="1400" spc="-1" strike="noStrike">
               <a:latin typeface="Arial"/>
             </a:endParaRPr>
           </a:p>
         </p:txBody>
       </p:sp>
-      <p:sp>
-        <p:nvSpPr>
-          <p:cNvPr id="47" name="CustomShape 2"/>
-          <p:cNvSpPr/>
-          <p:nvPr/>
-        </p:nvSpPr>
-        <p:spPr>
-          <a:xfrm>
-            <a:off x="0" y="2011680"/>
-            <a:ext cx="9144000" cy="4846320"/>
-          </a:xfrm>
-          <a:prstGeom prst="rect">
-            <a:avLst/>
-          </a:prstGeom>
-          <a:solidFill>
-            <a:srgbClr val="eeeeee"/>
-          </a:solidFill>
-          <a:ln>
-            <a:solidFill>
-              <a:srgbClr val="ffffff"/>
-            </a:solidFill>
-          </a:ln>
-        </p:spPr>
-        <p:style>
-          <a:lnRef idx="0"/>
-          <a:fillRef idx="0"/>
-          <a:effectRef idx="0"/>
-          <a:fontRef idx="minor"/>
-        </p:style>
-      </p:sp>
-      <p:pic>
-        <p:nvPicPr>
-          <p:cNvPr id="48" name="" descr=""/>
-          <p:cNvPicPr/>
-          <p:nvPr/>
-        </p:nvPicPr>
-        <p:blipFill>
-          <a:blip r:embed="rId3"/>
-          <a:stretch/>
-        </p:blipFill>
-        <p:spPr>
-          <a:xfrm>
-            <a:off x="2377440" y="2316960"/>
-            <a:ext cx="3857400" cy="3809520"/>
-          </a:xfrm>
-          <a:prstGeom prst="rect">
-            <a:avLst/>
-          </a:prstGeom>
-          <a:ln>
-            <a:noFill/>
-          </a:ln>
-        </p:spPr>
-      </p:pic>
     </p:spTree>
   </p:cSld>
   <p:timing>
     <p:tnLst>
       <p:par>
-        <p:cTn id="3" dur="indefinite" restart="never" nodeType="tmRoot">
+        <p:cTn id="1" dur="indefinite" restart="never" nodeType="tmRoot">
           <p:childTnLst>
             <p:seq>
-              <p:cTn id="4" dur="indefinite" nodeType="mainSeq"/>
+              <p:cTn id="2" dur="indefinite" nodeType="mainSeq"/>
               <p:prevCondLst>
                 <p:cond delay="0" evt="onPrev">
                   <p:tgtEl>
@@ -2350,7 +3009,7 @@
       </p:grpSpPr>
       <p:pic>
         <p:nvPicPr>
-          <p:cNvPr id="49" name="" descr=""/>
+          <p:cNvPr id="43" name="" descr=""/>
           <p:cNvPicPr/>
           <p:nvPr/>
         </p:nvPicPr>
@@ -2361,7 +3020,7 @@
         <p:spPr>
           <a:xfrm>
             <a:off x="0" y="0"/>
-            <a:ext cx="9143640" cy="5343840"/>
+            <a:ext cx="9143280" cy="5343480"/>
           </a:xfrm>
           <a:prstGeom prst="rect">
             <a:avLst/>
@@ -2373,19 +3032,19 @@
       </p:pic>
       <p:pic>
         <p:nvPicPr>
-          <p:cNvPr id="50" name="" descr=""/>
+          <p:cNvPr id="44" name="" descr=""/>
           <p:cNvPicPr/>
           <p:nvPr/>
         </p:nvPicPr>
         <p:blipFill>
           <a:blip r:embed="rId2"/>
-          <a:srcRect l="0" t="0" r="0" b="21739"/>
+          <a:srcRect l="0" t="0" r="0" b="21743"/>
           <a:stretch/>
         </p:blipFill>
         <p:spPr>
           <a:xfrm>
             <a:off x="0" y="444960"/>
-            <a:ext cx="9143640" cy="1566720"/>
+            <a:ext cx="9143280" cy="1566360"/>
           </a:xfrm>
           <a:prstGeom prst="rect">
             <a:avLst/>
@@ -2397,14 +3056,14 @@
       </p:pic>
       <p:sp>
         <p:nvSpPr>
-          <p:cNvPr id="51" name="CustomShape 1"/>
+          <p:cNvPr id="45" name="CustomShape 1"/>
           <p:cNvSpPr/>
           <p:nvPr/>
         </p:nvSpPr>
         <p:spPr>
           <a:xfrm>
             <a:off x="7498080" y="91440"/>
-            <a:ext cx="1554480" cy="274320"/>
+            <a:ext cx="1554120" cy="273960"/>
           </a:xfrm>
           <a:prstGeom prst="rect">
             <a:avLst/>
@@ -2427,14 +3086,22 @@
         <p:txBody>
           <a:bodyPr wrap="none" lIns="90000" rIns="90000" tIns="45000" bIns="45000" anchor="ctr"/>
           <a:p>
-            <a:pPr algn="ctr"/>
+            <a:pPr algn="ctr">
+              <a:lnSpc>
+                <a:spcPct val="100000"/>
+              </a:lnSpc>
+            </a:pPr>
             <a:r>
               <a:rPr b="1" lang="en-US" sz="1400" spc="-1" strike="noStrike">
+                <a:solidFill>
+                  <a:srgbClr val="000000"/>
+                </a:solidFill>
                 <a:latin typeface="Arial"/>
+                <a:ea typeface="DejaVu Sans"/>
               </a:rPr>
               <a:t>כניסה</a:t>
             </a:r>
-            <a:endParaRPr b="1" lang="en-US" sz="1400" spc="-1" strike="noStrike">
+            <a:endParaRPr b="0" lang="en-US" sz="1400" spc="-1" strike="noStrike">
               <a:latin typeface="Arial"/>
             </a:endParaRPr>
           </a:p>
@@ -2442,14 +3109,14 @@
       </p:sp>
       <p:sp>
         <p:nvSpPr>
-          <p:cNvPr id="52" name="CustomShape 2"/>
+          <p:cNvPr id="46" name="CustomShape 2"/>
           <p:cNvSpPr/>
           <p:nvPr/>
         </p:nvSpPr>
         <p:spPr>
           <a:xfrm>
             <a:off x="0" y="2011680"/>
-            <a:ext cx="9144000" cy="4846320"/>
+            <a:ext cx="9143640" cy="4845960"/>
           </a:xfrm>
           <a:prstGeom prst="rect">
             <a:avLst/>
@@ -2472,7 +3139,7 @@
       </p:sp>
       <p:pic>
         <p:nvPicPr>
-          <p:cNvPr id="53" name="" descr=""/>
+          <p:cNvPr id="47" name="" descr=""/>
           <p:cNvPicPr/>
           <p:nvPr/>
         </p:nvPicPr>
@@ -2482,8 +3149,8 @@
         </p:blipFill>
         <p:spPr>
           <a:xfrm>
-            <a:off x="2443320" y="2304360"/>
-            <a:ext cx="3762000" cy="3790440"/>
+            <a:off x="2377440" y="2316960"/>
+            <a:ext cx="3857040" cy="3809160"/>
           </a:xfrm>
           <a:prstGeom prst="rect">
             <a:avLst/>
@@ -2498,10 +3165,10 @@
   <p:timing>
     <p:tnLst>
       <p:par>
-        <p:cTn id="5" dur="indefinite" restart="never" nodeType="tmRoot">
+        <p:cTn id="3" dur="indefinite" restart="never" nodeType="tmRoot">
           <p:childTnLst>
             <p:seq>
-              <p:cTn id="6" dur="indefinite" nodeType="mainSeq"/>
+              <p:cTn id="4" dur="indefinite" nodeType="mainSeq"/>
               <p:prevCondLst>
                 <p:cond delay="0" evt="onPrev">
                   <p:tgtEl>
@@ -2544,7 +3211,7 @@
       </p:grpSpPr>
       <p:pic>
         <p:nvPicPr>
-          <p:cNvPr id="54" name="" descr=""/>
+          <p:cNvPr id="48" name="" descr=""/>
           <p:cNvPicPr/>
           <p:nvPr/>
         </p:nvPicPr>
@@ -2555,7 +3222,7 @@
         <p:spPr>
           <a:xfrm>
             <a:off x="0" y="0"/>
-            <a:ext cx="9143640" cy="5343840"/>
+            <a:ext cx="9143280" cy="5343480"/>
           </a:xfrm>
           <a:prstGeom prst="rect">
             <a:avLst/>
@@ -2567,19 +3234,19 @@
       </p:pic>
       <p:pic>
         <p:nvPicPr>
-          <p:cNvPr id="55" name="" descr=""/>
+          <p:cNvPr id="49" name="" descr=""/>
           <p:cNvPicPr/>
           <p:nvPr/>
         </p:nvPicPr>
         <p:blipFill>
           <a:blip r:embed="rId2"/>
-          <a:srcRect l="0" t="0" r="0" b="21739"/>
+          <a:srcRect l="0" t="0" r="0" b="21743"/>
           <a:stretch/>
         </p:blipFill>
         <p:spPr>
           <a:xfrm>
             <a:off x="0" y="444960"/>
-            <a:ext cx="9143640" cy="1566720"/>
+            <a:ext cx="9143280" cy="1566360"/>
           </a:xfrm>
           <a:prstGeom prst="rect">
             <a:avLst/>
@@ -2591,14 +3258,14 @@
       </p:pic>
       <p:sp>
         <p:nvSpPr>
-          <p:cNvPr id="56" name="CustomShape 1"/>
+          <p:cNvPr id="50" name="CustomShape 1"/>
           <p:cNvSpPr/>
           <p:nvPr/>
         </p:nvSpPr>
         <p:spPr>
           <a:xfrm>
             <a:off x="7498080" y="91440"/>
-            <a:ext cx="1554480" cy="274320"/>
+            <a:ext cx="1554120" cy="273960"/>
           </a:xfrm>
           <a:prstGeom prst="rect">
             <a:avLst/>
@@ -2621,14 +3288,22 @@
         <p:txBody>
           <a:bodyPr wrap="none" lIns="90000" rIns="90000" tIns="45000" bIns="45000" anchor="ctr"/>
           <a:p>
-            <a:pPr algn="ctr"/>
+            <a:pPr algn="ctr">
+              <a:lnSpc>
+                <a:spcPct val="100000"/>
+              </a:lnSpc>
+            </a:pPr>
             <a:r>
               <a:rPr b="1" lang="en-US" sz="1400" spc="-1" strike="noStrike">
+                <a:solidFill>
+                  <a:srgbClr val="000000"/>
+                </a:solidFill>
                 <a:latin typeface="Arial"/>
+                <a:ea typeface="DejaVu Sans"/>
               </a:rPr>
               <a:t>כניסה</a:t>
             </a:r>
-            <a:endParaRPr b="1" lang="en-US" sz="1400" spc="-1" strike="noStrike">
+            <a:endParaRPr b="0" lang="en-US" sz="1400" spc="-1" strike="noStrike">
               <a:latin typeface="Arial"/>
             </a:endParaRPr>
           </a:p>
@@ -2636,14 +3311,14 @@
       </p:sp>
       <p:sp>
         <p:nvSpPr>
-          <p:cNvPr id="57" name="CustomShape 2"/>
+          <p:cNvPr id="51" name="CustomShape 2"/>
           <p:cNvSpPr/>
           <p:nvPr/>
         </p:nvSpPr>
         <p:spPr>
           <a:xfrm>
             <a:off x="0" y="2011680"/>
-            <a:ext cx="9144000" cy="4846320"/>
+            <a:ext cx="9143640" cy="4845960"/>
           </a:xfrm>
           <a:prstGeom prst="rect">
             <a:avLst/>
@@ -2666,7 +3341,7 @@
       </p:sp>
       <p:pic>
         <p:nvPicPr>
-          <p:cNvPr id="58" name="" descr=""/>
+          <p:cNvPr id="52" name="" descr=""/>
           <p:cNvPicPr/>
           <p:nvPr/>
         </p:nvPicPr>
@@ -2677,30 +3352,7 @@
         <p:spPr>
           <a:xfrm>
             <a:off x="2443320" y="2304360"/>
-            <a:ext cx="3762000" cy="3790440"/>
-          </a:xfrm>
-          <a:prstGeom prst="rect">
-            <a:avLst/>
-          </a:prstGeom>
-          <a:ln>
-            <a:noFill/>
-          </a:ln>
-        </p:spPr>
-      </p:pic>
-      <p:pic>
-        <p:nvPicPr>
-          <p:cNvPr id="59" name="" descr=""/>
-          <p:cNvPicPr/>
-          <p:nvPr/>
-        </p:nvPicPr>
-        <p:blipFill>
-          <a:blip r:embed="rId4"/>
-          <a:stretch/>
-        </p:blipFill>
-        <p:spPr>
-          <a:xfrm>
-            <a:off x="6400800" y="5760720"/>
-            <a:ext cx="2733480" cy="894960"/>
+            <a:ext cx="3761640" cy="3790080"/>
           </a:xfrm>
           <a:prstGeom prst="rect">
             <a:avLst/>
@@ -2715,10 +3367,10 @@
   <p:timing>
     <p:tnLst>
       <p:par>
-        <p:cTn id="7" dur="indefinite" restart="never" nodeType="tmRoot">
+        <p:cTn id="5" dur="indefinite" restart="never" nodeType="tmRoot">
           <p:childTnLst>
             <p:seq>
-              <p:cTn id="8" dur="indefinite" nodeType="mainSeq"/>
+              <p:cTn id="6" dur="indefinite" nodeType="mainSeq"/>
               <p:prevCondLst>
                 <p:cond delay="0" evt="onPrev">
                   <p:tgtEl>
@@ -2761,7 +3413,7 @@
       </p:grpSpPr>
       <p:pic>
         <p:nvPicPr>
-          <p:cNvPr id="60" name="" descr=""/>
+          <p:cNvPr id="53" name="" descr=""/>
           <p:cNvPicPr/>
           <p:nvPr/>
         </p:nvPicPr>
@@ -2772,7 +3424,7 @@
         <p:spPr>
           <a:xfrm>
             <a:off x="0" y="0"/>
-            <a:ext cx="9143640" cy="5343840"/>
+            <a:ext cx="9143280" cy="5343480"/>
           </a:xfrm>
           <a:prstGeom prst="rect">
             <a:avLst/>
@@ -2784,19 +3436,19 @@
       </p:pic>
       <p:pic>
         <p:nvPicPr>
-          <p:cNvPr id="61" name="" descr=""/>
+          <p:cNvPr id="54" name="" descr=""/>
           <p:cNvPicPr/>
           <p:nvPr/>
         </p:nvPicPr>
         <p:blipFill>
           <a:blip r:embed="rId2"/>
-          <a:srcRect l="0" t="0" r="0" b="21739"/>
+          <a:srcRect l="0" t="0" r="0" b="21743"/>
           <a:stretch/>
         </p:blipFill>
         <p:spPr>
           <a:xfrm>
             <a:off x="0" y="444960"/>
-            <a:ext cx="9143640" cy="1566720"/>
+            <a:ext cx="9143280" cy="1566360"/>
           </a:xfrm>
           <a:prstGeom prst="rect">
             <a:avLst/>
@@ -2808,14 +3460,14 @@
       </p:pic>
       <p:sp>
         <p:nvSpPr>
-          <p:cNvPr id="62" name="CustomShape 1"/>
+          <p:cNvPr id="55" name="CustomShape 1"/>
           <p:cNvSpPr/>
           <p:nvPr/>
         </p:nvSpPr>
         <p:spPr>
           <a:xfrm>
             <a:off x="7498080" y="91440"/>
-            <a:ext cx="1554480" cy="274320"/>
+            <a:ext cx="1554120" cy="273960"/>
           </a:xfrm>
           <a:prstGeom prst="rect">
             <a:avLst/>
@@ -2838,14 +3490,22 @@
         <p:txBody>
           <a:bodyPr wrap="none" lIns="90000" rIns="90000" tIns="45000" bIns="45000" anchor="ctr"/>
           <a:p>
-            <a:pPr algn="ctr"/>
+            <a:pPr algn="ctr">
+              <a:lnSpc>
+                <a:spcPct val="100000"/>
+              </a:lnSpc>
+            </a:pPr>
             <a:r>
               <a:rPr b="1" lang="en-US" sz="1400" spc="-1" strike="noStrike">
+                <a:solidFill>
+                  <a:srgbClr val="000000"/>
+                </a:solidFill>
                 <a:latin typeface="Arial"/>
+                <a:ea typeface="DejaVu Sans"/>
               </a:rPr>
               <a:t>כניסה</a:t>
             </a:r>
-            <a:endParaRPr b="1" lang="en-US" sz="1400" spc="-1" strike="noStrike">
+            <a:endParaRPr b="0" lang="en-US" sz="1400" spc="-1" strike="noStrike">
               <a:latin typeface="Arial"/>
             </a:endParaRPr>
           </a:p>
@@ -2853,14 +3513,14 @@
       </p:sp>
       <p:sp>
         <p:nvSpPr>
-          <p:cNvPr id="63" name="CustomShape 2"/>
+          <p:cNvPr id="56" name="CustomShape 2"/>
           <p:cNvSpPr/>
           <p:nvPr/>
         </p:nvSpPr>
         <p:spPr>
           <a:xfrm>
             <a:off x="0" y="2011680"/>
-            <a:ext cx="9144000" cy="4846320"/>
+            <a:ext cx="9143640" cy="4845960"/>
           </a:xfrm>
           <a:prstGeom prst="rect">
             <a:avLst/>
@@ -2883,7 +3543,7 @@
       </p:sp>
       <p:pic>
         <p:nvPicPr>
-          <p:cNvPr id="64" name="" descr=""/>
+          <p:cNvPr id="57" name="" descr=""/>
           <p:cNvPicPr/>
           <p:nvPr/>
         </p:nvPicPr>
@@ -2894,7 +3554,30 @@
         <p:spPr>
           <a:xfrm>
             <a:off x="2443320" y="2304360"/>
-            <a:ext cx="3762000" cy="3790440"/>
+            <a:ext cx="3761640" cy="3790080"/>
+          </a:xfrm>
+          <a:prstGeom prst="rect">
+            <a:avLst/>
+          </a:prstGeom>
+          <a:ln>
+            <a:noFill/>
+          </a:ln>
+        </p:spPr>
+      </p:pic>
+      <p:pic>
+        <p:nvPicPr>
+          <p:cNvPr id="58" name="" descr=""/>
+          <p:cNvPicPr/>
+          <p:nvPr/>
+        </p:nvPicPr>
+        <p:blipFill>
+          <a:blip r:embed="rId4"/>
+          <a:stretch/>
+        </p:blipFill>
+        <p:spPr>
+          <a:xfrm>
+            <a:off x="6400800" y="5760720"/>
+            <a:ext cx="2733120" cy="894600"/>
           </a:xfrm>
           <a:prstGeom prst="rect">
             <a:avLst/>
@@ -2909,10 +3592,10 @@
   <p:timing>
     <p:tnLst>
       <p:par>
-        <p:cTn id="9" dur="indefinite" restart="never" nodeType="tmRoot">
+        <p:cTn id="7" dur="indefinite" restart="never" nodeType="tmRoot">
           <p:childTnLst>
             <p:seq>
-              <p:cTn id="10" dur="indefinite" nodeType="mainSeq"/>
+              <p:cTn id="8" dur="indefinite" nodeType="mainSeq"/>
               <p:prevCondLst>
                 <p:cond delay="0" evt="onPrev">
                   <p:tgtEl>
@@ -2955,7 +3638,7 @@
       </p:grpSpPr>
       <p:pic>
         <p:nvPicPr>
-          <p:cNvPr id="65" name="" descr=""/>
+          <p:cNvPr id="59" name="" descr=""/>
           <p:cNvPicPr/>
           <p:nvPr/>
         </p:nvPicPr>
@@ -2966,7 +3649,7 @@
         <p:spPr>
           <a:xfrm>
             <a:off x="0" y="0"/>
-            <a:ext cx="9143640" cy="5343840"/>
+            <a:ext cx="9143280" cy="5343480"/>
           </a:xfrm>
           <a:prstGeom prst="rect">
             <a:avLst/>
@@ -2978,19 +3661,19 @@
       </p:pic>
       <p:pic>
         <p:nvPicPr>
-          <p:cNvPr id="66" name="" descr=""/>
+          <p:cNvPr id="60" name="" descr=""/>
           <p:cNvPicPr/>
           <p:nvPr/>
         </p:nvPicPr>
         <p:blipFill>
           <a:blip r:embed="rId2"/>
-          <a:srcRect l="0" t="0" r="0" b="21739"/>
+          <a:srcRect l="0" t="0" r="0" b="21743"/>
           <a:stretch/>
         </p:blipFill>
         <p:spPr>
           <a:xfrm>
             <a:off x="0" y="444960"/>
-            <a:ext cx="9143640" cy="1566720"/>
+            <a:ext cx="9143280" cy="1566360"/>
           </a:xfrm>
           <a:prstGeom prst="rect">
             <a:avLst/>
@@ -3002,14 +3685,14 @@
       </p:pic>
       <p:sp>
         <p:nvSpPr>
-          <p:cNvPr id="67" name="CustomShape 1"/>
+          <p:cNvPr id="61" name="CustomShape 1"/>
           <p:cNvSpPr/>
           <p:nvPr/>
         </p:nvSpPr>
         <p:spPr>
           <a:xfrm>
-            <a:off x="7406640" y="91440"/>
-            <a:ext cx="1554480" cy="274320"/>
+            <a:off x="7498080" y="91440"/>
+            <a:ext cx="1554120" cy="273960"/>
           </a:xfrm>
           <a:prstGeom prst="rect">
             <a:avLst/>
@@ -3032,14 +3715,22 @@
         <p:txBody>
           <a:bodyPr wrap="none" lIns="90000" rIns="90000" tIns="45000" bIns="45000" anchor="ctr"/>
           <a:p>
-            <a:pPr algn="ctr"/>
+            <a:pPr algn="ctr">
+              <a:lnSpc>
+                <a:spcPct val="100000"/>
+              </a:lnSpc>
+            </a:pPr>
             <a:r>
               <a:rPr b="1" lang="en-US" sz="1400" spc="-1" strike="noStrike">
+                <a:solidFill>
+                  <a:srgbClr val="000000"/>
+                </a:solidFill>
                 <a:latin typeface="Arial"/>
+                <a:ea typeface="DejaVu Sans"/>
               </a:rPr>
-              <a:t>עובדים</a:t>
+              <a:t>כניסה</a:t>
             </a:r>
-            <a:endParaRPr b="1" lang="en-US" sz="1400" spc="-1" strike="noStrike">
+            <a:endParaRPr b="0" lang="en-US" sz="1400" spc="-1" strike="noStrike">
               <a:latin typeface="Arial"/>
             </a:endParaRPr>
           </a:p>
@@ -3047,20 +3738,20 @@
       </p:sp>
       <p:sp>
         <p:nvSpPr>
-          <p:cNvPr id="68" name="CustomShape 2"/>
+          <p:cNvPr id="62" name="CustomShape 2"/>
           <p:cNvSpPr/>
           <p:nvPr/>
         </p:nvSpPr>
         <p:spPr>
           <a:xfrm>
-            <a:off x="5669280" y="91440"/>
-            <a:ext cx="1554480" cy="274320"/>
+            <a:off x="0" y="2011680"/>
+            <a:ext cx="9143640" cy="4845960"/>
           </a:xfrm>
           <a:prstGeom prst="rect">
             <a:avLst/>
           </a:prstGeom>
           <a:solidFill>
-            <a:srgbClr val="f79448"/>
+            <a:srgbClr val="eeeeee"/>
           </a:solidFill>
           <a:ln>
             <a:solidFill>
@@ -3074,500 +3765,39 @@
           <a:effectRef idx="0"/>
           <a:fontRef idx="minor"/>
         </p:style>
-        <p:txBody>
-          <a:bodyPr wrap="none" lIns="90000" rIns="90000" tIns="45000" bIns="45000" anchor="ctr"/>
-          <a:p>
-            <a:pPr algn="ctr"/>
-            <a:r>
-              <a:rPr b="1" lang="en-US" sz="1400" spc="-1" strike="noStrike">
-                <a:latin typeface="Arial"/>
-              </a:rPr>
-              <a:t>תדריך יומי</a:t>
-            </a:r>
-            <a:endParaRPr b="1" lang="en-US" sz="1400" spc="-1" strike="noStrike">
-              <a:latin typeface="Arial"/>
-            </a:endParaRPr>
-          </a:p>
-        </p:txBody>
-      </p:sp>
-      <p:sp>
-        <p:nvSpPr>
-          <p:cNvPr id="69" name="CustomShape 3"/>
-          <p:cNvSpPr/>
-          <p:nvPr/>
-        </p:nvSpPr>
-        <p:spPr>
-          <a:xfrm>
-            <a:off x="5760720" y="182880"/>
-            <a:ext cx="182880" cy="91440"/>
-          </a:xfrm>
-          <a:custGeom>
-            <a:avLst/>
-            <a:gdLst/>
-            <a:ahLst/>
-            <a:rect l="0" t="0" r="r" b="b"/>
-            <a:pathLst>
-              <a:path w="510" h="256">
-                <a:moveTo>
-                  <a:pt x="252" y="255"/>
-                </a:moveTo>
-                <a:lnTo>
-                  <a:pt x="0" y="0"/>
-                </a:lnTo>
-                <a:lnTo>
-                  <a:pt x="509" y="0"/>
-                </a:lnTo>
-                <a:lnTo>
-                  <a:pt x="252" y="255"/>
-                </a:lnTo>
-              </a:path>
-            </a:pathLst>
-          </a:custGeom>
-          <a:solidFill>
-            <a:srgbClr val="000000"/>
-          </a:solidFill>
-          <a:ln>
-            <a:solidFill>
-              <a:srgbClr val="ffffff"/>
-            </a:solidFill>
-          </a:ln>
-        </p:spPr>
-        <p:style>
-          <a:lnRef idx="0"/>
-          <a:fillRef idx="0"/>
-          <a:effectRef idx="0"/>
-          <a:fontRef idx="minor"/>
-        </p:style>
-      </p:sp>
-      <p:sp>
-        <p:nvSpPr>
-          <p:cNvPr id="70" name="CustomShape 4"/>
-          <p:cNvSpPr/>
-          <p:nvPr/>
-        </p:nvSpPr>
-        <p:spPr>
-          <a:xfrm>
-            <a:off x="7498080" y="182880"/>
-            <a:ext cx="182880" cy="91440"/>
-          </a:xfrm>
-          <a:custGeom>
-            <a:avLst/>
-            <a:gdLst/>
-            <a:ahLst/>
-            <a:rect l="0" t="0" r="r" b="b"/>
-            <a:pathLst>
-              <a:path w="510" h="256">
-                <a:moveTo>
-                  <a:pt x="252" y="0"/>
-                </a:moveTo>
-                <a:lnTo>
-                  <a:pt x="0" y="255"/>
-                </a:lnTo>
-                <a:lnTo>
-                  <a:pt x="509" y="255"/>
-                </a:lnTo>
-                <a:lnTo>
-                  <a:pt x="252" y="0"/>
-                </a:lnTo>
-              </a:path>
-            </a:pathLst>
-          </a:custGeom>
-          <a:solidFill>
-            <a:srgbClr val="000000"/>
-          </a:solidFill>
-          <a:ln>
-            <a:solidFill>
-              <a:srgbClr val="ffffff"/>
-            </a:solidFill>
-          </a:ln>
-        </p:spPr>
-        <p:style>
-          <a:lnRef idx="0"/>
-          <a:fillRef idx="0"/>
-          <a:effectRef idx="0"/>
-          <a:fontRef idx="minor"/>
-        </p:style>
-      </p:sp>
-      <p:sp>
-        <p:nvSpPr>
-          <p:cNvPr id="71" name="CustomShape 5"/>
-          <p:cNvSpPr/>
-          <p:nvPr/>
-        </p:nvSpPr>
-        <p:spPr>
-          <a:xfrm>
-            <a:off x="3657600" y="91440"/>
-            <a:ext cx="1828800" cy="274320"/>
-          </a:xfrm>
-          <a:prstGeom prst="rect">
-            <a:avLst/>
-          </a:prstGeom>
-          <a:solidFill>
-            <a:srgbClr val="f79448"/>
-          </a:solidFill>
-          <a:ln>
-            <a:solidFill>
-              <a:srgbClr val="ffffff"/>
-            </a:solidFill>
-          </a:ln>
-        </p:spPr>
-        <p:style>
-          <a:lnRef idx="0"/>
-          <a:fillRef idx="0"/>
-          <a:effectRef idx="0"/>
-          <a:fontRef idx="minor"/>
-        </p:style>
-        <p:txBody>
-          <a:bodyPr wrap="none" lIns="90000" rIns="90000" tIns="45000" bIns="45000" anchor="ctr"/>
-          <a:p>
-            <a:pPr algn="r"/>
-            <a:r>
-              <a:rPr b="1" lang="en-US" sz="1400" spc="-1" strike="noStrike">
-                <a:latin typeface="Arial"/>
-              </a:rPr>
-              <a:t>הודעות חשובות</a:t>
-            </a:r>
-            <a:endParaRPr b="1" lang="en-US" sz="1400" spc="-1" strike="noStrike">
-              <a:latin typeface="Arial"/>
-            </a:endParaRPr>
-          </a:p>
-        </p:txBody>
-      </p:sp>
-      <p:sp>
-        <p:nvSpPr>
-          <p:cNvPr id="72" name="CustomShape 6"/>
-          <p:cNvSpPr/>
-          <p:nvPr/>
-        </p:nvSpPr>
-        <p:spPr>
-          <a:xfrm>
-            <a:off x="3749040" y="182880"/>
-            <a:ext cx="182880" cy="91440"/>
-          </a:xfrm>
-          <a:custGeom>
-            <a:avLst/>
-            <a:gdLst/>
-            <a:ahLst/>
-            <a:rect l="0" t="0" r="r" b="b"/>
-            <a:pathLst>
-              <a:path w="510" h="256">
-                <a:moveTo>
-                  <a:pt x="252" y="255"/>
-                </a:moveTo>
-                <a:lnTo>
-                  <a:pt x="0" y="0"/>
-                </a:lnTo>
-                <a:lnTo>
-                  <a:pt x="509" y="0"/>
-                </a:lnTo>
-                <a:lnTo>
-                  <a:pt x="252" y="255"/>
-                </a:lnTo>
-              </a:path>
-            </a:pathLst>
-          </a:custGeom>
-          <a:solidFill>
-            <a:srgbClr val="000000"/>
-          </a:solidFill>
-          <a:ln>
-            <a:solidFill>
-              <a:srgbClr val="ffffff"/>
-            </a:solidFill>
-          </a:ln>
-        </p:spPr>
-        <p:style>
-          <a:lnRef idx="0"/>
-          <a:fillRef idx="0"/>
-          <a:effectRef idx="0"/>
-          <a:fontRef idx="minor"/>
-        </p:style>
-      </p:sp>
-      <p:sp>
-        <p:nvSpPr>
-          <p:cNvPr id="73" name="TextShape 7"/>
-          <p:cNvSpPr txBox="1"/>
-          <p:nvPr/>
-        </p:nvSpPr>
-        <p:spPr>
-          <a:xfrm>
-            <a:off x="182880" y="91440"/>
-            <a:ext cx="2286000" cy="346320"/>
-          </a:xfrm>
-          <a:prstGeom prst="rect">
-            <a:avLst/>
-          </a:prstGeom>
-          <a:noFill/>
+      </p:sp>
+      <p:pic>
+        <p:nvPicPr>
+          <p:cNvPr id="63" name="" descr=""/>
+          <p:cNvPicPr/>
+          <p:nvPr/>
+        </p:nvPicPr>
+        <p:blipFill>
+          <a:blip r:embed="rId3"/>
+          <a:stretch/>
+        </p:blipFill>
+        <p:spPr>
+          <a:xfrm>
+            <a:off x="2443320" y="2304360"/>
+            <a:ext cx="3761640" cy="3790080"/>
+          </a:xfrm>
+          <a:prstGeom prst="rect">
+            <a:avLst/>
+          </a:prstGeom>
           <a:ln>
             <a:noFill/>
           </a:ln>
         </p:spPr>
-        <p:txBody>
-          <a:bodyPr lIns="90000" rIns="90000" tIns="45000" bIns="45000"/>
-          <a:p>
-            <a:pPr algn="ctr"/>
-            <a:r>
-              <a:rPr b="0" lang="en-US" sz="1400" spc="-1" strike="noStrike">
-                <a:solidFill>
-                  <a:srgbClr val="ffffff"/>
-                </a:solidFill>
-                <a:latin typeface="Arial"/>
-              </a:rPr>
-              <a:t>ברוכה הבאה, מיכל</a:t>
-            </a:r>
-            <a:endParaRPr b="0" lang="en-US" sz="1400" spc="-1" strike="noStrike">
-              <a:solidFill>
-                <a:srgbClr val="ffffff"/>
-              </a:solidFill>
-              <a:latin typeface="Arial"/>
-            </a:endParaRPr>
-          </a:p>
-        </p:txBody>
-      </p:sp>
-      <p:sp>
-        <p:nvSpPr>
-          <p:cNvPr id="74" name="CustomShape 8"/>
-          <p:cNvSpPr/>
-          <p:nvPr/>
-        </p:nvSpPr>
-        <p:spPr>
-          <a:xfrm>
-            <a:off x="6675120" y="365760"/>
-            <a:ext cx="2286000" cy="1554480"/>
-          </a:xfrm>
-          <a:prstGeom prst="rect">
-            <a:avLst/>
-          </a:prstGeom>
-          <a:solidFill>
-            <a:srgbClr val="f79448"/>
-          </a:solidFill>
-          <a:ln>
-            <a:solidFill>
-              <a:srgbClr val="ffffff"/>
-            </a:solidFill>
-          </a:ln>
-        </p:spPr>
-        <p:style>
-          <a:lnRef idx="0"/>
-          <a:fillRef idx="0"/>
-          <a:effectRef idx="0"/>
-          <a:fontRef idx="minor"/>
-        </p:style>
-      </p:sp>
-      <p:sp>
-        <p:nvSpPr>
-          <p:cNvPr id="75" name="TextShape 9"/>
-          <p:cNvSpPr txBox="1"/>
-          <p:nvPr/>
-        </p:nvSpPr>
-        <p:spPr>
-          <a:xfrm>
-            <a:off x="5760720" y="637920"/>
-            <a:ext cx="180720" cy="288720"/>
-          </a:xfrm>
-          <a:prstGeom prst="rect">
-            <a:avLst/>
-          </a:prstGeom>
-          <a:noFill/>
-          <a:ln>
-            <a:noFill/>
-          </a:ln>
-        </p:spPr>
-      </p:sp>
-      <p:sp>
-        <p:nvSpPr>
-          <p:cNvPr id="76" name="TextShape 10"/>
-          <p:cNvSpPr txBox="1"/>
-          <p:nvPr/>
-        </p:nvSpPr>
-        <p:spPr>
-          <a:xfrm>
-            <a:off x="6766560" y="444960"/>
-            <a:ext cx="2103120" cy="346320"/>
-          </a:xfrm>
-          <a:prstGeom prst="rect">
-            <a:avLst/>
-          </a:prstGeom>
-          <a:noFill/>
-          <a:ln>
-            <a:noFill/>
-          </a:ln>
-        </p:spPr>
-        <p:txBody>
-          <a:bodyPr lIns="90000" rIns="90000" tIns="45000" bIns="45000"/>
-          <a:p>
-            <a:pPr algn="ctr"/>
-            <a:r>
-              <a:rPr b="0" lang="en-US" sz="1400" spc="-1" strike="noStrike">
-                <a:latin typeface="Arial"/>
-              </a:rPr>
-              <a:t>הוספת עובד</a:t>
-            </a:r>
-            <a:endParaRPr b="0" lang="en-US" sz="1400" spc="-1" strike="noStrike">
-              <a:latin typeface="Arial"/>
-            </a:endParaRPr>
-          </a:p>
-        </p:txBody>
-      </p:sp>
-      <p:sp>
-        <p:nvSpPr>
-          <p:cNvPr id="77" name="TextShape 11"/>
-          <p:cNvSpPr txBox="1"/>
-          <p:nvPr/>
-        </p:nvSpPr>
-        <p:spPr>
-          <a:xfrm>
-            <a:off x="6766560" y="914400"/>
-            <a:ext cx="2103120" cy="346320"/>
-          </a:xfrm>
-          <a:prstGeom prst="rect">
-            <a:avLst/>
-          </a:prstGeom>
-          <a:noFill/>
-          <a:ln>
-            <a:noFill/>
-          </a:ln>
-        </p:spPr>
-        <p:txBody>
-          <a:bodyPr lIns="90000" rIns="90000" tIns="45000" bIns="45000"/>
-          <a:p>
-            <a:pPr algn="ctr"/>
-            <a:r>
-              <a:rPr b="0" lang="en-US" sz="1400" spc="-1" strike="noStrike">
-                <a:latin typeface="Arial"/>
-              </a:rPr>
-              <a:t>טעינת אקסל עובדים</a:t>
-            </a:r>
-            <a:endParaRPr b="0" lang="en-US" sz="1400" spc="-1" strike="noStrike">
-              <a:latin typeface="Arial"/>
-            </a:endParaRPr>
-          </a:p>
-        </p:txBody>
-      </p:sp>
-      <p:sp>
-        <p:nvSpPr>
-          <p:cNvPr id="78" name="TextShape 12"/>
-          <p:cNvSpPr txBox="1"/>
-          <p:nvPr/>
-        </p:nvSpPr>
-        <p:spPr>
-          <a:xfrm>
-            <a:off x="6675120" y="1463040"/>
-            <a:ext cx="2194560" cy="365760"/>
-          </a:xfrm>
-          <a:prstGeom prst="rect">
-            <a:avLst/>
-          </a:prstGeom>
-          <a:noFill/>
-          <a:ln>
-            <a:noFill/>
-          </a:ln>
-        </p:spPr>
-        <p:txBody>
-          <a:bodyPr lIns="90000" rIns="90000" tIns="45000" bIns="45000"/>
-          <a:p>
-            <a:pPr algn="ctr"/>
-            <a:r>
-              <a:rPr b="0" lang="en-US" sz="1400" spc="-1" strike="noStrike">
-                <a:latin typeface="Arial"/>
-              </a:rPr>
-              <a:t>צפייה ברשימת עובדים</a:t>
-            </a:r>
-            <a:endParaRPr b="0" lang="en-US" sz="1400" spc="-1" strike="noStrike">
-              <a:latin typeface="Arial"/>
-            </a:endParaRPr>
-          </a:p>
-        </p:txBody>
-      </p:sp>
-      <p:sp>
-        <p:nvSpPr>
-          <p:cNvPr id="79" name="Line 13"/>
-          <p:cNvSpPr/>
-          <p:nvPr/>
-        </p:nvSpPr>
-        <p:spPr>
-          <a:xfrm>
-            <a:off x="6766560" y="822960"/>
-            <a:ext cx="2103120" cy="0"/>
-          </a:xfrm>
-          <a:prstGeom prst="line">
-            <a:avLst/>
-          </a:prstGeom>
-          <a:ln>
-            <a:solidFill>
-              <a:srgbClr val="000000"/>
-            </a:solidFill>
-          </a:ln>
-        </p:spPr>
-        <p:style>
-          <a:lnRef idx="0"/>
-          <a:fillRef idx="0"/>
-          <a:effectRef idx="0"/>
-          <a:fontRef idx="minor"/>
-        </p:style>
-      </p:sp>
-      <p:sp>
-        <p:nvSpPr>
-          <p:cNvPr id="80" name="Line 14"/>
-          <p:cNvSpPr/>
-          <p:nvPr/>
-        </p:nvSpPr>
-        <p:spPr>
-          <a:xfrm>
-            <a:off x="6766560" y="1371600"/>
-            <a:ext cx="2103120" cy="0"/>
-          </a:xfrm>
-          <a:prstGeom prst="line">
-            <a:avLst/>
-          </a:prstGeom>
-          <a:ln>
-            <a:solidFill>
-              <a:srgbClr val="000000"/>
-            </a:solidFill>
-          </a:ln>
-        </p:spPr>
-        <p:style>
-          <a:lnRef idx="0"/>
-          <a:fillRef idx="0"/>
-          <a:effectRef idx="0"/>
-          <a:fontRef idx="minor"/>
-        </p:style>
-      </p:sp>
-      <p:sp>
-        <p:nvSpPr>
-          <p:cNvPr id="81" name="Line 15"/>
-          <p:cNvSpPr/>
-          <p:nvPr/>
-        </p:nvSpPr>
-        <p:spPr>
-          <a:xfrm>
-            <a:off x="6766560" y="1371600"/>
-            <a:ext cx="2103120" cy="0"/>
-          </a:xfrm>
-          <a:prstGeom prst="line">
-            <a:avLst/>
-          </a:prstGeom>
-          <a:ln>
-            <a:solidFill>
-              <a:srgbClr val="000000"/>
-            </a:solidFill>
-          </a:ln>
-        </p:spPr>
-        <p:style>
-          <a:lnRef idx="0"/>
-          <a:fillRef idx="0"/>
-          <a:effectRef idx="0"/>
-          <a:fontRef idx="minor"/>
-        </p:style>
-      </p:sp>
+      </p:pic>
     </p:spTree>
   </p:cSld>
   <p:timing>
     <p:tnLst>
       <p:par>
-        <p:cTn id="11" dur="indefinite" restart="never" nodeType="tmRoot">
+        <p:cTn id="9" dur="indefinite" restart="never" nodeType="tmRoot">
           <p:childTnLst>
             <p:seq>
-              <p:cTn id="12" dur="indefinite" nodeType="mainSeq"/>
+              <p:cTn id="10" dur="indefinite" nodeType="mainSeq"/>
               <p:prevCondLst>
                 <p:cond delay="0" evt="onPrev">
                   <p:tgtEl>
@@ -3610,7 +3840,7 @@
       </p:grpSpPr>
       <p:pic>
         <p:nvPicPr>
-          <p:cNvPr id="82" name="" descr=""/>
+          <p:cNvPr id="64" name="" descr=""/>
           <p:cNvPicPr/>
           <p:nvPr/>
         </p:nvPicPr>
@@ -3621,7 +3851,7 @@
         <p:spPr>
           <a:xfrm>
             <a:off x="0" y="0"/>
-            <a:ext cx="9143640" cy="5343840"/>
+            <a:ext cx="9143280" cy="5343480"/>
           </a:xfrm>
           <a:prstGeom prst="rect">
             <a:avLst/>
@@ -3633,19 +3863,19 @@
       </p:pic>
       <p:pic>
         <p:nvPicPr>
-          <p:cNvPr id="83" name="" descr=""/>
+          <p:cNvPr id="65" name="" descr=""/>
           <p:cNvPicPr/>
           <p:nvPr/>
         </p:nvPicPr>
         <p:blipFill>
           <a:blip r:embed="rId2"/>
-          <a:srcRect l="0" t="0" r="0" b="21739"/>
+          <a:srcRect l="0" t="0" r="0" b="21743"/>
           <a:stretch/>
         </p:blipFill>
         <p:spPr>
           <a:xfrm>
             <a:off x="0" y="444960"/>
-            <a:ext cx="9143640" cy="1566720"/>
+            <a:ext cx="9143280" cy="1566360"/>
           </a:xfrm>
           <a:prstGeom prst="rect">
             <a:avLst/>
@@ -3657,14 +3887,14 @@
       </p:pic>
       <p:sp>
         <p:nvSpPr>
-          <p:cNvPr id="84" name="CustomShape 1"/>
+          <p:cNvPr id="66" name="CustomShape 1"/>
           <p:cNvSpPr/>
           <p:nvPr/>
         </p:nvSpPr>
         <p:spPr>
           <a:xfrm>
             <a:off x="7406640" y="91440"/>
-            <a:ext cx="1554480" cy="274320"/>
+            <a:ext cx="1554120" cy="273960"/>
           </a:xfrm>
           <a:prstGeom prst="rect">
             <a:avLst/>
@@ -3687,14 +3917,22 @@
         <p:txBody>
           <a:bodyPr wrap="none" lIns="90000" rIns="90000" tIns="45000" bIns="45000" anchor="ctr"/>
           <a:p>
-            <a:pPr algn="ctr"/>
+            <a:pPr algn="ctr">
+              <a:lnSpc>
+                <a:spcPct val="100000"/>
+              </a:lnSpc>
+            </a:pPr>
             <a:r>
               <a:rPr b="1" lang="en-US" sz="1400" spc="-1" strike="noStrike">
+                <a:solidFill>
+                  <a:srgbClr val="000000"/>
+                </a:solidFill>
                 <a:latin typeface="Arial"/>
+                <a:ea typeface="DejaVu Sans"/>
               </a:rPr>
               <a:t>עובדים</a:t>
             </a:r>
-            <a:endParaRPr b="1" lang="en-US" sz="1400" spc="-1" strike="noStrike">
+            <a:endParaRPr b="0" lang="en-US" sz="1400" spc="-1" strike="noStrike">
               <a:latin typeface="Arial"/>
             </a:endParaRPr>
           </a:p>
@@ -3702,14 +3940,14 @@
       </p:sp>
       <p:sp>
         <p:nvSpPr>
-          <p:cNvPr id="85" name="CustomShape 2"/>
+          <p:cNvPr id="67" name="CustomShape 2"/>
           <p:cNvSpPr/>
           <p:nvPr/>
         </p:nvSpPr>
         <p:spPr>
           <a:xfrm>
             <a:off x="5669280" y="91440"/>
-            <a:ext cx="1554480" cy="274320"/>
+            <a:ext cx="1554120" cy="273960"/>
           </a:xfrm>
           <a:prstGeom prst="rect">
             <a:avLst/>
@@ -3732,14 +3970,22 @@
         <p:txBody>
           <a:bodyPr wrap="none" lIns="90000" rIns="90000" tIns="45000" bIns="45000" anchor="ctr"/>
           <a:p>
-            <a:pPr algn="ctr"/>
+            <a:pPr algn="ctr">
+              <a:lnSpc>
+                <a:spcPct val="100000"/>
+              </a:lnSpc>
+            </a:pPr>
             <a:r>
               <a:rPr b="1" lang="en-US" sz="1400" spc="-1" strike="noStrike">
+                <a:solidFill>
+                  <a:srgbClr val="000000"/>
+                </a:solidFill>
                 <a:latin typeface="Arial"/>
+                <a:ea typeface="DejaVu Sans"/>
               </a:rPr>
               <a:t>תדריך יומי</a:t>
             </a:r>
-            <a:endParaRPr b="1" lang="en-US" sz="1400" spc="-1" strike="noStrike">
+            <a:endParaRPr b="0" lang="en-US" sz="1400" spc="-1" strike="noStrike">
               <a:latin typeface="Arial"/>
             </a:endParaRPr>
           </a:p>
@@ -3747,20 +3993,20 @@
       </p:sp>
       <p:sp>
         <p:nvSpPr>
-          <p:cNvPr id="86" name="CustomShape 3"/>
+          <p:cNvPr id="68" name="CustomShape 3"/>
           <p:cNvSpPr/>
           <p:nvPr/>
         </p:nvSpPr>
         <p:spPr>
           <a:xfrm>
-            <a:off x="7498080" y="182880"/>
-            <a:ext cx="182880" cy="91440"/>
+            <a:off x="5760720" y="182880"/>
+            <a:ext cx="182520" cy="91080"/>
           </a:xfrm>
           <a:custGeom>
             <a:avLst/>
             <a:gdLst/>
             <a:ahLst/>
-            <a:rect l="0" t="0" r="r" b="b"/>
+            <a:rect l="l" t="t" r="r" b="b"/>
             <a:pathLst>
               <a:path w="510" h="256">
                 <a:moveTo>
@@ -3796,14 +4042,63 @@
       </p:sp>
       <p:sp>
         <p:nvSpPr>
-          <p:cNvPr id="87" name="CustomShape 4"/>
+          <p:cNvPr id="69" name="CustomShape 4"/>
           <p:cNvSpPr/>
           <p:nvPr/>
         </p:nvSpPr>
         <p:spPr>
           <a:xfrm>
+            <a:off x="7498080" y="182880"/>
+            <a:ext cx="182520" cy="91080"/>
+          </a:xfrm>
+          <a:custGeom>
+            <a:avLst/>
+            <a:gdLst/>
+            <a:ahLst/>
+            <a:rect l="l" t="t" r="r" b="b"/>
+            <a:pathLst>
+              <a:path w="510" h="256">
+                <a:moveTo>
+                  <a:pt x="252" y="0"/>
+                </a:moveTo>
+                <a:lnTo>
+                  <a:pt x="0" y="255"/>
+                </a:lnTo>
+                <a:lnTo>
+                  <a:pt x="509" y="255"/>
+                </a:lnTo>
+                <a:lnTo>
+                  <a:pt x="252" y="0"/>
+                </a:lnTo>
+              </a:path>
+            </a:pathLst>
+          </a:custGeom>
+          <a:solidFill>
+            <a:srgbClr val="000000"/>
+          </a:solidFill>
+          <a:ln>
+            <a:solidFill>
+              <a:srgbClr val="ffffff"/>
+            </a:solidFill>
+          </a:ln>
+        </p:spPr>
+        <p:style>
+          <a:lnRef idx="0"/>
+          <a:fillRef idx="0"/>
+          <a:effectRef idx="0"/>
+          <a:fontRef idx="minor"/>
+        </p:style>
+      </p:sp>
+      <p:sp>
+        <p:nvSpPr>
+          <p:cNvPr id="70" name="CustomShape 5"/>
+          <p:cNvSpPr/>
+          <p:nvPr/>
+        </p:nvSpPr>
+        <p:spPr>
+          <a:xfrm>
             <a:off x="3657600" y="91440"/>
-            <a:ext cx="1828800" cy="274320"/>
+            <a:ext cx="1828440" cy="273960"/>
           </a:xfrm>
           <a:prstGeom prst="rect">
             <a:avLst/>
@@ -3826,14 +4121,22 @@
         <p:txBody>
           <a:bodyPr wrap="none" lIns="90000" rIns="90000" tIns="45000" bIns="45000" anchor="ctr"/>
           <a:p>
-            <a:pPr algn="r"/>
+            <a:pPr algn="r">
+              <a:lnSpc>
+                <a:spcPct val="100000"/>
+              </a:lnSpc>
+            </a:pPr>
             <a:r>
               <a:rPr b="1" lang="en-US" sz="1400" spc="-1" strike="noStrike">
+                <a:solidFill>
+                  <a:srgbClr val="000000"/>
+                </a:solidFill>
                 <a:latin typeface="Arial"/>
+                <a:ea typeface="DejaVu Sans"/>
               </a:rPr>
               <a:t>הודעות חשובות</a:t>
             </a:r>
-            <a:endParaRPr b="1" lang="en-US" sz="1400" spc="-1" strike="noStrike">
+            <a:endParaRPr b="0" lang="en-US" sz="1400" spc="-1" strike="noStrike">
               <a:latin typeface="Arial"/>
             </a:endParaRPr>
           </a:p>
@@ -3841,20 +4144,20 @@
       </p:sp>
       <p:sp>
         <p:nvSpPr>
-          <p:cNvPr id="88" name="CustomShape 5"/>
+          <p:cNvPr id="71" name="CustomShape 6"/>
           <p:cNvSpPr/>
           <p:nvPr/>
         </p:nvSpPr>
         <p:spPr>
           <a:xfrm>
             <a:off x="3749040" y="182880"/>
-            <a:ext cx="182880" cy="91440"/>
+            <a:ext cx="182520" cy="91080"/>
           </a:xfrm>
           <a:custGeom>
             <a:avLst/>
             <a:gdLst/>
             <a:ahLst/>
-            <a:rect l="0" t="0" r="r" b="b"/>
+            <a:rect l="l" t="t" r="r" b="b"/>
             <a:pathLst>
               <a:path w="510" h="256">
                 <a:moveTo>
@@ -3890,14 +4193,14 @@
       </p:sp>
       <p:sp>
         <p:nvSpPr>
-          <p:cNvPr id="89" name="TextShape 6"/>
-          <p:cNvSpPr txBox="1"/>
+          <p:cNvPr id="72" name="CustomShape 7"/>
+          <p:cNvSpPr/>
           <p:nvPr/>
         </p:nvSpPr>
         <p:spPr>
           <a:xfrm>
             <a:off x="182880" y="91440"/>
-            <a:ext cx="2286000" cy="346320"/>
+            <a:ext cx="2285640" cy="345960"/>
           </a:xfrm>
           <a:prstGeom prst="rect">
             <a:avLst/>
@@ -3907,10 +4210,20 @@
             <a:noFill/>
           </a:ln>
         </p:spPr>
+        <p:style>
+          <a:lnRef idx="0"/>
+          <a:fillRef idx="0"/>
+          <a:effectRef idx="0"/>
+          <a:fontRef idx="minor"/>
+        </p:style>
         <p:txBody>
           <a:bodyPr lIns="90000" rIns="90000" tIns="45000" bIns="45000"/>
           <a:p>
-            <a:pPr algn="ctr"/>
+            <a:pPr algn="ctr">
+              <a:lnSpc>
+                <a:spcPct val="100000"/>
+              </a:lnSpc>
+            </a:pPr>
             <a:r>
               <a:rPr b="0" lang="en-US" sz="1400" spc="-1" strike="noStrike">
                 <a:solidFill>
@@ -3921,9 +4234,6 @@
               <a:t>ברוכה הבאה, מיכל</a:t>
             </a:r>
             <a:endParaRPr b="0" lang="en-US" sz="1400" spc="-1" strike="noStrike">
-              <a:solidFill>
-                <a:srgbClr val="ffffff"/>
-              </a:solidFill>
               <a:latin typeface="Arial"/>
             </a:endParaRPr>
           </a:p>
@@ -3931,14 +4241,14 @@
       </p:sp>
       <p:sp>
         <p:nvSpPr>
-          <p:cNvPr id="90" name="CustomShape 7"/>
+          <p:cNvPr id="73" name="CustomShape 8"/>
           <p:cNvSpPr/>
           <p:nvPr/>
         </p:nvSpPr>
         <p:spPr>
           <a:xfrm>
-            <a:off x="4937760" y="365760"/>
-            <a:ext cx="2286000" cy="1554480"/>
+            <a:off x="6675120" y="365760"/>
+            <a:ext cx="2285640" cy="1554120"/>
           </a:xfrm>
           <a:prstGeom prst="rect">
             <a:avLst/>
@@ -3961,14 +4271,14 @@
       </p:sp>
       <p:sp>
         <p:nvSpPr>
-          <p:cNvPr id="91" name="TextShape 8"/>
-          <p:cNvSpPr txBox="1"/>
-          <p:nvPr/>
-        </p:nvSpPr>
-        <p:spPr>
-          <a:xfrm>
-            <a:off x="5029200" y="444960"/>
-            <a:ext cx="2103120" cy="346320"/>
+          <p:cNvPr id="74" name="CustomShape 9"/>
+          <p:cNvSpPr/>
+          <p:nvPr/>
+        </p:nvSpPr>
+        <p:spPr>
+          <a:xfrm>
+            <a:off x="5760720" y="637920"/>
+            <a:ext cx="180360" cy="288360"/>
           </a:xfrm>
           <a:prstGeom prst="rect">
             <a:avLst/>
@@ -3978,15 +4288,51 @@
             <a:noFill/>
           </a:ln>
         </p:spPr>
+        <p:style>
+          <a:lnRef idx="0"/>
+          <a:fillRef idx="0"/>
+          <a:effectRef idx="0"/>
+          <a:fontRef idx="minor"/>
+        </p:style>
+      </p:sp>
+      <p:sp>
+        <p:nvSpPr>
+          <p:cNvPr id="75" name="CustomShape 10"/>
+          <p:cNvSpPr/>
+          <p:nvPr/>
+        </p:nvSpPr>
+        <p:spPr>
+          <a:xfrm>
+            <a:off x="6766560" y="444960"/>
+            <a:ext cx="2102760" cy="345960"/>
+          </a:xfrm>
+          <a:prstGeom prst="rect">
+            <a:avLst/>
+          </a:prstGeom>
+          <a:noFill/>
+          <a:ln>
+            <a:noFill/>
+          </a:ln>
+        </p:spPr>
+        <p:style>
+          <a:lnRef idx="0"/>
+          <a:fillRef idx="0"/>
+          <a:effectRef idx="0"/>
+          <a:fontRef idx="minor"/>
+        </p:style>
         <p:txBody>
           <a:bodyPr lIns="90000" rIns="90000" tIns="45000" bIns="45000"/>
           <a:p>
-            <a:pPr algn="ctr"/>
+            <a:pPr algn="ctr">
+              <a:lnSpc>
+                <a:spcPct val="100000"/>
+              </a:lnSpc>
+            </a:pPr>
             <a:r>
               <a:rPr b="0" lang="en-US" sz="1400" spc="-1" strike="noStrike">
                 <a:latin typeface="Arial"/>
               </a:rPr>
-              <a:t>הוספת תדריך יומי</a:t>
+              <a:t>הוספת עובד</a:t>
             </a:r>
             <a:endParaRPr b="0" lang="en-US" sz="1400" spc="-1" strike="noStrike">
               <a:latin typeface="Arial"/>
@@ -3996,22 +4342,21 @@
       </p:sp>
       <p:sp>
         <p:nvSpPr>
-          <p:cNvPr id="92" name="Line 9"/>
+          <p:cNvPr id="76" name="CustomShape 11"/>
           <p:cNvSpPr/>
           <p:nvPr/>
         </p:nvSpPr>
         <p:spPr>
           <a:xfrm>
-            <a:off x="5029200" y="822960"/>
-            <a:ext cx="2103120" cy="0"/>
-          </a:xfrm>
-          <a:prstGeom prst="line">
-            <a:avLst/>
-          </a:prstGeom>
-          <a:ln>
-            <a:solidFill>
-              <a:srgbClr val="000000"/>
-            </a:solidFill>
+            <a:off x="6766560" y="914400"/>
+            <a:ext cx="2102760" cy="345960"/>
+          </a:xfrm>
+          <a:prstGeom prst="rect">
+            <a:avLst/>
+          </a:prstGeom>
+          <a:noFill/>
+          <a:ln>
+            <a:noFill/>
           </a:ln>
         </p:spPr>
         <p:style>
@@ -4020,25 +4365,43 @@
           <a:effectRef idx="0"/>
           <a:fontRef idx="minor"/>
         </p:style>
-      </p:sp>
-      <p:sp>
-        <p:nvSpPr>
-          <p:cNvPr id="93" name="Line 10"/>
+        <p:txBody>
+          <a:bodyPr lIns="90000" rIns="90000" tIns="45000" bIns="45000"/>
+          <a:p>
+            <a:pPr algn="ctr">
+              <a:lnSpc>
+                <a:spcPct val="100000"/>
+              </a:lnSpc>
+            </a:pPr>
+            <a:r>
+              <a:rPr b="0" lang="en-US" sz="1400" spc="-1" strike="noStrike">
+                <a:latin typeface="Arial"/>
+              </a:rPr>
+              <a:t>טעינת אקסל עובדים</a:t>
+            </a:r>
+            <a:endParaRPr b="0" lang="en-US" sz="1400" spc="-1" strike="noStrike">
+              <a:latin typeface="Arial"/>
+            </a:endParaRPr>
+          </a:p>
+        </p:txBody>
+      </p:sp>
+      <p:sp>
+        <p:nvSpPr>
+          <p:cNvPr id="77" name="CustomShape 12"/>
           <p:cNvSpPr/>
           <p:nvPr/>
         </p:nvSpPr>
         <p:spPr>
           <a:xfrm>
-            <a:off x="5029200" y="1371600"/>
-            <a:ext cx="2103120" cy="0"/>
-          </a:xfrm>
-          <a:prstGeom prst="line">
-            <a:avLst/>
-          </a:prstGeom>
-          <a:ln>
-            <a:solidFill>
-              <a:srgbClr val="000000"/>
-            </a:solidFill>
+            <a:off x="6675120" y="1463040"/>
+            <a:ext cx="2194200" cy="365400"/>
+          </a:xfrm>
+          <a:prstGeom prst="rect">
+            <a:avLst/>
+          </a:prstGeom>
+          <a:noFill/>
+          <a:ln>
+            <a:noFill/>
           </a:ln>
         </p:spPr>
         <p:style>
@@ -4047,17 +4410,36 @@
           <a:effectRef idx="0"/>
           <a:fontRef idx="minor"/>
         </p:style>
-      </p:sp>
-      <p:sp>
-        <p:nvSpPr>
-          <p:cNvPr id="94" name="Line 11"/>
+        <p:txBody>
+          <a:bodyPr lIns="90000" rIns="90000" tIns="45000" bIns="45000"/>
+          <a:p>
+            <a:pPr algn="ctr">
+              <a:lnSpc>
+                <a:spcPct val="100000"/>
+              </a:lnSpc>
+            </a:pPr>
+            <a:r>
+              <a:rPr b="0" lang="en-US" sz="1400" spc="-1" strike="noStrike">
+                <a:latin typeface="Arial"/>
+              </a:rPr>
+              <a:t>צפייה ברשימת עובדים</a:t>
+            </a:r>
+            <a:endParaRPr b="0" lang="en-US" sz="1400" spc="-1" strike="noStrike">
+              <a:latin typeface="Arial"/>
+            </a:endParaRPr>
+          </a:p>
+        </p:txBody>
+      </p:sp>
+      <p:sp>
+        <p:nvSpPr>
+          <p:cNvPr id="78" name="Line 13"/>
           <p:cNvSpPr/>
           <p:nvPr/>
         </p:nvSpPr>
         <p:spPr>
           <a:xfrm>
-            <a:off x="5029200" y="1371600"/>
-            <a:ext cx="2103120" cy="0"/>
+            <a:off x="6766560" y="822960"/>
+            <a:ext cx="2103120" cy="360"/>
           </a:xfrm>
           <a:prstGeom prst="line">
             <a:avLst/>
@@ -4077,43 +4459,21 @@
       </p:sp>
       <p:sp>
         <p:nvSpPr>
-          <p:cNvPr id="95" name="CustomShape 12"/>
+          <p:cNvPr id="79" name="Line 14"/>
           <p:cNvSpPr/>
           <p:nvPr/>
         </p:nvSpPr>
         <p:spPr>
           <a:xfrm>
-            <a:off x="5734080" y="183240"/>
-            <a:ext cx="182880" cy="91440"/>
-          </a:xfrm>
-          <a:custGeom>
-            <a:avLst/>
-            <a:gdLst/>
-            <a:ahLst/>
-            <a:rect l="0" t="0" r="r" b="b"/>
-            <a:pathLst>
-              <a:path w="510" h="256">
-                <a:moveTo>
-                  <a:pt x="252" y="0"/>
-                </a:moveTo>
-                <a:lnTo>
-                  <a:pt x="0" y="255"/>
-                </a:lnTo>
-                <a:lnTo>
-                  <a:pt x="509" y="255"/>
-                </a:lnTo>
-                <a:lnTo>
-                  <a:pt x="252" y="0"/>
-                </a:lnTo>
-              </a:path>
-            </a:pathLst>
-          </a:custGeom>
-          <a:solidFill>
-            <a:srgbClr val="000000"/>
-          </a:solidFill>
+            <a:off x="6766560" y="1371600"/>
+            <a:ext cx="2103120" cy="360"/>
+          </a:xfrm>
+          <a:prstGeom prst="line">
+            <a:avLst/>
+          </a:prstGeom>
           <a:ln>
             <a:solidFill>
-              <a:srgbClr val="ffffff"/>
+              <a:srgbClr val="000000"/>
             </a:solidFill>
           </a:ln>
         </p:spPr>
@@ -4126,34 +4486,1151 @@
       </p:sp>
       <p:sp>
         <p:nvSpPr>
-          <p:cNvPr id="96" name="TextShape 13"/>
-          <p:cNvSpPr txBox="1"/>
-          <p:nvPr/>
-        </p:nvSpPr>
-        <p:spPr>
-          <a:xfrm>
-            <a:off x="4937760" y="914400"/>
-            <a:ext cx="2377440" cy="602280"/>
-          </a:xfrm>
-          <a:prstGeom prst="rect">
-            <a:avLst/>
-          </a:prstGeom>
-          <a:noFill/>
-          <a:ln>
-            <a:noFill/>
-          </a:ln>
-        </p:spPr>
+          <p:cNvPr id="80" name="Line 15"/>
+          <p:cNvSpPr/>
+          <p:nvPr/>
+        </p:nvSpPr>
+        <p:spPr>
+          <a:xfrm>
+            <a:off x="6766560" y="1371600"/>
+            <a:ext cx="2103120" cy="360"/>
+          </a:xfrm>
+          <a:prstGeom prst="line">
+            <a:avLst/>
+          </a:prstGeom>
+          <a:ln>
+            <a:solidFill>
+              <a:srgbClr val="000000"/>
+            </a:solidFill>
+          </a:ln>
+        </p:spPr>
+        <p:style>
+          <a:lnRef idx="0"/>
+          <a:fillRef idx="0"/>
+          <a:effectRef idx="0"/>
+          <a:fontRef idx="minor"/>
+        </p:style>
+      </p:sp>
+      <p:graphicFrame>
+        <p:nvGraphicFramePr>
+          <p:cNvPr id="81" name="Table 16"/>
+          <p:cNvGraphicFramePr/>
+          <p:nvPr/>
+        </p:nvGraphicFramePr>
+        <p:xfrm>
+          <a:off x="356040" y="2581200"/>
+          <a:ext cx="8460360" cy="4575240"/>
+        </p:xfrm>
+        <a:graphic>
+          <a:graphicData uri="http://schemas.openxmlformats.org/drawingml/2006/table">
+            <a:tbl>
+              <a:tblPr/>
+              <a:tblGrid>
+                <a:gridCol w="1691640"/>
+                <a:gridCol w="1691640"/>
+                <a:gridCol w="1691640"/>
+                <a:gridCol w="1691640"/>
+                <a:gridCol w="1693800"/>
+              </a:tblGrid>
+              <a:tr h="508320">
+                <a:tc>
+                  <a:tcPr marL="90000" marR="90000">
+                    <a:lnL w="720">
+                      <a:solidFill>
+                        <a:srgbClr val="ffffff"/>
+                      </a:solidFill>
+                    </a:lnL>
+                    <a:lnR w="720">
+                      <a:solidFill>
+                        <a:srgbClr val="ffffff"/>
+                      </a:solidFill>
+                    </a:lnR>
+                    <a:lnT w="720">
+                      <a:solidFill>
+                        <a:srgbClr val="ffffff"/>
+                      </a:solidFill>
+                    </a:lnT>
+                    <a:lnB w="720">
+                      <a:solidFill>
+                        <a:srgbClr val="ffffff"/>
+                      </a:solidFill>
+                    </a:lnB>
+                    <a:solidFill>
+                      <a:srgbClr val="b3b3b3"/>
+                    </a:solidFill>
+                  </a:tcPr>
+                </a:tc>
+                <a:tc>
+                  <a:txBody>
+                    <a:bodyPr lIns="90000" rIns="90000" tIns="46800" bIns="46800"/>
+                    <a:p>
+                      <a:pPr algn="ctr"/>
+                      <a:r>
+                        <a:rPr b="0" lang="en-US" sz="1800" spc="-1" strike="noStrike">
+                          <a:latin typeface="Arial"/>
+                        </a:rPr>
+                        <a:t>עובד</a:t>
+                      </a:r>
+                      <a:endParaRPr b="0" lang="en-US" sz="1800" spc="-1" strike="noStrike">
+                        <a:latin typeface="Arial"/>
+                      </a:endParaRPr>
+                    </a:p>
+                  </a:txBody>
+                  <a:tcPr marL="90000" marR="90000">
+                    <a:lnL w="720">
+                      <a:solidFill>
+                        <a:srgbClr val="ffffff"/>
+                      </a:solidFill>
+                    </a:lnL>
+                    <a:lnR w="720">
+                      <a:solidFill>
+                        <a:srgbClr val="ffffff"/>
+                      </a:solidFill>
+                    </a:lnR>
+                    <a:lnT w="720">
+                      <a:solidFill>
+                        <a:srgbClr val="ffffff"/>
+                      </a:solidFill>
+                    </a:lnT>
+                    <a:lnB w="720">
+                      <a:solidFill>
+                        <a:srgbClr val="ffffff"/>
+                      </a:solidFill>
+                    </a:lnB>
+                    <a:solidFill>
+                      <a:srgbClr val="b3b3b3"/>
+                    </a:solidFill>
+                  </a:tcPr>
+                </a:tc>
+                <a:tc>
+                  <a:txBody>
+                    <a:bodyPr lIns="90000" rIns="90000" tIns="46800" bIns="46800"/>
+                    <a:p>
+                      <a:pPr algn="ctr"/>
+                      <a:r>
+                        <a:rPr b="0" lang="en-US" sz="1800" spc="-1" strike="noStrike">
+                          <a:latin typeface="Arial"/>
+                        </a:rPr>
+                        <a:t>של</a:t>
+                      </a:r>
+                      <a:endParaRPr b="0" lang="en-US" sz="1800" spc="-1" strike="noStrike">
+                        <a:latin typeface="Arial"/>
+                      </a:endParaRPr>
+                    </a:p>
+                  </a:txBody>
+                  <a:tcPr marL="90000" marR="90000">
+                    <a:lnL w="720">
+                      <a:solidFill>
+                        <a:srgbClr val="ffffff"/>
+                      </a:solidFill>
+                    </a:lnL>
+                    <a:lnR w="720">
+                      <a:solidFill>
+                        <a:srgbClr val="ffffff"/>
+                      </a:solidFill>
+                    </a:lnR>
+                    <a:lnT w="720">
+                      <a:solidFill>
+                        <a:srgbClr val="ffffff"/>
+                      </a:solidFill>
+                    </a:lnT>
+                    <a:lnB w="720">
+                      <a:solidFill>
+                        <a:srgbClr val="ffffff"/>
+                      </a:solidFill>
+                    </a:lnB>
+                    <a:solidFill>
+                      <a:srgbClr val="b3b3b3"/>
+                    </a:solidFill>
+                  </a:tcPr>
+                </a:tc>
+                <a:tc>
+                  <a:txBody>
+                    <a:bodyPr lIns="90000" rIns="90000" tIns="46800" bIns="46800"/>
+                    <a:p>
+                      <a:pPr algn="ctr"/>
+                      <a:r>
+                        <a:rPr b="0" lang="en-US" sz="1800" spc="-1" strike="noStrike">
+                          <a:latin typeface="Arial"/>
+                        </a:rPr>
+                        <a:t>השדות</a:t>
+                      </a:r>
+                      <a:endParaRPr b="0" lang="en-US" sz="1800" spc="-1" strike="noStrike">
+                        <a:latin typeface="Arial"/>
+                      </a:endParaRPr>
+                    </a:p>
+                  </a:txBody>
+                  <a:tcPr marL="90000" marR="90000">
+                    <a:lnL w="720">
+                      <a:solidFill>
+                        <a:srgbClr val="ffffff"/>
+                      </a:solidFill>
+                    </a:lnL>
+                    <a:lnR w="720">
+                      <a:solidFill>
+                        <a:srgbClr val="ffffff"/>
+                      </a:solidFill>
+                    </a:lnR>
+                    <a:lnT w="720">
+                      <a:solidFill>
+                        <a:srgbClr val="ffffff"/>
+                      </a:solidFill>
+                    </a:lnT>
+                    <a:lnB w="720">
+                      <a:solidFill>
+                        <a:srgbClr val="ffffff"/>
+                      </a:solidFill>
+                    </a:lnB>
+                    <a:solidFill>
+                      <a:srgbClr val="b3b3b3"/>
+                    </a:solidFill>
+                  </a:tcPr>
+                </a:tc>
+                <a:tc>
+                  <a:txBody>
+                    <a:bodyPr lIns="90000" rIns="90000" tIns="46800" bIns="46800"/>
+                    <a:p>
+                      <a:pPr algn="ctr"/>
+                      <a:r>
+                        <a:rPr b="0" lang="en-US" sz="1800" spc="-1" strike="noStrike">
+                          <a:latin typeface="Arial"/>
+                        </a:rPr>
+                        <a:t>כל</a:t>
+                      </a:r>
+                      <a:r>
+                        <a:rPr b="0" lang="en-US" sz="1800" spc="-1" strike="noStrike">
+                          <a:latin typeface="Arial"/>
+                        </a:rPr>
+                        <a:t> </a:t>
+                      </a:r>
+                      <a:endParaRPr b="0" lang="en-US" sz="1800" spc="-1" strike="noStrike">
+                        <a:latin typeface="Arial"/>
+                      </a:endParaRPr>
+                    </a:p>
+                  </a:txBody>
+                  <a:tcPr marL="90000" marR="90000">
+                    <a:lnL w="720">
+                      <a:solidFill>
+                        <a:srgbClr val="ffffff"/>
+                      </a:solidFill>
+                    </a:lnL>
+                    <a:lnR w="720">
+                      <a:solidFill>
+                        <a:srgbClr val="ffffff"/>
+                      </a:solidFill>
+                    </a:lnR>
+                    <a:lnT w="720">
+                      <a:solidFill>
+                        <a:srgbClr val="ffffff"/>
+                      </a:solidFill>
+                    </a:lnT>
+                    <a:lnB w="720">
+                      <a:solidFill>
+                        <a:srgbClr val="ffffff"/>
+                      </a:solidFill>
+                    </a:lnB>
+                    <a:solidFill>
+                      <a:srgbClr val="b3b3b3"/>
+                    </a:solidFill>
+                  </a:tcPr>
+                </a:tc>
+              </a:tr>
+              <a:tr h="508320">
+                <a:tc>
+                  <a:txBody>
+                    <a:bodyPr lIns="90000" rIns="90000" tIns="46800" bIns="46800"/>
+                    <a:p>
+                      <a:pPr algn="ctr"/>
+                      <a:r>
+                        <a:rPr b="0" lang="en-US" sz="1800" spc="-1" strike="noStrike">
+                          <a:latin typeface="Arial"/>
+                        </a:rPr>
+                        <a:t>מחיקה</a:t>
+                      </a:r>
+                      <a:endParaRPr b="0" lang="en-US" sz="1800" spc="-1" strike="noStrike">
+                        <a:latin typeface="Arial"/>
+                      </a:endParaRPr>
+                    </a:p>
+                  </a:txBody>
+                  <a:tcPr marL="90000" marR="90000">
+                    <a:lnL w="720">
+                      <a:solidFill>
+                        <a:srgbClr val="ffffff"/>
+                      </a:solidFill>
+                    </a:lnL>
+                    <a:lnR w="720">
+                      <a:solidFill>
+                        <a:srgbClr val="ffffff"/>
+                      </a:solidFill>
+                    </a:lnR>
+                    <a:lnT w="720">
+                      <a:solidFill>
+                        <a:srgbClr val="ffffff"/>
+                      </a:solidFill>
+                    </a:lnT>
+                    <a:lnB w="720">
+                      <a:solidFill>
+                        <a:srgbClr val="ffffff"/>
+                      </a:solidFill>
+                    </a:lnB>
+                    <a:solidFill>
+                      <a:srgbClr val="cccccc"/>
+                    </a:solidFill>
+                  </a:tcPr>
+                </a:tc>
+                <a:tc>
+                  <a:txBody>
+                    <a:bodyPr lIns="90000" rIns="90000" tIns="46800" bIns="46800"/>
+                    <a:p>
+                      <a:pPr algn="ctr"/>
+                      <a:r>
+                        <a:rPr b="0" lang="en-US" sz="1800" spc="-1" strike="noStrike">
+                          <a:latin typeface="Arial"/>
+                        </a:rPr>
+                        <a:t>עריכה</a:t>
+                      </a:r>
+                      <a:endParaRPr b="0" lang="en-US" sz="1800" spc="-1" strike="noStrike">
+                        <a:latin typeface="Arial"/>
+                      </a:endParaRPr>
+                    </a:p>
+                  </a:txBody>
+                  <a:tcPr marL="90000" marR="90000">
+                    <a:lnL w="720">
+                      <a:solidFill>
+                        <a:srgbClr val="ffffff"/>
+                      </a:solidFill>
+                    </a:lnL>
+                    <a:lnR w="720">
+                      <a:solidFill>
+                        <a:srgbClr val="ffffff"/>
+                      </a:solidFill>
+                    </a:lnR>
+                    <a:lnT w="720">
+                      <a:solidFill>
+                        <a:srgbClr val="ffffff"/>
+                      </a:solidFill>
+                    </a:lnT>
+                    <a:lnB w="720">
+                      <a:solidFill>
+                        <a:srgbClr val="ffffff"/>
+                      </a:solidFill>
+                    </a:lnB>
+                    <a:solidFill>
+                      <a:srgbClr val="cccccc"/>
+                    </a:solidFill>
+                  </a:tcPr>
+                </a:tc>
+                <a:tc>
+                  <a:tcPr marL="90000" marR="90000">
+                    <a:lnL w="720">
+                      <a:solidFill>
+                        <a:srgbClr val="ffffff"/>
+                      </a:solidFill>
+                    </a:lnL>
+                    <a:lnR w="720">
+                      <a:solidFill>
+                        <a:srgbClr val="ffffff"/>
+                      </a:solidFill>
+                    </a:lnR>
+                    <a:lnT w="720">
+                      <a:solidFill>
+                        <a:srgbClr val="ffffff"/>
+                      </a:solidFill>
+                    </a:lnT>
+                    <a:lnB w="720">
+                      <a:solidFill>
+                        <a:srgbClr val="ffffff"/>
+                      </a:solidFill>
+                    </a:lnB>
+                    <a:solidFill>
+                      <a:srgbClr val="cccccc"/>
+                    </a:solidFill>
+                  </a:tcPr>
+                </a:tc>
+                <a:tc>
+                  <a:tcPr marL="90000" marR="90000">
+                    <a:lnL w="720">
+                      <a:solidFill>
+                        <a:srgbClr val="ffffff"/>
+                      </a:solidFill>
+                    </a:lnL>
+                    <a:lnR w="720">
+                      <a:solidFill>
+                        <a:srgbClr val="ffffff"/>
+                      </a:solidFill>
+                    </a:lnR>
+                    <a:lnT w="720">
+                      <a:solidFill>
+                        <a:srgbClr val="ffffff"/>
+                      </a:solidFill>
+                    </a:lnT>
+                    <a:lnB w="720">
+                      <a:solidFill>
+                        <a:srgbClr val="ffffff"/>
+                      </a:solidFill>
+                    </a:lnB>
+                    <a:solidFill>
+                      <a:srgbClr val="cccccc"/>
+                    </a:solidFill>
+                  </a:tcPr>
+                </a:tc>
+                <a:tc>
+                  <a:tcPr marL="90000" marR="90000">
+                    <a:lnL w="720">
+                      <a:solidFill>
+                        <a:srgbClr val="ffffff"/>
+                      </a:solidFill>
+                    </a:lnL>
+                    <a:lnR w="720">
+                      <a:solidFill>
+                        <a:srgbClr val="ffffff"/>
+                      </a:solidFill>
+                    </a:lnR>
+                    <a:lnT w="720">
+                      <a:solidFill>
+                        <a:srgbClr val="ffffff"/>
+                      </a:solidFill>
+                    </a:lnT>
+                    <a:lnB w="720">
+                      <a:solidFill>
+                        <a:srgbClr val="ffffff"/>
+                      </a:solidFill>
+                    </a:lnB>
+                    <a:solidFill>
+                      <a:srgbClr val="cccccc"/>
+                    </a:solidFill>
+                  </a:tcPr>
+                </a:tc>
+              </a:tr>
+              <a:tr h="508320">
+                <a:tc>
+                  <a:tcPr marL="90000" marR="90000">
+                    <a:lnL w="720">
+                      <a:solidFill>
+                        <a:srgbClr val="ffffff"/>
+                      </a:solidFill>
+                    </a:lnL>
+                    <a:lnR w="720">
+                      <a:solidFill>
+                        <a:srgbClr val="ffffff"/>
+                      </a:solidFill>
+                    </a:lnR>
+                    <a:lnT w="720">
+                      <a:solidFill>
+                        <a:srgbClr val="ffffff"/>
+                      </a:solidFill>
+                    </a:lnT>
+                    <a:lnB w="720">
+                      <a:solidFill>
+                        <a:srgbClr val="ffffff"/>
+                      </a:solidFill>
+                    </a:lnB>
+                    <a:solidFill>
+                      <a:srgbClr val="e6e6e6"/>
+                    </a:solidFill>
+                  </a:tcPr>
+                </a:tc>
+                <a:tc>
+                  <a:tcPr marL="90000" marR="90000">
+                    <a:lnL w="720">
+                      <a:solidFill>
+                        <a:srgbClr val="ffffff"/>
+                      </a:solidFill>
+                    </a:lnL>
+                    <a:lnR w="720">
+                      <a:solidFill>
+                        <a:srgbClr val="ffffff"/>
+                      </a:solidFill>
+                    </a:lnR>
+                    <a:lnT w="720">
+                      <a:solidFill>
+                        <a:srgbClr val="ffffff"/>
+                      </a:solidFill>
+                    </a:lnT>
+                    <a:lnB w="720">
+                      <a:solidFill>
+                        <a:srgbClr val="ffffff"/>
+                      </a:solidFill>
+                    </a:lnB>
+                    <a:solidFill>
+                      <a:srgbClr val="e6e6e6"/>
+                    </a:solidFill>
+                  </a:tcPr>
+                </a:tc>
+                <a:tc>
+                  <a:tcPr marL="90000" marR="90000">
+                    <a:lnL w="720">
+                      <a:solidFill>
+                        <a:srgbClr val="ffffff"/>
+                      </a:solidFill>
+                    </a:lnL>
+                    <a:lnR w="720">
+                      <a:solidFill>
+                        <a:srgbClr val="ffffff"/>
+                      </a:solidFill>
+                    </a:lnR>
+                    <a:lnT w="720">
+                      <a:solidFill>
+                        <a:srgbClr val="ffffff"/>
+                      </a:solidFill>
+                    </a:lnT>
+                    <a:lnB w="720">
+                      <a:solidFill>
+                        <a:srgbClr val="ffffff"/>
+                      </a:solidFill>
+                    </a:lnB>
+                    <a:solidFill>
+                      <a:srgbClr val="e6e6e6"/>
+                    </a:solidFill>
+                  </a:tcPr>
+                </a:tc>
+                <a:tc>
+                  <a:tcPr marL="90000" marR="90000">
+                    <a:lnL w="720">
+                      <a:solidFill>
+                        <a:srgbClr val="ffffff"/>
+                      </a:solidFill>
+                    </a:lnL>
+                    <a:lnR w="720">
+                      <a:solidFill>
+                        <a:srgbClr val="ffffff"/>
+                      </a:solidFill>
+                    </a:lnR>
+                    <a:lnT w="720">
+                      <a:solidFill>
+                        <a:srgbClr val="ffffff"/>
+                      </a:solidFill>
+                    </a:lnT>
+                    <a:lnB w="720">
+                      <a:solidFill>
+                        <a:srgbClr val="ffffff"/>
+                      </a:solidFill>
+                    </a:lnB>
+                    <a:solidFill>
+                      <a:srgbClr val="e6e6e6"/>
+                    </a:solidFill>
+                  </a:tcPr>
+                </a:tc>
+                <a:tc>
+                  <a:tcPr marL="90000" marR="90000">
+                    <a:lnL w="720">
+                      <a:solidFill>
+                        <a:srgbClr val="ffffff"/>
+                      </a:solidFill>
+                    </a:lnL>
+                    <a:lnR w="720">
+                      <a:solidFill>
+                        <a:srgbClr val="ffffff"/>
+                      </a:solidFill>
+                    </a:lnR>
+                    <a:lnT w="720">
+                      <a:solidFill>
+                        <a:srgbClr val="ffffff"/>
+                      </a:solidFill>
+                    </a:lnT>
+                    <a:lnB w="720">
+                      <a:solidFill>
+                        <a:srgbClr val="ffffff"/>
+                      </a:solidFill>
+                    </a:lnB>
+                    <a:solidFill>
+                      <a:srgbClr val="e6e6e6"/>
+                    </a:solidFill>
+                  </a:tcPr>
+                </a:tc>
+              </a:tr>
+              <a:tr h="508320">
+                <a:tc>
+                  <a:tcPr marL="90000" marR="90000">
+                    <a:lnL w="720">
+                      <a:solidFill>
+                        <a:srgbClr val="ffffff"/>
+                      </a:solidFill>
+                    </a:lnL>
+                    <a:lnR w="720">
+                      <a:solidFill>
+                        <a:srgbClr val="ffffff"/>
+                      </a:solidFill>
+                    </a:lnR>
+                    <a:lnT w="720">
+                      <a:solidFill>
+                        <a:srgbClr val="ffffff"/>
+                      </a:solidFill>
+                    </a:lnT>
+                    <a:lnB w="720">
+                      <a:solidFill>
+                        <a:srgbClr val="ffffff"/>
+                      </a:solidFill>
+                    </a:lnB>
+                    <a:solidFill>
+                      <a:srgbClr val="cccccc"/>
+                    </a:solidFill>
+                  </a:tcPr>
+                </a:tc>
+                <a:tc>
+                  <a:tcPr marL="90000" marR="90000">
+                    <a:lnL w="720">
+                      <a:solidFill>
+                        <a:srgbClr val="ffffff"/>
+                      </a:solidFill>
+                    </a:lnL>
+                    <a:lnR w="720">
+                      <a:solidFill>
+                        <a:srgbClr val="ffffff"/>
+                      </a:solidFill>
+                    </a:lnR>
+                    <a:lnT w="720">
+                      <a:solidFill>
+                        <a:srgbClr val="ffffff"/>
+                      </a:solidFill>
+                    </a:lnT>
+                    <a:lnB w="720">
+                      <a:solidFill>
+                        <a:srgbClr val="ffffff"/>
+                      </a:solidFill>
+                    </a:lnB>
+                    <a:solidFill>
+                      <a:srgbClr val="cccccc"/>
+                    </a:solidFill>
+                  </a:tcPr>
+                </a:tc>
+                <a:tc>
+                  <a:tcPr marL="90000" marR="90000">
+                    <a:lnL w="720">
+                      <a:solidFill>
+                        <a:srgbClr val="ffffff"/>
+                      </a:solidFill>
+                    </a:lnL>
+                    <a:lnR w="720">
+                      <a:solidFill>
+                        <a:srgbClr val="ffffff"/>
+                      </a:solidFill>
+                    </a:lnR>
+                    <a:lnT w="720">
+                      <a:solidFill>
+                        <a:srgbClr val="ffffff"/>
+                      </a:solidFill>
+                    </a:lnT>
+                    <a:lnB w="720">
+                      <a:solidFill>
+                        <a:srgbClr val="ffffff"/>
+                      </a:solidFill>
+                    </a:lnB>
+                    <a:solidFill>
+                      <a:srgbClr val="cccccc"/>
+                    </a:solidFill>
+                  </a:tcPr>
+                </a:tc>
+                <a:tc>
+                  <a:tcPr marL="90000" marR="90000">
+                    <a:lnL w="720">
+                      <a:solidFill>
+                        <a:srgbClr val="ffffff"/>
+                      </a:solidFill>
+                    </a:lnL>
+                    <a:lnR w="720">
+                      <a:solidFill>
+                        <a:srgbClr val="ffffff"/>
+                      </a:solidFill>
+                    </a:lnR>
+                    <a:lnT w="720">
+                      <a:solidFill>
+                        <a:srgbClr val="ffffff"/>
+                      </a:solidFill>
+                    </a:lnT>
+                    <a:lnB w="720">
+                      <a:solidFill>
+                        <a:srgbClr val="ffffff"/>
+                      </a:solidFill>
+                    </a:lnB>
+                    <a:solidFill>
+                      <a:srgbClr val="cccccc"/>
+                    </a:solidFill>
+                  </a:tcPr>
+                </a:tc>
+                <a:tc>
+                  <a:tcPr marL="90000" marR="90000">
+                    <a:lnL w="720">
+                      <a:solidFill>
+                        <a:srgbClr val="ffffff"/>
+                      </a:solidFill>
+                    </a:lnL>
+                    <a:lnR w="720">
+                      <a:solidFill>
+                        <a:srgbClr val="ffffff"/>
+                      </a:solidFill>
+                    </a:lnR>
+                    <a:lnT w="720">
+                      <a:solidFill>
+                        <a:srgbClr val="ffffff"/>
+                      </a:solidFill>
+                    </a:lnT>
+                    <a:lnB w="720">
+                      <a:solidFill>
+                        <a:srgbClr val="ffffff"/>
+                      </a:solidFill>
+                    </a:lnB>
+                    <a:solidFill>
+                      <a:srgbClr val="cccccc"/>
+                    </a:solidFill>
+                  </a:tcPr>
+                </a:tc>
+              </a:tr>
+              <a:tr h="508320">
+                <a:tc>
+                  <a:tcPr marL="90000" marR="90000">
+                    <a:lnL w="720">
+                      <a:solidFill>
+                        <a:srgbClr val="ffffff"/>
+                      </a:solidFill>
+                    </a:lnL>
+                    <a:lnR w="720">
+                      <a:solidFill>
+                        <a:srgbClr val="ffffff"/>
+                      </a:solidFill>
+                    </a:lnR>
+                    <a:lnT w="720">
+                      <a:solidFill>
+                        <a:srgbClr val="ffffff"/>
+                      </a:solidFill>
+                    </a:lnT>
+                    <a:lnB w="720">
+                      <a:solidFill>
+                        <a:srgbClr val="ffffff"/>
+                      </a:solidFill>
+                    </a:lnB>
+                    <a:solidFill>
+                      <a:srgbClr val="e6e6e6"/>
+                    </a:solidFill>
+                  </a:tcPr>
+                </a:tc>
+                <a:tc>
+                  <a:tcPr marL="90000" marR="90000">
+                    <a:lnL w="720">
+                      <a:solidFill>
+                        <a:srgbClr val="ffffff"/>
+                      </a:solidFill>
+                    </a:lnL>
+                    <a:lnR w="720">
+                      <a:solidFill>
+                        <a:srgbClr val="ffffff"/>
+                      </a:solidFill>
+                    </a:lnR>
+                    <a:lnT w="720">
+                      <a:solidFill>
+                        <a:srgbClr val="ffffff"/>
+                      </a:solidFill>
+                    </a:lnT>
+                    <a:lnB w="720">
+                      <a:solidFill>
+                        <a:srgbClr val="ffffff"/>
+                      </a:solidFill>
+                    </a:lnB>
+                    <a:solidFill>
+                      <a:srgbClr val="e6e6e6"/>
+                    </a:solidFill>
+                  </a:tcPr>
+                </a:tc>
+                <a:tc>
+                  <a:tcPr marL="90000" marR="90000">
+                    <a:lnL w="720">
+                      <a:solidFill>
+                        <a:srgbClr val="ffffff"/>
+                      </a:solidFill>
+                    </a:lnL>
+                    <a:lnR w="720">
+                      <a:solidFill>
+                        <a:srgbClr val="ffffff"/>
+                      </a:solidFill>
+                    </a:lnR>
+                    <a:lnT w="720">
+                      <a:solidFill>
+                        <a:srgbClr val="ffffff"/>
+                      </a:solidFill>
+                    </a:lnT>
+                    <a:lnB w="720">
+                      <a:solidFill>
+                        <a:srgbClr val="ffffff"/>
+                      </a:solidFill>
+                    </a:lnB>
+                    <a:solidFill>
+                      <a:srgbClr val="e6e6e6"/>
+                    </a:solidFill>
+                  </a:tcPr>
+                </a:tc>
+                <a:tc>
+                  <a:tcPr marL="90000" marR="90000">
+                    <a:lnL w="720">
+                      <a:solidFill>
+                        <a:srgbClr val="ffffff"/>
+                      </a:solidFill>
+                    </a:lnL>
+                    <a:lnR w="720">
+                      <a:solidFill>
+                        <a:srgbClr val="ffffff"/>
+                      </a:solidFill>
+                    </a:lnR>
+                    <a:lnT w="720">
+                      <a:solidFill>
+                        <a:srgbClr val="ffffff"/>
+                      </a:solidFill>
+                    </a:lnT>
+                    <a:lnB w="720">
+                      <a:solidFill>
+                        <a:srgbClr val="ffffff"/>
+                      </a:solidFill>
+                    </a:lnB>
+                    <a:solidFill>
+                      <a:srgbClr val="e6e6e6"/>
+                    </a:solidFill>
+                  </a:tcPr>
+                </a:tc>
+                <a:tc>
+                  <a:tcPr marL="90000" marR="90000">
+                    <a:lnL w="720">
+                      <a:solidFill>
+                        <a:srgbClr val="ffffff"/>
+                      </a:solidFill>
+                    </a:lnL>
+                    <a:lnR w="720">
+                      <a:solidFill>
+                        <a:srgbClr val="ffffff"/>
+                      </a:solidFill>
+                    </a:lnR>
+                    <a:lnT w="720">
+                      <a:solidFill>
+                        <a:srgbClr val="ffffff"/>
+                      </a:solidFill>
+                    </a:lnT>
+                    <a:lnB w="720">
+                      <a:solidFill>
+                        <a:srgbClr val="ffffff"/>
+                      </a:solidFill>
+                    </a:lnB>
+                    <a:solidFill>
+                      <a:srgbClr val="e6e6e6"/>
+                    </a:solidFill>
+                  </a:tcPr>
+                </a:tc>
+              </a:tr>
+              <a:tr h="508320">
+                <a:tc>
+                  <a:tcPr marL="90000" marR="90000">
+                    <a:lnL w="720">
+                      <a:solidFill>
+                        <a:srgbClr val="ffffff"/>
+                      </a:solidFill>
+                    </a:lnL>
+                    <a:lnR w="720">
+                      <a:solidFill>
+                        <a:srgbClr val="ffffff"/>
+                      </a:solidFill>
+                    </a:lnR>
+                    <a:lnT w="720">
+                      <a:solidFill>
+                        <a:srgbClr val="ffffff"/>
+                      </a:solidFill>
+                    </a:lnT>
+                    <a:lnB w="720">
+                      <a:solidFill>
+                        <a:srgbClr val="ffffff"/>
+                      </a:solidFill>
+                    </a:lnB>
+                    <a:solidFill>
+                      <a:srgbClr val="cccccc"/>
+                    </a:solidFill>
+                  </a:tcPr>
+                </a:tc>
+                <a:tc>
+                  <a:tcPr marL="90000" marR="90000">
+                    <a:lnL w="720">
+                      <a:solidFill>
+                        <a:srgbClr val="ffffff"/>
+                      </a:solidFill>
+                    </a:lnL>
+                    <a:lnR w="720">
+                      <a:solidFill>
+                        <a:srgbClr val="ffffff"/>
+                      </a:solidFill>
+                    </a:lnR>
+                    <a:lnT w="720">
+                      <a:solidFill>
+                        <a:srgbClr val="ffffff"/>
+                      </a:solidFill>
+                    </a:lnT>
+                    <a:lnB w="720">
+                      <a:solidFill>
+                        <a:srgbClr val="ffffff"/>
+                      </a:solidFill>
+                    </a:lnB>
+                    <a:solidFill>
+                      <a:srgbClr val="cccccc"/>
+                    </a:solidFill>
+                  </a:tcPr>
+                </a:tc>
+                <a:tc>
+                  <a:tcPr marL="90000" marR="90000">
+                    <a:lnL w="720">
+                      <a:solidFill>
+                        <a:srgbClr val="ffffff"/>
+                      </a:solidFill>
+                    </a:lnL>
+                    <a:lnR w="720">
+                      <a:solidFill>
+                        <a:srgbClr val="ffffff"/>
+                      </a:solidFill>
+                    </a:lnR>
+                    <a:lnT w="720">
+                      <a:solidFill>
+                        <a:srgbClr val="ffffff"/>
+                      </a:solidFill>
+                    </a:lnT>
+                    <a:lnB w="720">
+                      <a:solidFill>
+                        <a:srgbClr val="ffffff"/>
+                      </a:solidFill>
+                    </a:lnB>
+                    <a:solidFill>
+                      <a:srgbClr val="cccccc"/>
+                    </a:solidFill>
+                  </a:tcPr>
+                </a:tc>
+                <a:tc>
+                  <a:tcPr marL="90000" marR="90000">
+                    <a:lnL w="720">
+                      <a:solidFill>
+                        <a:srgbClr val="ffffff"/>
+                      </a:solidFill>
+                    </a:lnL>
+                    <a:lnR w="720">
+                      <a:solidFill>
+                        <a:srgbClr val="ffffff"/>
+                      </a:solidFill>
+                    </a:lnR>
+                    <a:lnT w="720">
+                      <a:solidFill>
+                        <a:srgbClr val="ffffff"/>
+                      </a:solidFill>
+                    </a:lnT>
+                    <a:lnB w="720">
+                      <a:solidFill>
+                        <a:srgbClr val="ffffff"/>
+                      </a:solidFill>
+                    </a:lnB>
+                    <a:solidFill>
+                      <a:srgbClr val="cccccc"/>
+                    </a:solidFill>
+                  </a:tcPr>
+                </a:tc>
+                <a:tc>
+                  <a:tcPr marL="90000" marR="90000">
+                    <a:lnL w="720">
+                      <a:solidFill>
+                        <a:srgbClr val="ffffff"/>
+                      </a:solidFill>
+                    </a:lnL>
+                    <a:lnR w="720">
+                      <a:solidFill>
+                        <a:srgbClr val="ffffff"/>
+                      </a:solidFill>
+                    </a:lnR>
+                    <a:lnT w="720">
+                      <a:solidFill>
+                        <a:srgbClr val="ffffff"/>
+                      </a:solidFill>
+                    </a:lnT>
+                    <a:lnB w="720">
+                      <a:solidFill>
+                        <a:srgbClr val="ffffff"/>
+                      </a:solidFill>
+                    </a:lnB>
+                    <a:solidFill>
+                      <a:srgbClr val="cccccc"/>
+                    </a:solidFill>
+                  </a:tcPr>
+                </a:tc>
+              </a:tr>
+              <a:tr h="508320">
+                <a:tc>
+                  <a:tcPr marL="90000" marR="90000">
+                    <a:lnL w="720">
+                      <a:solidFill>
+                        <a:srgbClr val="ffffff"/>
+                      </a:solidFill>
+                    </a:lnL>
+                    <a:lnR w="720">
+                      <a:solidFill>
+                        <a:srgbClr val="ffffff"/>
+                      </a:solidFill>
+                    </a:lnR>
+                    <a:lnT w="720">
+                      <a:solidFill>
+                        <a:srgbClr val="ffffff"/>
+                      </a:solidFill>
+                    </a:lnT>
+                    <a:lnB w="720">
+                      <a:solidFill>
+                        <a:srgbClr val="ffffff"/>
+                      </a:solidFill>
+                    </a:lnB>
+                    <a:solidFill>
+                      <a:srgbClr val="e6e6e6"/>
+                    </a:solidFill>
+                  </a:tcPr>
+                </a:tc>
+                <a:tc>
+                  <a:tcPr marL="90000" marR="90000">
+                    <a:lnL w="720">
+                      <a:solidFill>
+                        <a:srgbClr val="ffffff"/>
+                      </a:solidFill>
+                    </a:lnL>
+                    <a:lnR w="720">
+                      <a:solidFill>
+                        <a:srgbClr val="ffffff"/>
+                      </a:solidFill>
+                    </a:lnR>
+                    <a:lnT w="720">
+                      <a:solidFill>
+                        <a:srgbClr val="ffffff"/>
+                      </a:solidFill>
+                    </a:lnT>
+                    <a:lnB w="720">
+                      <a:solidFill>
+                        <a:srgbClr val="ffffff"/>
+                      </a:solidFill>
+                    </a:lnB>
+                    <a:solidFill>
+                      <a:srgbClr val="e6e6e6"/>
+                    </a:solidFill>
+                  </a:tcPr>
+                </a:tc>
+                <a:tc>
+                  <a:tcPr marL="90000" marR="90000">
+                    <a:lnL w="720">
+                      <a:solidFill>
+                        <a:srgbClr val="ffffff"/>
+                      </a:solidFill>
+                    </a:lnL>
+                    <a:lnR w="720">
+                      <a:solidFill>
+                        <a:srgbClr val="ffffff"/>
+                      </a:solidFill>
+                    </a:lnR>
+                    <a:lnT w="720">
+                      <a:solidFill>
+                        <a:srgbClr val="ffffff"/>
+                      </a:solidFill>
+                    </a:lnT>
+                    <a:lnB w="720">
+                      <a:solidFill>
+                        <a:srgbClr val="ffffff"/>
+                      </a:solidFill>
+                    </a:lnB>
+                    <a:solidFill>
+                      <a:srgbClr val="e6e6e6"/>
+                    </a:solidFill>
+                  </a:tcPr>
+                </a:tc>
+                <a:tc>
+                  <a:tcPr marL="90000" marR="90000">
+                    <a:lnL w="720">
+                      <a:solidFill>
+                        <a:srgbClr val="ffffff"/>
+                      </a:solidFill>
+                    </a:lnL>
+                    <a:lnR w="720">
+                      <a:solidFill>
+                        <a:srgbClr val="ffffff"/>
+                      </a:solidFill>
+                    </a:lnR>
+                    <a:lnT w="720">
+                      <a:solidFill>
+                        <a:srgbClr val="ffffff"/>
+                      </a:solidFill>
+                    </a:lnT>
+                    <a:lnB w="720">
+                      <a:solidFill>
+                        <a:srgbClr val="ffffff"/>
+                      </a:solidFill>
+                    </a:lnB>
+                    <a:solidFill>
+                      <a:srgbClr val="e6e6e6"/>
+                    </a:solidFill>
+                  </a:tcPr>
+                </a:tc>
+                <a:tc>
+                  <a:tcPr marL="90000" marR="90000">
+                    <a:lnL w="720">
+                      <a:solidFill>
+                        <a:srgbClr val="ffffff"/>
+                      </a:solidFill>
+                    </a:lnL>
+                    <a:lnR w="720">
+                      <a:solidFill>
+                        <a:srgbClr val="ffffff"/>
+                      </a:solidFill>
+                    </a:lnR>
+                    <a:lnT w="720">
+                      <a:solidFill>
+                        <a:srgbClr val="ffffff"/>
+                      </a:solidFill>
+                    </a:lnT>
+                    <a:lnB w="720">
+                      <a:solidFill>
+                        <a:srgbClr val="ffffff"/>
+                      </a:solidFill>
+                    </a:lnB>
+                    <a:solidFill>
+                      <a:srgbClr val="e6e6e6"/>
+                    </a:solidFill>
+                  </a:tcPr>
+                </a:tc>
+              </a:tr>
+            </a:tbl>
+          </a:graphicData>
+        </a:graphic>
+      </p:graphicFrame>
+      <p:sp>
+        <p:nvSpPr>
+          <p:cNvPr id="82" name="CustomShape 17"/>
+          <p:cNvSpPr/>
+          <p:nvPr/>
+        </p:nvSpPr>
+        <p:spPr>
+          <a:xfrm>
+            <a:off x="2286000" y="2684160"/>
+            <a:ext cx="4572000" cy="365760"/>
+          </a:xfrm>
+          <a:prstGeom prst="rect">
+            <a:avLst/>
+          </a:prstGeom>
+          <a:solidFill>
+            <a:srgbClr val="729fcf"/>
+          </a:solidFill>
+          <a:ln>
+            <a:solidFill>
+              <a:srgbClr val="3465a4"/>
+            </a:solidFill>
+          </a:ln>
+        </p:spPr>
+        <p:style>
+          <a:lnRef idx="0"/>
+          <a:fillRef idx="0"/>
+          <a:effectRef idx="0"/>
+          <a:fontRef idx="minor"/>
+        </p:style>
         <p:txBody>
-          <a:bodyPr lIns="90000" rIns="90000" tIns="45000" bIns="45000"/>
+          <a:bodyPr wrap="none" lIns="90000" rIns="90000" tIns="45000" bIns="45000" anchor="ctr"/>
           <a:p>
             <a:pPr algn="ctr"/>
             <a:r>
-              <a:rPr b="0" lang="en-US" sz="1400" spc="-1" strike="noStrike">
+              <a:rPr b="0" lang="en-US" sz="1800" spc="-1" strike="noStrike">
                 <a:latin typeface="Arial"/>
               </a:rPr>
-              <a:t>צפייה ברשימת תדריכים</a:t>
+              <a:t>שורת חיפוש</a:t>
             </a:r>
-            <a:endParaRPr b="0" lang="en-US" sz="1400" spc="-1" strike="noStrike">
+            <a:endParaRPr b="0" lang="en-US" sz="1800" spc="-1" strike="noStrike">
               <a:latin typeface="Arial"/>
             </a:endParaRPr>
           </a:p>
@@ -4164,10 +5641,10 @@
   <p:timing>
     <p:tnLst>
       <p:par>
-        <p:cTn id="13" dur="indefinite" restart="never" nodeType="tmRoot">
+        <p:cTn id="11" dur="indefinite" restart="never" nodeType="tmRoot">
           <p:childTnLst>
             <p:seq>
-              <p:cTn id="14" dur="indefinite" nodeType="mainSeq"/>
+              <p:cTn id="12" dur="indefinite" nodeType="mainSeq"/>
               <p:prevCondLst>
                 <p:cond delay="0" evt="onPrev">
                   <p:tgtEl>
@@ -4210,7 +5687,7 @@
       </p:grpSpPr>
       <p:pic>
         <p:nvPicPr>
-          <p:cNvPr id="97" name="" descr=""/>
+          <p:cNvPr id="83" name="" descr=""/>
           <p:cNvPicPr/>
           <p:nvPr/>
         </p:nvPicPr>
@@ -4221,7 +5698,7 @@
         <p:spPr>
           <a:xfrm>
             <a:off x="0" y="0"/>
-            <a:ext cx="9143640" cy="5343840"/>
+            <a:ext cx="9143280" cy="5343480"/>
           </a:xfrm>
           <a:prstGeom prst="rect">
             <a:avLst/>
@@ -4233,19 +5710,19 @@
       </p:pic>
       <p:pic>
         <p:nvPicPr>
-          <p:cNvPr id="98" name="" descr=""/>
+          <p:cNvPr id="84" name="" descr=""/>
           <p:cNvPicPr/>
           <p:nvPr/>
         </p:nvPicPr>
         <p:blipFill>
           <a:blip r:embed="rId2"/>
-          <a:srcRect l="0" t="0" r="0" b="21739"/>
+          <a:srcRect l="0" t="0" r="0" b="21743"/>
           <a:stretch/>
         </p:blipFill>
         <p:spPr>
           <a:xfrm>
             <a:off x="0" y="444960"/>
-            <a:ext cx="9143640" cy="1566720"/>
+            <a:ext cx="9143280" cy="1566360"/>
           </a:xfrm>
           <a:prstGeom prst="rect">
             <a:avLst/>
@@ -4257,14 +5734,14 @@
       </p:pic>
       <p:sp>
         <p:nvSpPr>
-          <p:cNvPr id="99" name="CustomShape 1"/>
+          <p:cNvPr id="85" name="CustomShape 1"/>
           <p:cNvSpPr/>
           <p:nvPr/>
         </p:nvSpPr>
         <p:spPr>
           <a:xfrm>
             <a:off x="7406640" y="91440"/>
-            <a:ext cx="1554480" cy="274320"/>
+            <a:ext cx="1554120" cy="273960"/>
           </a:xfrm>
           <a:prstGeom prst="rect">
             <a:avLst/>
@@ -4287,14 +5764,22 @@
         <p:txBody>
           <a:bodyPr wrap="none" lIns="90000" rIns="90000" tIns="45000" bIns="45000" anchor="ctr"/>
           <a:p>
-            <a:pPr algn="ctr"/>
+            <a:pPr algn="ctr">
+              <a:lnSpc>
+                <a:spcPct val="100000"/>
+              </a:lnSpc>
+            </a:pPr>
             <a:r>
               <a:rPr b="1" lang="en-US" sz="1400" spc="-1" strike="noStrike">
+                <a:solidFill>
+                  <a:srgbClr val="000000"/>
+                </a:solidFill>
                 <a:latin typeface="Arial"/>
+                <a:ea typeface="DejaVu Sans"/>
               </a:rPr>
               <a:t>עובדים</a:t>
             </a:r>
-            <a:endParaRPr b="1" lang="en-US" sz="1400" spc="-1" strike="noStrike">
+            <a:endParaRPr b="0" lang="en-US" sz="1400" spc="-1" strike="noStrike">
               <a:latin typeface="Arial"/>
             </a:endParaRPr>
           </a:p>
@@ -4302,14 +5787,14 @@
       </p:sp>
       <p:sp>
         <p:nvSpPr>
-          <p:cNvPr id="100" name="CustomShape 2"/>
+          <p:cNvPr id="86" name="CustomShape 2"/>
           <p:cNvSpPr/>
           <p:nvPr/>
         </p:nvSpPr>
         <p:spPr>
           <a:xfrm>
             <a:off x="5669280" y="91440"/>
-            <a:ext cx="1554480" cy="274320"/>
+            <a:ext cx="1554120" cy="273960"/>
           </a:xfrm>
           <a:prstGeom prst="rect">
             <a:avLst/>
@@ -4332,14 +5817,22 @@
         <p:txBody>
           <a:bodyPr wrap="none" lIns="90000" rIns="90000" tIns="45000" bIns="45000" anchor="ctr"/>
           <a:p>
-            <a:pPr algn="ctr"/>
+            <a:pPr algn="ctr">
+              <a:lnSpc>
+                <a:spcPct val="100000"/>
+              </a:lnSpc>
+            </a:pPr>
             <a:r>
               <a:rPr b="1" lang="en-US" sz="1400" spc="-1" strike="noStrike">
+                <a:solidFill>
+                  <a:srgbClr val="000000"/>
+                </a:solidFill>
                 <a:latin typeface="Arial"/>
+                <a:ea typeface="DejaVu Sans"/>
               </a:rPr>
               <a:t>תדריך יומי</a:t>
             </a:r>
-            <a:endParaRPr b="1" lang="en-US" sz="1400" spc="-1" strike="noStrike">
+            <a:endParaRPr b="0" lang="en-US" sz="1400" spc="-1" strike="noStrike">
               <a:latin typeface="Arial"/>
             </a:endParaRPr>
           </a:p>
@@ -4347,20 +5840,20 @@
       </p:sp>
       <p:sp>
         <p:nvSpPr>
-          <p:cNvPr id="101" name="CustomShape 3"/>
+          <p:cNvPr id="87" name="CustomShape 3"/>
           <p:cNvSpPr/>
           <p:nvPr/>
         </p:nvSpPr>
         <p:spPr>
           <a:xfrm>
-            <a:off x="5760720" y="182880"/>
-            <a:ext cx="182880" cy="91440"/>
+            <a:off x="7498080" y="182880"/>
+            <a:ext cx="182520" cy="91080"/>
           </a:xfrm>
           <a:custGeom>
             <a:avLst/>
             <a:gdLst/>
             <a:ahLst/>
-            <a:rect l="0" t="0" r="r" b="b"/>
+            <a:rect l="l" t="t" r="r" b="b"/>
             <a:pathLst>
               <a:path w="510" h="256">
                 <a:moveTo>
@@ -4396,20 +5889,73 @@
       </p:sp>
       <p:sp>
         <p:nvSpPr>
-          <p:cNvPr id="102" name="CustomShape 4"/>
+          <p:cNvPr id="88" name="CustomShape 4"/>
           <p:cNvSpPr/>
           <p:nvPr/>
         </p:nvSpPr>
         <p:spPr>
           <a:xfrm>
-            <a:off x="7498080" y="182880"/>
-            <a:ext cx="182880" cy="91440"/>
+            <a:off x="3657600" y="91440"/>
+            <a:ext cx="1828440" cy="273960"/>
+          </a:xfrm>
+          <a:prstGeom prst="rect">
+            <a:avLst/>
+          </a:prstGeom>
+          <a:solidFill>
+            <a:srgbClr val="f79448"/>
+          </a:solidFill>
+          <a:ln>
+            <a:solidFill>
+              <a:srgbClr val="ffffff"/>
+            </a:solidFill>
+          </a:ln>
+        </p:spPr>
+        <p:style>
+          <a:lnRef idx="0"/>
+          <a:fillRef idx="0"/>
+          <a:effectRef idx="0"/>
+          <a:fontRef idx="minor"/>
+        </p:style>
+        <p:txBody>
+          <a:bodyPr wrap="none" lIns="90000" rIns="90000" tIns="45000" bIns="45000" anchor="ctr"/>
+          <a:p>
+            <a:pPr algn="r">
+              <a:lnSpc>
+                <a:spcPct val="100000"/>
+              </a:lnSpc>
+            </a:pPr>
+            <a:r>
+              <a:rPr b="1" lang="en-US" sz="1400" spc="-1" strike="noStrike">
+                <a:solidFill>
+                  <a:srgbClr val="000000"/>
+                </a:solidFill>
+                <a:latin typeface="Arial"/>
+                <a:ea typeface="DejaVu Sans"/>
+              </a:rPr>
+              <a:t>הודעות חשובות</a:t>
+            </a:r>
+            <a:endParaRPr b="0" lang="en-US" sz="1400" spc="-1" strike="noStrike">
+              <a:latin typeface="Arial"/>
+            </a:endParaRPr>
+          </a:p>
+        </p:txBody>
+      </p:sp>
+      <p:sp>
+        <p:nvSpPr>
+          <p:cNvPr id="89" name="CustomShape 5"/>
+          <p:cNvSpPr/>
+          <p:nvPr/>
+        </p:nvSpPr>
+        <p:spPr>
+          <a:xfrm>
+            <a:off x="3749040" y="182880"/>
+            <a:ext cx="182520" cy="91080"/>
           </a:xfrm>
           <a:custGeom>
             <a:avLst/>
             <a:gdLst/>
             <a:ahLst/>
-            <a:rect l="0" t="0" r="r" b="b"/>
+            <a:rect l="l" t="t" r="r" b="b"/>
             <a:pathLst>
               <a:path w="510" h="256">
                 <a:moveTo>
@@ -4445,25 +5991,21 @@
       </p:sp>
       <p:sp>
         <p:nvSpPr>
-          <p:cNvPr id="103" name="CustomShape 5"/>
+          <p:cNvPr id="90" name="CustomShape 6"/>
           <p:cNvSpPr/>
           <p:nvPr/>
         </p:nvSpPr>
         <p:spPr>
           <a:xfrm>
-            <a:off x="3657600" y="91440"/>
-            <a:ext cx="1828800" cy="274320"/>
-          </a:xfrm>
-          <a:prstGeom prst="rect">
-            <a:avLst/>
-          </a:prstGeom>
-          <a:solidFill>
-            <a:srgbClr val="f79448"/>
-          </a:solidFill>
-          <a:ln>
-            <a:solidFill>
-              <a:srgbClr val="ffffff"/>
-            </a:solidFill>
+            <a:off x="182880" y="91440"/>
+            <a:ext cx="2285640" cy="345960"/>
+          </a:xfrm>
+          <a:prstGeom prst="rect">
+            <a:avLst/>
+          </a:prstGeom>
+          <a:noFill/>
+          <a:ln>
+            <a:noFill/>
           </a:ln>
         </p:spPr>
         <p:style>
@@ -4473,93 +6015,13 @@
           <a:fontRef idx="minor"/>
         </p:style>
         <p:txBody>
-          <a:bodyPr wrap="none" lIns="90000" rIns="90000" tIns="45000" bIns="45000" anchor="ctr"/>
-          <a:p>
-            <a:pPr algn="r"/>
-            <a:r>
-              <a:rPr b="1" lang="en-US" sz="1400" spc="-1" strike="noStrike">
-                <a:latin typeface="Arial"/>
-              </a:rPr>
-              <a:t>הודעות חשובות</a:t>
-            </a:r>
-            <a:endParaRPr b="1" lang="en-US" sz="1400" spc="-1" strike="noStrike">
-              <a:latin typeface="Arial"/>
-            </a:endParaRPr>
-          </a:p>
-        </p:txBody>
-      </p:sp>
-      <p:sp>
-        <p:nvSpPr>
-          <p:cNvPr id="104" name="CustomShape 6"/>
-          <p:cNvSpPr/>
-          <p:nvPr/>
-        </p:nvSpPr>
-        <p:spPr>
-          <a:xfrm>
-            <a:off x="3749040" y="182880"/>
-            <a:ext cx="182880" cy="91440"/>
-          </a:xfrm>
-          <a:custGeom>
-            <a:avLst/>
-            <a:gdLst/>
-            <a:ahLst/>
-            <a:rect l="0" t="0" r="r" b="b"/>
-            <a:pathLst>
-              <a:path w="510" h="256">
-                <a:moveTo>
-                  <a:pt x="252" y="255"/>
-                </a:moveTo>
-                <a:lnTo>
-                  <a:pt x="0" y="0"/>
-                </a:lnTo>
-                <a:lnTo>
-                  <a:pt x="509" y="0"/>
-                </a:lnTo>
-                <a:lnTo>
-                  <a:pt x="252" y="255"/>
-                </a:lnTo>
-              </a:path>
-            </a:pathLst>
-          </a:custGeom>
-          <a:solidFill>
-            <a:srgbClr val="000000"/>
-          </a:solidFill>
-          <a:ln>
-            <a:solidFill>
-              <a:srgbClr val="ffffff"/>
-            </a:solidFill>
-          </a:ln>
-        </p:spPr>
-        <p:style>
-          <a:lnRef idx="0"/>
-          <a:fillRef idx="0"/>
-          <a:effectRef idx="0"/>
-          <a:fontRef idx="minor"/>
-        </p:style>
-      </p:sp>
-      <p:sp>
-        <p:nvSpPr>
-          <p:cNvPr id="105" name="TextShape 7"/>
-          <p:cNvSpPr txBox="1"/>
-          <p:nvPr/>
-        </p:nvSpPr>
-        <p:spPr>
-          <a:xfrm>
-            <a:off x="182880" y="91440"/>
-            <a:ext cx="2286000" cy="346320"/>
-          </a:xfrm>
-          <a:prstGeom prst="rect">
-            <a:avLst/>
-          </a:prstGeom>
-          <a:noFill/>
-          <a:ln>
-            <a:noFill/>
-          </a:ln>
-        </p:spPr>
-        <p:txBody>
           <a:bodyPr lIns="90000" rIns="90000" tIns="45000" bIns="45000"/>
           <a:p>
-            <a:pPr algn="ctr"/>
+            <a:pPr algn="ctr">
+              <a:lnSpc>
+                <a:spcPct val="100000"/>
+              </a:lnSpc>
+            </a:pPr>
             <a:r>
               <a:rPr b="0" lang="en-US" sz="1400" spc="-1" strike="noStrike">
                 <a:solidFill>
@@ -4570,9 +6032,6 @@
               <a:t>ברוכה הבאה, מיכל</a:t>
             </a:r>
             <a:endParaRPr b="0" lang="en-US" sz="1400" spc="-1" strike="noStrike">
-              <a:solidFill>
-                <a:srgbClr val="ffffff"/>
-              </a:solidFill>
               <a:latin typeface="Arial"/>
             </a:endParaRPr>
           </a:p>
@@ -4580,14 +6039,14 @@
       </p:sp>
       <p:sp>
         <p:nvSpPr>
-          <p:cNvPr id="106" name="CustomShape 8"/>
+          <p:cNvPr id="91" name="CustomShape 7"/>
           <p:cNvSpPr/>
           <p:nvPr/>
         </p:nvSpPr>
         <p:spPr>
           <a:xfrm>
-            <a:off x="3200400" y="365760"/>
-            <a:ext cx="2286000" cy="1554480"/>
+            <a:off x="4937760" y="365760"/>
+            <a:ext cx="2285640" cy="1554120"/>
           </a:xfrm>
           <a:prstGeom prst="rect">
             <a:avLst/>
@@ -4610,14 +6069,14 @@
       </p:sp>
       <p:sp>
         <p:nvSpPr>
-          <p:cNvPr id="107" name="TextShape 9"/>
-          <p:cNvSpPr txBox="1"/>
-          <p:nvPr/>
-        </p:nvSpPr>
-        <p:spPr>
-          <a:xfrm>
-            <a:off x="3291840" y="444960"/>
-            <a:ext cx="2103120" cy="346320"/>
+          <p:cNvPr id="92" name="CustomShape 8"/>
+          <p:cNvSpPr/>
+          <p:nvPr/>
+        </p:nvSpPr>
+        <p:spPr>
+          <a:xfrm>
+            <a:off x="5029200" y="444960"/>
+            <a:ext cx="2102760" cy="345960"/>
           </a:xfrm>
           <a:prstGeom prst="rect">
             <a:avLst/>
@@ -4627,15 +6086,25 @@
             <a:noFill/>
           </a:ln>
         </p:spPr>
+        <p:style>
+          <a:lnRef idx="0"/>
+          <a:fillRef idx="0"/>
+          <a:effectRef idx="0"/>
+          <a:fontRef idx="minor"/>
+        </p:style>
         <p:txBody>
           <a:bodyPr lIns="90000" rIns="90000" tIns="45000" bIns="45000"/>
           <a:p>
-            <a:pPr algn="ctr"/>
+            <a:pPr algn="ctr">
+              <a:lnSpc>
+                <a:spcPct val="100000"/>
+              </a:lnSpc>
+            </a:pPr>
             <a:r>
               <a:rPr b="0" lang="en-US" sz="1400" spc="-1" strike="noStrike">
                 <a:latin typeface="Arial"/>
               </a:rPr>
-              <a:t>הוספת הודעות</a:t>
+              <a:t>הוספת תדריך יומי</a:t>
             </a:r>
             <a:endParaRPr b="0" lang="en-US" sz="1400" spc="-1" strike="noStrike">
               <a:latin typeface="Arial"/>
@@ -4645,14 +6114,14 @@
       </p:sp>
       <p:sp>
         <p:nvSpPr>
-          <p:cNvPr id="108" name="Line 10"/>
+          <p:cNvPr id="93" name="Line 9"/>
           <p:cNvSpPr/>
           <p:nvPr/>
         </p:nvSpPr>
         <p:spPr>
           <a:xfrm>
-            <a:off x="3291840" y="822960"/>
-            <a:ext cx="2103120" cy="0"/>
+            <a:off x="5029200" y="822960"/>
+            <a:ext cx="2103120" cy="360"/>
           </a:xfrm>
           <a:prstGeom prst="line">
             <a:avLst/>
@@ -4672,14 +6141,14 @@
       </p:sp>
       <p:sp>
         <p:nvSpPr>
-          <p:cNvPr id="109" name="Line 11"/>
+          <p:cNvPr id="94" name="Line 10"/>
           <p:cNvSpPr/>
           <p:nvPr/>
         </p:nvSpPr>
         <p:spPr>
           <a:xfrm>
-            <a:off x="3291840" y="1371600"/>
-            <a:ext cx="2103120" cy="0"/>
+            <a:off x="5029200" y="1371600"/>
+            <a:ext cx="2103120" cy="360"/>
           </a:xfrm>
           <a:prstGeom prst="line">
             <a:avLst/>
@@ -4699,14 +6168,14 @@
       </p:sp>
       <p:sp>
         <p:nvSpPr>
-          <p:cNvPr id="110" name="Line 12"/>
+          <p:cNvPr id="95" name="Line 11"/>
           <p:cNvSpPr/>
           <p:nvPr/>
         </p:nvSpPr>
         <p:spPr>
           <a:xfrm>
-            <a:off x="3291840" y="1371600"/>
-            <a:ext cx="2103120" cy="0"/>
+            <a:off x="5029200" y="1371600"/>
+            <a:ext cx="2103120" cy="360"/>
           </a:xfrm>
           <a:prstGeom prst="line">
             <a:avLst/>
@@ -4726,14 +6195,63 @@
       </p:sp>
       <p:sp>
         <p:nvSpPr>
-          <p:cNvPr id="111" name="TextShape 13"/>
-          <p:cNvSpPr txBox="1"/>
-          <p:nvPr/>
-        </p:nvSpPr>
-        <p:spPr>
-          <a:xfrm>
-            <a:off x="3200400" y="914400"/>
-            <a:ext cx="2377440" cy="602280"/>
+          <p:cNvPr id="96" name="CustomShape 12"/>
+          <p:cNvSpPr/>
+          <p:nvPr/>
+        </p:nvSpPr>
+        <p:spPr>
+          <a:xfrm>
+            <a:off x="5734080" y="183240"/>
+            <a:ext cx="182520" cy="91080"/>
+          </a:xfrm>
+          <a:custGeom>
+            <a:avLst/>
+            <a:gdLst/>
+            <a:ahLst/>
+            <a:rect l="l" t="t" r="r" b="b"/>
+            <a:pathLst>
+              <a:path w="510" h="256">
+                <a:moveTo>
+                  <a:pt x="252" y="0"/>
+                </a:moveTo>
+                <a:lnTo>
+                  <a:pt x="0" y="255"/>
+                </a:lnTo>
+                <a:lnTo>
+                  <a:pt x="509" y="255"/>
+                </a:lnTo>
+                <a:lnTo>
+                  <a:pt x="252" y="0"/>
+                </a:lnTo>
+              </a:path>
+            </a:pathLst>
+          </a:custGeom>
+          <a:solidFill>
+            <a:srgbClr val="000000"/>
+          </a:solidFill>
+          <a:ln>
+            <a:solidFill>
+              <a:srgbClr val="ffffff"/>
+            </a:solidFill>
+          </a:ln>
+        </p:spPr>
+        <p:style>
+          <a:lnRef idx="0"/>
+          <a:fillRef idx="0"/>
+          <a:effectRef idx="0"/>
+          <a:fontRef idx="minor"/>
+        </p:style>
+      </p:sp>
+      <p:sp>
+        <p:nvSpPr>
+          <p:cNvPr id="97" name="CustomShape 13"/>
+          <p:cNvSpPr/>
+          <p:nvPr/>
+        </p:nvSpPr>
+        <p:spPr>
+          <a:xfrm>
+            <a:off x="4937760" y="914400"/>
+            <a:ext cx="2377080" cy="601920"/>
           </a:xfrm>
           <a:prstGeom prst="rect">
             <a:avLst/>
@@ -4743,15 +6261,25 @@
             <a:noFill/>
           </a:ln>
         </p:spPr>
+        <p:style>
+          <a:lnRef idx="0"/>
+          <a:fillRef idx="0"/>
+          <a:effectRef idx="0"/>
+          <a:fontRef idx="minor"/>
+        </p:style>
         <p:txBody>
           <a:bodyPr lIns="90000" rIns="90000" tIns="45000" bIns="45000"/>
           <a:p>
-            <a:pPr algn="ctr"/>
+            <a:pPr algn="ctr">
+              <a:lnSpc>
+                <a:spcPct val="100000"/>
+              </a:lnSpc>
+            </a:pPr>
             <a:r>
               <a:rPr b="0" lang="en-US" sz="1400" spc="-1" strike="noStrike">
                 <a:latin typeface="Arial"/>
               </a:rPr>
-              <a:t>צפייה ברשימת ההודעות</a:t>
+              <a:t>צפייה ברשימת תדריכים</a:t>
             </a:r>
             <a:endParaRPr b="0" lang="en-US" sz="1400" spc="-1" strike="noStrike">
               <a:latin typeface="Arial"/>
@@ -4759,15 +6287,687 @@
           </a:p>
         </p:txBody>
       </p:sp>
+      <p:graphicFrame>
+        <p:nvGraphicFramePr>
+          <p:cNvPr id="98" name="Table 14"/>
+          <p:cNvGraphicFramePr/>
+          <p:nvPr/>
+        </p:nvGraphicFramePr>
+        <p:xfrm>
+          <a:off x="1963080" y="3065760"/>
+          <a:ext cx="8460360" cy="4575240"/>
+        </p:xfrm>
+        <a:graphic>
+          <a:graphicData uri="http://schemas.openxmlformats.org/drawingml/2006/table">
+            <a:tbl>
+              <a:tblPr/>
+              <a:tblGrid>
+                <a:gridCol w="1691640"/>
+                <a:gridCol w="1691640"/>
+                <a:gridCol w="1691640"/>
+              </a:tblGrid>
+              <a:tr h="508320">
+                <a:tc>
+                  <a:tcPr marL="90000" marR="90000">
+                    <a:lnL w="720">
+                      <a:solidFill>
+                        <a:srgbClr val="ffffff"/>
+                      </a:solidFill>
+                    </a:lnL>
+                    <a:lnR w="720">
+                      <a:solidFill>
+                        <a:srgbClr val="ffffff"/>
+                      </a:solidFill>
+                    </a:lnR>
+                    <a:lnT w="720">
+                      <a:solidFill>
+                        <a:srgbClr val="ffffff"/>
+                      </a:solidFill>
+                    </a:lnT>
+                    <a:lnB w="720">
+                      <a:solidFill>
+                        <a:srgbClr val="ffffff"/>
+                      </a:solidFill>
+                    </a:lnB>
+                    <a:solidFill>
+                      <a:srgbClr val="b3b3b3"/>
+                    </a:solidFill>
+                  </a:tcPr>
+                </a:tc>
+                <a:tc>
+                  <a:txBody>
+                    <a:bodyPr lIns="90000" rIns="90000" tIns="46800" bIns="46800"/>
+                    <a:p>
+                      <a:pPr algn="ctr"/>
+                      <a:r>
+                        <a:rPr b="0" lang="en-US" sz="1800" spc="-1" strike="noStrike">
+                          <a:latin typeface="Arial"/>
+                        </a:rPr>
+                        <a:t>קובץ</a:t>
+                      </a:r>
+                      <a:endParaRPr b="0" lang="en-US" sz="1800" spc="-1" strike="noStrike">
+                        <a:latin typeface="Arial"/>
+                      </a:endParaRPr>
+                    </a:p>
+                  </a:txBody>
+                  <a:tcPr marL="90000" marR="90000">
+                    <a:lnL w="720">
+                      <a:solidFill>
+                        <a:srgbClr val="ffffff"/>
+                      </a:solidFill>
+                    </a:lnL>
+                    <a:lnR w="720">
+                      <a:solidFill>
+                        <a:srgbClr val="ffffff"/>
+                      </a:solidFill>
+                    </a:lnR>
+                    <a:lnT w="720">
+                      <a:solidFill>
+                        <a:srgbClr val="ffffff"/>
+                      </a:solidFill>
+                    </a:lnT>
+                    <a:lnB w="720">
+                      <a:solidFill>
+                        <a:srgbClr val="ffffff"/>
+                      </a:solidFill>
+                    </a:lnB>
+                    <a:solidFill>
+                      <a:srgbClr val="b3b3b3"/>
+                    </a:solidFill>
+                  </a:tcPr>
+                </a:tc>
+                <a:tc>
+                  <a:txBody>
+                    <a:bodyPr lIns="90000" rIns="90000" tIns="46800" bIns="46800"/>
+                    <a:p>
+                      <a:pPr algn="ctr"/>
+                      <a:r>
+                        <a:rPr b="0" lang="en-US" sz="1800" spc="-1" strike="noStrike">
+                          <a:latin typeface="Arial"/>
+                        </a:rPr>
+                        <a:t>תאריך</a:t>
+                      </a:r>
+                      <a:endParaRPr b="0" lang="en-US" sz="1800" spc="-1" strike="noStrike">
+                        <a:latin typeface="Arial"/>
+                      </a:endParaRPr>
+                    </a:p>
+                  </a:txBody>
+                  <a:tcPr marL="90000" marR="90000">
+                    <a:lnL w="720">
+                      <a:solidFill>
+                        <a:srgbClr val="ffffff"/>
+                      </a:solidFill>
+                    </a:lnL>
+                    <a:lnR w="720">
+                      <a:solidFill>
+                        <a:srgbClr val="ffffff"/>
+                      </a:solidFill>
+                    </a:lnR>
+                    <a:lnT w="720">
+                      <a:solidFill>
+                        <a:srgbClr val="ffffff"/>
+                      </a:solidFill>
+                    </a:lnT>
+                    <a:lnB w="720">
+                      <a:solidFill>
+                        <a:srgbClr val="ffffff"/>
+                      </a:solidFill>
+                    </a:lnB>
+                    <a:solidFill>
+                      <a:srgbClr val="b3b3b3"/>
+                    </a:solidFill>
+                  </a:tcPr>
+                </a:tc>
+              </a:tr>
+              <a:tr h="508320">
+                <a:tc>
+                  <a:txBody>
+                    <a:bodyPr lIns="90000" rIns="90000" tIns="46800" bIns="46800"/>
+                    <a:p>
+                      <a:pPr algn="ctr"/>
+                      <a:r>
+                        <a:rPr b="0" lang="en-US" sz="1800" spc="-1" strike="noStrike">
+                          <a:latin typeface="Arial"/>
+                        </a:rPr>
+                        <a:t>מחיקה</a:t>
+                      </a:r>
+                      <a:endParaRPr b="0" lang="en-US" sz="1800" spc="-1" strike="noStrike">
+                        <a:latin typeface="Arial"/>
+                      </a:endParaRPr>
+                    </a:p>
+                  </a:txBody>
+                  <a:tcPr marL="90000" marR="90000">
+                    <a:lnL w="720">
+                      <a:solidFill>
+                        <a:srgbClr val="ffffff"/>
+                      </a:solidFill>
+                    </a:lnL>
+                    <a:lnR w="720">
+                      <a:solidFill>
+                        <a:srgbClr val="ffffff"/>
+                      </a:solidFill>
+                    </a:lnR>
+                    <a:lnT w="720">
+                      <a:solidFill>
+                        <a:srgbClr val="ffffff"/>
+                      </a:solidFill>
+                    </a:lnT>
+                    <a:lnB w="720">
+                      <a:solidFill>
+                        <a:srgbClr val="ffffff"/>
+                      </a:solidFill>
+                    </a:lnB>
+                    <a:solidFill>
+                      <a:srgbClr val="cccccc"/>
+                    </a:solidFill>
+                  </a:tcPr>
+                </a:tc>
+                <a:tc>
+                  <a:tcPr marL="90000" marR="90000">
+                    <a:lnL w="720">
+                      <a:solidFill>
+                        <a:srgbClr val="ffffff"/>
+                      </a:solidFill>
+                    </a:lnL>
+                    <a:lnR w="720">
+                      <a:solidFill>
+                        <a:srgbClr val="ffffff"/>
+                      </a:solidFill>
+                    </a:lnR>
+                    <a:lnT w="720">
+                      <a:solidFill>
+                        <a:srgbClr val="ffffff"/>
+                      </a:solidFill>
+                    </a:lnT>
+                    <a:lnB w="720">
+                      <a:solidFill>
+                        <a:srgbClr val="ffffff"/>
+                      </a:solidFill>
+                    </a:lnB>
+                    <a:solidFill>
+                      <a:srgbClr val="cccccc"/>
+                    </a:solidFill>
+                  </a:tcPr>
+                </a:tc>
+                <a:tc>
+                  <a:txBody>
+                    <a:bodyPr lIns="90000" rIns="90000" tIns="46800" bIns="46800"/>
+                    <a:p>
+                      <a:pPr algn="ctr"/>
+                      <a:r>
+                        <a:rPr b="0" lang="en-US" sz="1800" spc="-1" strike="noStrike">
+                          <a:latin typeface="Arial"/>
+                        </a:rPr>
+                        <a:t>1/2/2019</a:t>
+                      </a:r>
+                      <a:endParaRPr b="0" lang="en-US" sz="1800" spc="-1" strike="noStrike">
+                        <a:latin typeface="Arial"/>
+                      </a:endParaRPr>
+                    </a:p>
+                  </a:txBody>
+                  <a:tcPr marL="90000" marR="90000">
+                    <a:lnL w="720">
+                      <a:solidFill>
+                        <a:srgbClr val="ffffff"/>
+                      </a:solidFill>
+                    </a:lnL>
+                    <a:lnR w="720">
+                      <a:solidFill>
+                        <a:srgbClr val="ffffff"/>
+                      </a:solidFill>
+                    </a:lnR>
+                    <a:lnT w="720">
+                      <a:solidFill>
+                        <a:srgbClr val="ffffff"/>
+                      </a:solidFill>
+                    </a:lnT>
+                    <a:lnB w="720">
+                      <a:solidFill>
+                        <a:srgbClr val="ffffff"/>
+                      </a:solidFill>
+                    </a:lnB>
+                    <a:solidFill>
+                      <a:srgbClr val="cccccc"/>
+                    </a:solidFill>
+                  </a:tcPr>
+                </a:tc>
+              </a:tr>
+              <a:tr h="508320">
+                <a:tc>
+                  <a:tcPr marL="90000" marR="90000">
+                    <a:lnL w="720">
+                      <a:solidFill>
+                        <a:srgbClr val="ffffff"/>
+                      </a:solidFill>
+                    </a:lnL>
+                    <a:lnR w="720">
+                      <a:solidFill>
+                        <a:srgbClr val="ffffff"/>
+                      </a:solidFill>
+                    </a:lnR>
+                    <a:lnT w="720">
+                      <a:solidFill>
+                        <a:srgbClr val="ffffff"/>
+                      </a:solidFill>
+                    </a:lnT>
+                    <a:lnB w="720">
+                      <a:solidFill>
+                        <a:srgbClr val="ffffff"/>
+                      </a:solidFill>
+                    </a:lnB>
+                    <a:solidFill>
+                      <a:srgbClr val="e6e6e6"/>
+                    </a:solidFill>
+                  </a:tcPr>
+                </a:tc>
+                <a:tc>
+                  <a:tcPr marL="90000" marR="90000">
+                    <a:lnL w="720">
+                      <a:solidFill>
+                        <a:srgbClr val="ffffff"/>
+                      </a:solidFill>
+                    </a:lnL>
+                    <a:lnR w="720">
+                      <a:solidFill>
+                        <a:srgbClr val="ffffff"/>
+                      </a:solidFill>
+                    </a:lnR>
+                    <a:lnT w="720">
+                      <a:solidFill>
+                        <a:srgbClr val="ffffff"/>
+                      </a:solidFill>
+                    </a:lnT>
+                    <a:lnB w="720">
+                      <a:solidFill>
+                        <a:srgbClr val="ffffff"/>
+                      </a:solidFill>
+                    </a:lnB>
+                    <a:solidFill>
+                      <a:srgbClr val="e6e6e6"/>
+                    </a:solidFill>
+                  </a:tcPr>
+                </a:tc>
+                <a:tc>
+                  <a:tcPr marL="90000" marR="90000">
+                    <a:lnL w="720">
+                      <a:solidFill>
+                        <a:srgbClr val="ffffff"/>
+                      </a:solidFill>
+                    </a:lnL>
+                    <a:lnR w="720">
+                      <a:solidFill>
+                        <a:srgbClr val="ffffff"/>
+                      </a:solidFill>
+                    </a:lnR>
+                    <a:lnT w="720">
+                      <a:solidFill>
+                        <a:srgbClr val="ffffff"/>
+                      </a:solidFill>
+                    </a:lnT>
+                    <a:lnB w="720">
+                      <a:solidFill>
+                        <a:srgbClr val="ffffff"/>
+                      </a:solidFill>
+                    </a:lnB>
+                    <a:solidFill>
+                      <a:srgbClr val="e6e6e6"/>
+                    </a:solidFill>
+                  </a:tcPr>
+                </a:tc>
+              </a:tr>
+              <a:tr h="508320">
+                <a:tc>
+                  <a:tcPr marL="90000" marR="90000">
+                    <a:lnL w="720">
+                      <a:solidFill>
+                        <a:srgbClr val="ffffff"/>
+                      </a:solidFill>
+                    </a:lnL>
+                    <a:lnR w="720">
+                      <a:solidFill>
+                        <a:srgbClr val="ffffff"/>
+                      </a:solidFill>
+                    </a:lnR>
+                    <a:lnT w="720">
+                      <a:solidFill>
+                        <a:srgbClr val="ffffff"/>
+                      </a:solidFill>
+                    </a:lnT>
+                    <a:lnB w="720">
+                      <a:solidFill>
+                        <a:srgbClr val="ffffff"/>
+                      </a:solidFill>
+                    </a:lnB>
+                    <a:solidFill>
+                      <a:srgbClr val="cccccc"/>
+                    </a:solidFill>
+                  </a:tcPr>
+                </a:tc>
+                <a:tc>
+                  <a:tcPr marL="90000" marR="90000">
+                    <a:lnL w="720">
+                      <a:solidFill>
+                        <a:srgbClr val="ffffff"/>
+                      </a:solidFill>
+                    </a:lnL>
+                    <a:lnR w="720">
+                      <a:solidFill>
+                        <a:srgbClr val="ffffff"/>
+                      </a:solidFill>
+                    </a:lnR>
+                    <a:lnT w="720">
+                      <a:solidFill>
+                        <a:srgbClr val="ffffff"/>
+                      </a:solidFill>
+                    </a:lnT>
+                    <a:lnB w="720">
+                      <a:solidFill>
+                        <a:srgbClr val="ffffff"/>
+                      </a:solidFill>
+                    </a:lnB>
+                    <a:solidFill>
+                      <a:srgbClr val="cccccc"/>
+                    </a:solidFill>
+                  </a:tcPr>
+                </a:tc>
+                <a:tc>
+                  <a:tcPr marL="90000" marR="90000">
+                    <a:lnL w="720">
+                      <a:solidFill>
+                        <a:srgbClr val="ffffff"/>
+                      </a:solidFill>
+                    </a:lnL>
+                    <a:lnR w="720">
+                      <a:solidFill>
+                        <a:srgbClr val="ffffff"/>
+                      </a:solidFill>
+                    </a:lnR>
+                    <a:lnT w="720">
+                      <a:solidFill>
+                        <a:srgbClr val="ffffff"/>
+                      </a:solidFill>
+                    </a:lnT>
+                    <a:lnB w="720">
+                      <a:solidFill>
+                        <a:srgbClr val="ffffff"/>
+                      </a:solidFill>
+                    </a:lnB>
+                    <a:solidFill>
+                      <a:srgbClr val="cccccc"/>
+                    </a:solidFill>
+                  </a:tcPr>
+                </a:tc>
+              </a:tr>
+              <a:tr h="508320">
+                <a:tc>
+                  <a:tcPr marL="90000" marR="90000">
+                    <a:lnL w="720">
+                      <a:solidFill>
+                        <a:srgbClr val="ffffff"/>
+                      </a:solidFill>
+                    </a:lnL>
+                    <a:lnR w="720">
+                      <a:solidFill>
+                        <a:srgbClr val="ffffff"/>
+                      </a:solidFill>
+                    </a:lnR>
+                    <a:lnT w="720">
+                      <a:solidFill>
+                        <a:srgbClr val="ffffff"/>
+                      </a:solidFill>
+                    </a:lnT>
+                    <a:lnB w="720">
+                      <a:solidFill>
+                        <a:srgbClr val="ffffff"/>
+                      </a:solidFill>
+                    </a:lnB>
+                    <a:solidFill>
+                      <a:srgbClr val="e6e6e6"/>
+                    </a:solidFill>
+                  </a:tcPr>
+                </a:tc>
+                <a:tc>
+                  <a:tcPr marL="90000" marR="90000">
+                    <a:lnL w="720">
+                      <a:solidFill>
+                        <a:srgbClr val="ffffff"/>
+                      </a:solidFill>
+                    </a:lnL>
+                    <a:lnR w="720">
+                      <a:solidFill>
+                        <a:srgbClr val="ffffff"/>
+                      </a:solidFill>
+                    </a:lnR>
+                    <a:lnT w="720">
+                      <a:solidFill>
+                        <a:srgbClr val="ffffff"/>
+                      </a:solidFill>
+                    </a:lnT>
+                    <a:lnB w="720">
+                      <a:solidFill>
+                        <a:srgbClr val="ffffff"/>
+                      </a:solidFill>
+                    </a:lnB>
+                    <a:solidFill>
+                      <a:srgbClr val="e6e6e6"/>
+                    </a:solidFill>
+                  </a:tcPr>
+                </a:tc>
+                <a:tc>
+                  <a:tcPr marL="90000" marR="90000">
+                    <a:lnL w="720">
+                      <a:solidFill>
+                        <a:srgbClr val="ffffff"/>
+                      </a:solidFill>
+                    </a:lnL>
+                    <a:lnR w="720">
+                      <a:solidFill>
+                        <a:srgbClr val="ffffff"/>
+                      </a:solidFill>
+                    </a:lnR>
+                    <a:lnT w="720">
+                      <a:solidFill>
+                        <a:srgbClr val="ffffff"/>
+                      </a:solidFill>
+                    </a:lnT>
+                    <a:lnB w="720">
+                      <a:solidFill>
+                        <a:srgbClr val="ffffff"/>
+                      </a:solidFill>
+                    </a:lnB>
+                    <a:solidFill>
+                      <a:srgbClr val="e6e6e6"/>
+                    </a:solidFill>
+                  </a:tcPr>
+                </a:tc>
+              </a:tr>
+            </a:tbl>
+          </a:graphicData>
+        </a:graphic>
+      </p:graphicFrame>
+      <p:sp>
+        <p:nvSpPr>
+          <p:cNvPr id="99" name="CustomShape 15"/>
+          <p:cNvSpPr/>
+          <p:nvPr/>
+        </p:nvSpPr>
+        <p:spPr>
+          <a:xfrm>
+            <a:off x="3749040" y="3657600"/>
+            <a:ext cx="548640" cy="365760"/>
+          </a:xfrm>
+          <a:prstGeom prst="rect">
+            <a:avLst/>
+          </a:prstGeom>
+          <a:solidFill>
+            <a:srgbClr val="729fcf"/>
+          </a:solidFill>
+          <a:ln>
+            <a:solidFill>
+              <a:srgbClr val="3465a4"/>
+            </a:solidFill>
+          </a:ln>
+        </p:spPr>
+        <p:style>
+          <a:lnRef idx="0"/>
+          <a:fillRef idx="0"/>
+          <a:effectRef idx="0"/>
+          <a:fontRef idx="minor"/>
+        </p:style>
+        <p:txBody>
+          <a:bodyPr wrap="none" lIns="90000" rIns="90000" tIns="45000" bIns="45000" anchor="ctr"/>
+          <a:p>
+            <a:pPr algn="ctr"/>
+            <a:r>
+              <a:rPr b="0" lang="en-US" sz="1800" spc="-1" strike="noStrike">
+                <a:latin typeface="Arial"/>
+              </a:rPr>
+              <a:t>טעינה</a:t>
+            </a:r>
+            <a:endParaRPr b="0" lang="en-US" sz="1800" spc="-1" strike="noStrike">
+              <a:latin typeface="Arial"/>
+            </a:endParaRPr>
+          </a:p>
+        </p:txBody>
+      </p:sp>
+      <p:sp>
+        <p:nvSpPr>
+          <p:cNvPr id="100" name="TextShape 16"/>
+          <p:cNvSpPr txBox="1"/>
+          <p:nvPr/>
+        </p:nvSpPr>
+        <p:spPr>
+          <a:xfrm>
+            <a:off x="-1828800" y="822960"/>
+            <a:ext cx="1280160" cy="346320"/>
+          </a:xfrm>
+          <a:prstGeom prst="rect">
+            <a:avLst/>
+          </a:prstGeom>
+          <a:noFill/>
+          <a:ln>
+            <a:noFill/>
+          </a:ln>
+        </p:spPr>
+      </p:sp>
+      <p:sp>
+        <p:nvSpPr>
+          <p:cNvPr id="101" name="CustomShape 17"/>
+          <p:cNvSpPr/>
+          <p:nvPr/>
+        </p:nvSpPr>
+        <p:spPr>
+          <a:xfrm>
+            <a:off x="2194560" y="2468880"/>
+            <a:ext cx="4572000" cy="365760"/>
+          </a:xfrm>
+          <a:prstGeom prst="rect">
+            <a:avLst/>
+          </a:prstGeom>
+          <a:solidFill>
+            <a:srgbClr val="729fcf"/>
+          </a:solidFill>
+          <a:ln>
+            <a:solidFill>
+              <a:srgbClr val="3465a4"/>
+            </a:solidFill>
+          </a:ln>
+        </p:spPr>
+        <p:style>
+          <a:lnRef idx="0"/>
+          <a:fillRef idx="0"/>
+          <a:effectRef idx="0"/>
+          <a:fontRef idx="minor"/>
+        </p:style>
+        <p:txBody>
+          <a:bodyPr wrap="none" lIns="90000" rIns="90000" tIns="45000" bIns="45000" anchor="ctr"/>
+          <a:p>
+            <a:pPr algn="ctr"/>
+            <a:r>
+              <a:rPr b="0" lang="en-US" sz="1800" spc="-1" strike="noStrike">
+                <a:latin typeface="Arial"/>
+              </a:rPr>
+              <a:t>שורת חיפוש</a:t>
+            </a:r>
+            <a:endParaRPr b="0" lang="en-US" sz="1800" spc="-1" strike="noStrike">
+              <a:latin typeface="Arial"/>
+            </a:endParaRPr>
+          </a:p>
+        </p:txBody>
+      </p:sp>
+      <p:sp>
+        <p:nvSpPr>
+          <p:cNvPr id="102" name="CustomShape 18"/>
+          <p:cNvSpPr/>
+          <p:nvPr/>
+        </p:nvSpPr>
+        <p:spPr>
+          <a:xfrm>
+            <a:off x="4389120" y="3677040"/>
+            <a:ext cx="822960" cy="346320"/>
+          </a:xfrm>
+          <a:prstGeom prst="rect">
+            <a:avLst/>
+          </a:prstGeom>
+          <a:solidFill>
+            <a:srgbClr val="ffffff"/>
+          </a:solidFill>
+          <a:ln>
+            <a:solidFill>
+              <a:srgbClr val="3465a4"/>
+            </a:solidFill>
+          </a:ln>
+        </p:spPr>
+        <p:style>
+          <a:lnRef idx="0"/>
+          <a:fillRef idx="0"/>
+          <a:effectRef idx="0"/>
+          <a:fontRef idx="minor"/>
+        </p:style>
+      </p:sp>
+      <p:sp>
+        <p:nvSpPr>
+          <p:cNvPr id="103" name="TextShape 19"/>
+          <p:cNvSpPr txBox="1"/>
+          <p:nvPr/>
+        </p:nvSpPr>
+        <p:spPr>
+          <a:xfrm>
+            <a:off x="4389120" y="3657600"/>
+            <a:ext cx="914400" cy="346320"/>
+          </a:xfrm>
+          <a:prstGeom prst="rect">
+            <a:avLst/>
+          </a:prstGeom>
+          <a:noFill/>
+          <a:ln>
+            <a:noFill/>
+          </a:ln>
+        </p:spPr>
+        <p:txBody>
+          <a:bodyPr lIns="90000" rIns="90000" tIns="45000" bIns="45000"/>
+          <a:p>
+            <a:r>
+              <a:rPr b="0" lang="en-US" sz="1800" spc="-1" strike="noStrike">
+                <a:latin typeface="Arial"/>
+              </a:rPr>
+              <a:t>תדריך</a:t>
+            </a:r>
+            <a:endParaRPr b="0" lang="en-US" sz="1800" spc="-1" strike="noStrike">
+              <a:latin typeface="Arial"/>
+            </a:endParaRPr>
+          </a:p>
+        </p:txBody>
+      </p:sp>
     </p:spTree>
   </p:cSld>
   <p:timing>
     <p:tnLst>
       <p:par>
-        <p:cTn id="15" dur="indefinite" restart="never" nodeType="tmRoot">
+        <p:cTn id="13" dur="indefinite" restart="never" nodeType="tmRoot">
           <p:childTnLst>
             <p:seq>
-              <p:cTn id="16" dur="indefinite" nodeType="mainSeq"/>
+              <p:cTn id="14" dur="indefinite" nodeType="mainSeq"/>
               <p:prevCondLst>
                 <p:cond delay="0" evt="onPrev">
                   <p:tgtEl>
@@ -4810,7 +7010,7 @@
       </p:grpSpPr>
       <p:pic>
         <p:nvPicPr>
-          <p:cNvPr id="112" name="" descr=""/>
+          <p:cNvPr id="104" name="" descr=""/>
           <p:cNvPicPr/>
           <p:nvPr/>
         </p:nvPicPr>
@@ -4821,7 +7021,7 @@
         <p:spPr>
           <a:xfrm>
             <a:off x="0" y="0"/>
-            <a:ext cx="9143640" cy="5343840"/>
+            <a:ext cx="9143280" cy="5343480"/>
           </a:xfrm>
           <a:prstGeom prst="rect">
             <a:avLst/>
@@ -4833,19 +7033,19 @@
       </p:pic>
       <p:pic>
         <p:nvPicPr>
-          <p:cNvPr id="113" name="" descr=""/>
+          <p:cNvPr id="105" name="" descr=""/>
           <p:cNvPicPr/>
           <p:nvPr/>
         </p:nvPicPr>
         <p:blipFill>
           <a:blip r:embed="rId2"/>
-          <a:srcRect l="0" t="0" r="0" b="21739"/>
+          <a:srcRect l="0" t="0" r="0" b="21743"/>
           <a:stretch/>
         </p:blipFill>
         <p:spPr>
           <a:xfrm>
             <a:off x="0" y="444960"/>
-            <a:ext cx="9143640" cy="1566720"/>
+            <a:ext cx="9143280" cy="1566360"/>
           </a:xfrm>
           <a:prstGeom prst="rect">
             <a:avLst/>
@@ -4857,14 +7057,14 @@
       </p:pic>
       <p:sp>
         <p:nvSpPr>
-          <p:cNvPr id="114" name="CustomShape 1"/>
+          <p:cNvPr id="106" name="CustomShape 1"/>
           <p:cNvSpPr/>
           <p:nvPr/>
         </p:nvSpPr>
         <p:spPr>
           <a:xfrm>
             <a:off x="7406640" y="91440"/>
-            <a:ext cx="1554480" cy="274320"/>
+            <a:ext cx="1554120" cy="273960"/>
           </a:xfrm>
           <a:prstGeom prst="rect">
             <a:avLst/>
@@ -4887,14 +7087,22 @@
         <p:txBody>
           <a:bodyPr wrap="none" lIns="90000" rIns="90000" tIns="45000" bIns="45000" anchor="ctr"/>
           <a:p>
-            <a:pPr algn="ctr"/>
+            <a:pPr algn="ctr">
+              <a:lnSpc>
+                <a:spcPct val="100000"/>
+              </a:lnSpc>
+            </a:pPr>
             <a:r>
               <a:rPr b="1" lang="en-US" sz="1400" spc="-1" strike="noStrike">
+                <a:solidFill>
+                  <a:srgbClr val="000000"/>
+                </a:solidFill>
                 <a:latin typeface="Arial"/>
+                <a:ea typeface="DejaVu Sans"/>
               </a:rPr>
               <a:t>עובדים</a:t>
             </a:r>
-            <a:endParaRPr b="1" lang="en-US" sz="1400" spc="-1" strike="noStrike">
+            <a:endParaRPr b="0" lang="en-US" sz="1400" spc="-1" strike="noStrike">
               <a:latin typeface="Arial"/>
             </a:endParaRPr>
           </a:p>
@@ -4902,14 +7110,14 @@
       </p:sp>
       <p:sp>
         <p:nvSpPr>
-          <p:cNvPr id="115" name="CustomShape 2"/>
+          <p:cNvPr id="107" name="CustomShape 2"/>
           <p:cNvSpPr/>
           <p:nvPr/>
         </p:nvSpPr>
         <p:spPr>
           <a:xfrm>
             <a:off x="5669280" y="91440"/>
-            <a:ext cx="1554480" cy="274320"/>
+            <a:ext cx="1554120" cy="273960"/>
           </a:xfrm>
           <a:prstGeom prst="rect">
             <a:avLst/>
@@ -4932,14 +7140,22 @@
         <p:txBody>
           <a:bodyPr wrap="none" lIns="90000" rIns="90000" tIns="45000" bIns="45000" anchor="ctr"/>
           <a:p>
-            <a:pPr algn="ctr"/>
+            <a:pPr algn="ctr">
+              <a:lnSpc>
+                <a:spcPct val="100000"/>
+              </a:lnSpc>
+            </a:pPr>
             <a:r>
               <a:rPr b="1" lang="en-US" sz="1400" spc="-1" strike="noStrike">
+                <a:solidFill>
+                  <a:srgbClr val="000000"/>
+                </a:solidFill>
                 <a:latin typeface="Arial"/>
+                <a:ea typeface="DejaVu Sans"/>
               </a:rPr>
               <a:t>תדריך יומי</a:t>
             </a:r>
-            <a:endParaRPr b="1" lang="en-US" sz="1400" spc="-1" strike="noStrike">
+            <a:endParaRPr b="0" lang="en-US" sz="1400" spc="-1" strike="noStrike">
               <a:latin typeface="Arial"/>
             </a:endParaRPr>
           </a:p>
@@ -4947,20 +7163,20 @@
       </p:sp>
       <p:sp>
         <p:nvSpPr>
-          <p:cNvPr id="116" name="CustomShape 3"/>
+          <p:cNvPr id="108" name="CustomShape 3"/>
           <p:cNvSpPr/>
           <p:nvPr/>
         </p:nvSpPr>
         <p:spPr>
           <a:xfrm>
             <a:off x="5760720" y="182880"/>
-            <a:ext cx="182880" cy="91440"/>
+            <a:ext cx="182520" cy="91080"/>
           </a:xfrm>
           <a:custGeom>
             <a:avLst/>
             <a:gdLst/>
             <a:ahLst/>
-            <a:rect l="0" t="0" r="r" b="b"/>
+            <a:rect l="l" t="t" r="r" b="b"/>
             <a:pathLst>
               <a:path w="510" h="256">
                 <a:moveTo>
@@ -4996,20 +7212,20 @@
       </p:sp>
       <p:sp>
         <p:nvSpPr>
-          <p:cNvPr id="117" name="CustomShape 4"/>
+          <p:cNvPr id="109" name="CustomShape 4"/>
           <p:cNvSpPr/>
           <p:nvPr/>
         </p:nvSpPr>
         <p:spPr>
           <a:xfrm>
             <a:off x="7498080" y="182880"/>
-            <a:ext cx="182880" cy="91440"/>
+            <a:ext cx="182520" cy="91080"/>
           </a:xfrm>
           <a:custGeom>
             <a:avLst/>
             <a:gdLst/>
             <a:ahLst/>
-            <a:rect l="0" t="0" r="r" b="b"/>
+            <a:rect l="l" t="t" r="r" b="b"/>
             <a:pathLst>
               <a:path w="510" h="256">
                 <a:moveTo>
@@ -5045,14 +7261,14 @@
       </p:sp>
       <p:sp>
         <p:nvSpPr>
-          <p:cNvPr id="118" name="CustomShape 5"/>
+          <p:cNvPr id="110" name="CustomShape 5"/>
           <p:cNvSpPr/>
           <p:nvPr/>
         </p:nvSpPr>
         <p:spPr>
           <a:xfrm>
             <a:off x="3657600" y="91440"/>
-            <a:ext cx="1828800" cy="274320"/>
+            <a:ext cx="1828440" cy="273960"/>
           </a:xfrm>
           <a:prstGeom prst="rect">
             <a:avLst/>
@@ -5075,14 +7291,22 @@
         <p:txBody>
           <a:bodyPr wrap="none" lIns="90000" rIns="90000" tIns="45000" bIns="45000" anchor="ctr"/>
           <a:p>
-            <a:pPr algn="r"/>
+            <a:pPr algn="r">
+              <a:lnSpc>
+                <a:spcPct val="100000"/>
+              </a:lnSpc>
+            </a:pPr>
             <a:r>
               <a:rPr b="1" lang="en-US" sz="1400" spc="-1" strike="noStrike">
+                <a:solidFill>
+                  <a:srgbClr val="000000"/>
+                </a:solidFill>
                 <a:latin typeface="Arial"/>
+                <a:ea typeface="DejaVu Sans"/>
               </a:rPr>
               <a:t>הודעות חשובות</a:t>
             </a:r>
-            <a:endParaRPr b="1" lang="en-US" sz="1400" spc="-1" strike="noStrike">
+            <a:endParaRPr b="0" lang="en-US" sz="1400" spc="-1" strike="noStrike">
               <a:latin typeface="Arial"/>
             </a:endParaRPr>
           </a:p>
@@ -5090,20 +7314,20 @@
       </p:sp>
       <p:sp>
         <p:nvSpPr>
-          <p:cNvPr id="119" name="CustomShape 6"/>
+          <p:cNvPr id="111" name="CustomShape 6"/>
           <p:cNvSpPr/>
           <p:nvPr/>
         </p:nvSpPr>
         <p:spPr>
           <a:xfrm>
             <a:off x="3749040" y="182880"/>
-            <a:ext cx="182880" cy="91440"/>
+            <a:ext cx="182520" cy="91080"/>
           </a:xfrm>
           <a:custGeom>
             <a:avLst/>
             <a:gdLst/>
             <a:ahLst/>
-            <a:rect l="0" t="0" r="r" b="b"/>
+            <a:rect l="l" t="t" r="r" b="b"/>
             <a:pathLst>
               <a:path w="510" h="256">
                 <a:moveTo>
@@ -5139,14 +7363,14 @@
       </p:sp>
       <p:sp>
         <p:nvSpPr>
-          <p:cNvPr id="120" name="TextShape 7"/>
-          <p:cNvSpPr txBox="1"/>
+          <p:cNvPr id="112" name="CustomShape 7"/>
+          <p:cNvSpPr/>
           <p:nvPr/>
         </p:nvSpPr>
         <p:spPr>
           <a:xfrm>
             <a:off x="182880" y="91440"/>
-            <a:ext cx="2286000" cy="346320"/>
+            <a:ext cx="2285640" cy="345960"/>
           </a:xfrm>
           <a:prstGeom prst="rect">
             <a:avLst/>
@@ -5156,10 +7380,20 @@
             <a:noFill/>
           </a:ln>
         </p:spPr>
+        <p:style>
+          <a:lnRef idx="0"/>
+          <a:fillRef idx="0"/>
+          <a:effectRef idx="0"/>
+          <a:fontRef idx="minor"/>
+        </p:style>
         <p:txBody>
           <a:bodyPr lIns="90000" rIns="90000" tIns="45000" bIns="45000"/>
           <a:p>
-            <a:pPr algn="ctr"/>
+            <a:pPr algn="ctr">
+              <a:lnSpc>
+                <a:spcPct val="100000"/>
+              </a:lnSpc>
+            </a:pPr>
             <a:r>
               <a:rPr b="0" lang="en-US" sz="1400" spc="-1" strike="noStrike">
                 <a:solidFill>
@@ -5170,9 +7404,1207 @@
               <a:t>ברוכה הבאה, מיכל</a:t>
             </a:r>
             <a:endParaRPr b="0" lang="en-US" sz="1400" spc="-1" strike="noStrike">
-              <a:solidFill>
-                <a:srgbClr val="ffffff"/>
-              </a:solidFill>
+              <a:latin typeface="Arial"/>
+            </a:endParaRPr>
+          </a:p>
+        </p:txBody>
+      </p:sp>
+      <p:sp>
+        <p:nvSpPr>
+          <p:cNvPr id="113" name="CustomShape 8"/>
+          <p:cNvSpPr/>
+          <p:nvPr/>
+        </p:nvSpPr>
+        <p:spPr>
+          <a:xfrm>
+            <a:off x="3200400" y="365760"/>
+            <a:ext cx="2285640" cy="1554120"/>
+          </a:xfrm>
+          <a:prstGeom prst="rect">
+            <a:avLst/>
+          </a:prstGeom>
+          <a:solidFill>
+            <a:srgbClr val="f79448"/>
+          </a:solidFill>
+          <a:ln>
+            <a:solidFill>
+              <a:srgbClr val="ffffff"/>
+            </a:solidFill>
+          </a:ln>
+        </p:spPr>
+        <p:style>
+          <a:lnRef idx="0"/>
+          <a:fillRef idx="0"/>
+          <a:effectRef idx="0"/>
+          <a:fontRef idx="minor"/>
+        </p:style>
+      </p:sp>
+      <p:sp>
+        <p:nvSpPr>
+          <p:cNvPr id="114" name="CustomShape 9"/>
+          <p:cNvSpPr/>
+          <p:nvPr/>
+        </p:nvSpPr>
+        <p:spPr>
+          <a:xfrm>
+            <a:off x="3291840" y="444960"/>
+            <a:ext cx="2102760" cy="345960"/>
+          </a:xfrm>
+          <a:prstGeom prst="rect">
+            <a:avLst/>
+          </a:prstGeom>
+          <a:noFill/>
+          <a:ln>
+            <a:noFill/>
+          </a:ln>
+        </p:spPr>
+        <p:style>
+          <a:lnRef idx="0"/>
+          <a:fillRef idx="0"/>
+          <a:effectRef idx="0"/>
+          <a:fontRef idx="minor"/>
+        </p:style>
+        <p:txBody>
+          <a:bodyPr lIns="90000" rIns="90000" tIns="45000" bIns="45000"/>
+          <a:p>
+            <a:pPr algn="ctr">
+              <a:lnSpc>
+                <a:spcPct val="100000"/>
+              </a:lnSpc>
+            </a:pPr>
+            <a:r>
+              <a:rPr b="0" lang="en-US" sz="1400" spc="-1" strike="noStrike">
+                <a:latin typeface="Arial"/>
+              </a:rPr>
+              <a:t>הוספת הודעות</a:t>
+            </a:r>
+            <a:endParaRPr b="0" lang="en-US" sz="1400" spc="-1" strike="noStrike">
+              <a:latin typeface="Arial"/>
+            </a:endParaRPr>
+          </a:p>
+        </p:txBody>
+      </p:sp>
+      <p:sp>
+        <p:nvSpPr>
+          <p:cNvPr id="115" name="Line 10"/>
+          <p:cNvSpPr/>
+          <p:nvPr/>
+        </p:nvSpPr>
+        <p:spPr>
+          <a:xfrm>
+            <a:off x="3291840" y="822960"/>
+            <a:ext cx="2103120" cy="360"/>
+          </a:xfrm>
+          <a:prstGeom prst="line">
+            <a:avLst/>
+          </a:prstGeom>
+          <a:ln>
+            <a:solidFill>
+              <a:srgbClr val="000000"/>
+            </a:solidFill>
+          </a:ln>
+        </p:spPr>
+        <p:style>
+          <a:lnRef idx="0"/>
+          <a:fillRef idx="0"/>
+          <a:effectRef idx="0"/>
+          <a:fontRef idx="minor"/>
+        </p:style>
+      </p:sp>
+      <p:sp>
+        <p:nvSpPr>
+          <p:cNvPr id="116" name="Line 11"/>
+          <p:cNvSpPr/>
+          <p:nvPr/>
+        </p:nvSpPr>
+        <p:spPr>
+          <a:xfrm>
+            <a:off x="3291840" y="1371600"/>
+            <a:ext cx="2103120" cy="360"/>
+          </a:xfrm>
+          <a:prstGeom prst="line">
+            <a:avLst/>
+          </a:prstGeom>
+          <a:ln>
+            <a:solidFill>
+              <a:srgbClr val="000000"/>
+            </a:solidFill>
+          </a:ln>
+        </p:spPr>
+        <p:style>
+          <a:lnRef idx="0"/>
+          <a:fillRef idx="0"/>
+          <a:effectRef idx="0"/>
+          <a:fontRef idx="minor"/>
+        </p:style>
+      </p:sp>
+      <p:sp>
+        <p:nvSpPr>
+          <p:cNvPr id="117" name="Line 12"/>
+          <p:cNvSpPr/>
+          <p:nvPr/>
+        </p:nvSpPr>
+        <p:spPr>
+          <a:xfrm>
+            <a:off x="3291840" y="1371600"/>
+            <a:ext cx="2103120" cy="360"/>
+          </a:xfrm>
+          <a:prstGeom prst="line">
+            <a:avLst/>
+          </a:prstGeom>
+          <a:ln>
+            <a:solidFill>
+              <a:srgbClr val="000000"/>
+            </a:solidFill>
+          </a:ln>
+        </p:spPr>
+        <p:style>
+          <a:lnRef idx="0"/>
+          <a:fillRef idx="0"/>
+          <a:effectRef idx="0"/>
+          <a:fontRef idx="minor"/>
+        </p:style>
+      </p:sp>
+      <p:sp>
+        <p:nvSpPr>
+          <p:cNvPr id="118" name="CustomShape 13"/>
+          <p:cNvSpPr/>
+          <p:nvPr/>
+        </p:nvSpPr>
+        <p:spPr>
+          <a:xfrm>
+            <a:off x="3200400" y="914400"/>
+            <a:ext cx="2377080" cy="601920"/>
+          </a:xfrm>
+          <a:prstGeom prst="rect">
+            <a:avLst/>
+          </a:prstGeom>
+          <a:noFill/>
+          <a:ln>
+            <a:noFill/>
+          </a:ln>
+        </p:spPr>
+        <p:style>
+          <a:lnRef idx="0"/>
+          <a:fillRef idx="0"/>
+          <a:effectRef idx="0"/>
+          <a:fontRef idx="minor"/>
+        </p:style>
+        <p:txBody>
+          <a:bodyPr lIns="90000" rIns="90000" tIns="45000" bIns="45000"/>
+          <a:p>
+            <a:pPr algn="ctr">
+              <a:lnSpc>
+                <a:spcPct val="100000"/>
+              </a:lnSpc>
+            </a:pPr>
+            <a:r>
+              <a:rPr b="0" lang="en-US" sz="1400" spc="-1" strike="noStrike">
+                <a:latin typeface="Arial"/>
+              </a:rPr>
+              <a:t>צפייה ברשימת ההודעות</a:t>
+            </a:r>
+            <a:endParaRPr b="0" lang="en-US" sz="1400" spc="-1" strike="noStrike">
+              <a:latin typeface="Arial"/>
+            </a:endParaRPr>
+          </a:p>
+        </p:txBody>
+      </p:sp>
+      <p:graphicFrame>
+        <p:nvGraphicFramePr>
+          <p:cNvPr id="119" name="Table 14"/>
+          <p:cNvGraphicFramePr/>
+          <p:nvPr/>
+        </p:nvGraphicFramePr>
+        <p:xfrm>
+          <a:off x="430920" y="3056760"/>
+          <a:ext cx="5075280" cy="4573800"/>
+        </p:xfrm>
+        <a:graphic>
+          <a:graphicData uri="http://schemas.openxmlformats.org/drawingml/2006/table">
+            <a:tbl>
+              <a:tblPr/>
+              <a:tblGrid>
+                <a:gridCol w="1691640"/>
+                <a:gridCol w="1691640"/>
+                <a:gridCol w="1691640"/>
+                <a:gridCol w="1691640"/>
+                <a:gridCol w="1692360"/>
+              </a:tblGrid>
+              <a:tr h="508320">
+                <a:tc>
+                  <a:tcPr marL="90000" marR="90000">
+                    <a:lnL w="720">
+                      <a:solidFill>
+                        <a:srgbClr val="ffffff"/>
+                      </a:solidFill>
+                    </a:lnL>
+                    <a:lnR w="720">
+                      <a:solidFill>
+                        <a:srgbClr val="ffffff"/>
+                      </a:solidFill>
+                    </a:lnR>
+                    <a:lnT w="720">
+                      <a:solidFill>
+                        <a:srgbClr val="ffffff"/>
+                      </a:solidFill>
+                    </a:lnT>
+                    <a:lnB w="720">
+                      <a:solidFill>
+                        <a:srgbClr val="ffffff"/>
+                      </a:solidFill>
+                    </a:lnB>
+                    <a:solidFill>
+                      <a:srgbClr val="b3b3b3"/>
+                    </a:solidFill>
+                  </a:tcPr>
+                </a:tc>
+                <a:tc>
+                  <a:tcPr marL="90000" marR="90000">
+                    <a:lnL w="720">
+                      <a:solidFill>
+                        <a:srgbClr val="ffffff"/>
+                      </a:solidFill>
+                    </a:lnL>
+                    <a:lnR w="720">
+                      <a:solidFill>
+                        <a:srgbClr val="ffffff"/>
+                      </a:solidFill>
+                    </a:lnR>
+                    <a:lnT w="720">
+                      <a:solidFill>
+                        <a:srgbClr val="ffffff"/>
+                      </a:solidFill>
+                    </a:lnT>
+                    <a:lnB w="720">
+                      <a:solidFill>
+                        <a:srgbClr val="ffffff"/>
+                      </a:solidFill>
+                    </a:lnB>
+                    <a:solidFill>
+                      <a:srgbClr val="b3b3b3"/>
+                    </a:solidFill>
+                  </a:tcPr>
+                </a:tc>
+                <a:tc>
+                  <a:txBody>
+                    <a:bodyPr lIns="90000" rIns="90000" tIns="46800" bIns="46800"/>
+                    <a:p>
+                      <a:pPr algn="ctr"/>
+                      <a:r>
+                        <a:rPr b="0" lang="en-US" sz="1800" spc="-1" strike="noStrike">
+                          <a:latin typeface="Arial"/>
+                        </a:rPr>
+                        <a:t>תוכן</a:t>
+                      </a:r>
+                      <a:endParaRPr b="0" lang="en-US" sz="1800" spc="-1" strike="noStrike">
+                        <a:latin typeface="Arial"/>
+                      </a:endParaRPr>
+                    </a:p>
+                  </a:txBody>
+                  <a:tcPr marL="90000" marR="90000">
+                    <a:lnL w="720">
+                      <a:solidFill>
+                        <a:srgbClr val="ffffff"/>
+                      </a:solidFill>
+                    </a:lnL>
+                    <a:lnR w="720">
+                      <a:solidFill>
+                        <a:srgbClr val="ffffff"/>
+                      </a:solidFill>
+                    </a:lnR>
+                    <a:lnT w="720">
+                      <a:solidFill>
+                        <a:srgbClr val="ffffff"/>
+                      </a:solidFill>
+                    </a:lnT>
+                    <a:lnB w="720">
+                      <a:solidFill>
+                        <a:srgbClr val="ffffff"/>
+                      </a:solidFill>
+                    </a:lnB>
+                    <a:solidFill>
+                      <a:srgbClr val="b3b3b3"/>
+                    </a:solidFill>
+                  </a:tcPr>
+                </a:tc>
+                <a:tc>
+                  <a:txBody>
+                    <a:bodyPr lIns="90000" rIns="90000" tIns="46800" bIns="46800"/>
+                    <a:p>
+                      <a:pPr algn="ctr"/>
+                      <a:r>
+                        <a:rPr b="0" lang="en-US" sz="1800" spc="-1" strike="noStrike">
+                          <a:latin typeface="Arial"/>
+                        </a:rPr>
+                        <a:t>תאריך</a:t>
+                      </a:r>
+                      <a:endParaRPr b="0" lang="en-US" sz="1800" spc="-1" strike="noStrike">
+                        <a:latin typeface="Arial"/>
+                      </a:endParaRPr>
+                    </a:p>
+                  </a:txBody>
+                  <a:tcPr marL="90000" marR="90000">
+                    <a:lnL w="720">
+                      <a:solidFill>
+                        <a:srgbClr val="ffffff"/>
+                      </a:solidFill>
+                    </a:lnL>
+                    <a:lnR w="720">
+                      <a:solidFill>
+                        <a:srgbClr val="ffffff"/>
+                      </a:solidFill>
+                    </a:lnR>
+                    <a:lnT w="720">
+                      <a:solidFill>
+                        <a:srgbClr val="ffffff"/>
+                      </a:solidFill>
+                    </a:lnT>
+                    <a:lnB w="720">
+                      <a:solidFill>
+                        <a:srgbClr val="ffffff"/>
+                      </a:solidFill>
+                    </a:lnB>
+                    <a:solidFill>
+                      <a:srgbClr val="b3b3b3"/>
+                    </a:solidFill>
+                  </a:tcPr>
+                </a:tc>
+                <a:tc>
+                  <a:txBody>
+                    <a:bodyPr lIns="90000" rIns="90000" tIns="46800" bIns="46800"/>
+                    <a:p>
+                      <a:pPr algn="ctr"/>
+                      <a:r>
+                        <a:rPr b="0" lang="en-US" sz="1800" spc="-1" strike="noStrike">
+                          <a:latin typeface="Arial"/>
+                        </a:rPr>
+                        <a:t>שם</a:t>
+                      </a:r>
+                      <a:endParaRPr b="0" lang="en-US" sz="1800" spc="-1" strike="noStrike">
+                        <a:latin typeface="Arial"/>
+                      </a:endParaRPr>
+                    </a:p>
+                  </a:txBody>
+                  <a:tcPr marL="90000" marR="90000">
+                    <a:lnL w="720">
+                      <a:solidFill>
+                        <a:srgbClr val="ffffff"/>
+                      </a:solidFill>
+                    </a:lnL>
+                    <a:lnR w="720">
+                      <a:solidFill>
+                        <a:srgbClr val="ffffff"/>
+                      </a:solidFill>
+                    </a:lnR>
+                    <a:lnT w="720">
+                      <a:solidFill>
+                        <a:srgbClr val="ffffff"/>
+                      </a:solidFill>
+                    </a:lnT>
+                    <a:lnB w="720">
+                      <a:solidFill>
+                        <a:srgbClr val="ffffff"/>
+                      </a:solidFill>
+                    </a:lnB>
+                    <a:solidFill>
+                      <a:srgbClr val="b3b3b3"/>
+                    </a:solidFill>
+                  </a:tcPr>
+                </a:tc>
+              </a:tr>
+              <a:tr h="508320">
+                <a:tc>
+                  <a:txBody>
+                    <a:bodyPr lIns="90000" rIns="90000" tIns="46800" bIns="46800"/>
+                    <a:p>
+                      <a:pPr algn="ctr"/>
+                      <a:r>
+                        <a:rPr b="0" lang="en-US" sz="1800" spc="-1" strike="noStrike">
+                          <a:latin typeface="Arial"/>
+                        </a:rPr>
+                        <a:t>מחיקה</a:t>
+                      </a:r>
+                      <a:endParaRPr b="0" lang="en-US" sz="1800" spc="-1" strike="noStrike">
+                        <a:latin typeface="Arial"/>
+                      </a:endParaRPr>
+                    </a:p>
+                  </a:txBody>
+                  <a:tcPr marL="90000" marR="90000">
+                    <a:lnL w="720">
+                      <a:solidFill>
+                        <a:srgbClr val="ffffff"/>
+                      </a:solidFill>
+                    </a:lnL>
+                    <a:lnR w="720">
+                      <a:solidFill>
+                        <a:srgbClr val="ffffff"/>
+                      </a:solidFill>
+                    </a:lnR>
+                    <a:lnT w="720">
+                      <a:solidFill>
+                        <a:srgbClr val="ffffff"/>
+                      </a:solidFill>
+                    </a:lnT>
+                    <a:lnB w="720">
+                      <a:solidFill>
+                        <a:srgbClr val="ffffff"/>
+                      </a:solidFill>
+                    </a:lnB>
+                    <a:solidFill>
+                      <a:srgbClr val="cccccc"/>
+                    </a:solidFill>
+                  </a:tcPr>
+                </a:tc>
+                <a:tc>
+                  <a:txBody>
+                    <a:bodyPr lIns="90000" rIns="90000" tIns="46800" bIns="46800"/>
+                    <a:p>
+                      <a:pPr algn="ctr"/>
+                      <a:r>
+                        <a:rPr b="0" lang="en-US" sz="1800" spc="-1" strike="noStrike">
+                          <a:latin typeface="Arial"/>
+                        </a:rPr>
+                        <a:t>עריכה</a:t>
+                      </a:r>
+                      <a:endParaRPr b="0" lang="en-US" sz="1800" spc="-1" strike="noStrike">
+                        <a:latin typeface="Arial"/>
+                      </a:endParaRPr>
+                    </a:p>
+                  </a:txBody>
+                  <a:tcPr marL="90000" marR="90000">
+                    <a:lnL w="720">
+                      <a:solidFill>
+                        <a:srgbClr val="ffffff"/>
+                      </a:solidFill>
+                    </a:lnL>
+                    <a:lnR w="720">
+                      <a:solidFill>
+                        <a:srgbClr val="ffffff"/>
+                      </a:solidFill>
+                    </a:lnR>
+                    <a:lnT w="720">
+                      <a:solidFill>
+                        <a:srgbClr val="ffffff"/>
+                      </a:solidFill>
+                    </a:lnT>
+                    <a:lnB w="720">
+                      <a:solidFill>
+                        <a:srgbClr val="ffffff"/>
+                      </a:solidFill>
+                    </a:lnB>
+                    <a:solidFill>
+                      <a:srgbClr val="cccccc"/>
+                    </a:solidFill>
+                  </a:tcPr>
+                </a:tc>
+                <a:tc>
+                  <a:tcPr marL="90000" marR="90000">
+                    <a:lnL w="720">
+                      <a:solidFill>
+                        <a:srgbClr val="ffffff"/>
+                      </a:solidFill>
+                    </a:lnL>
+                    <a:lnR w="720">
+                      <a:solidFill>
+                        <a:srgbClr val="ffffff"/>
+                      </a:solidFill>
+                    </a:lnR>
+                    <a:lnT w="720">
+                      <a:solidFill>
+                        <a:srgbClr val="ffffff"/>
+                      </a:solidFill>
+                    </a:lnT>
+                    <a:lnB w="720">
+                      <a:solidFill>
+                        <a:srgbClr val="ffffff"/>
+                      </a:solidFill>
+                    </a:lnB>
+                    <a:solidFill>
+                      <a:srgbClr val="cccccc"/>
+                    </a:solidFill>
+                  </a:tcPr>
+                </a:tc>
+                <a:tc>
+                  <a:tcPr marL="90000" marR="90000">
+                    <a:lnL w="720">
+                      <a:solidFill>
+                        <a:srgbClr val="ffffff"/>
+                      </a:solidFill>
+                    </a:lnL>
+                    <a:lnR w="720">
+                      <a:solidFill>
+                        <a:srgbClr val="ffffff"/>
+                      </a:solidFill>
+                    </a:lnR>
+                    <a:lnT w="720">
+                      <a:solidFill>
+                        <a:srgbClr val="ffffff"/>
+                      </a:solidFill>
+                    </a:lnT>
+                    <a:lnB w="720">
+                      <a:solidFill>
+                        <a:srgbClr val="ffffff"/>
+                      </a:solidFill>
+                    </a:lnB>
+                    <a:solidFill>
+                      <a:srgbClr val="cccccc"/>
+                    </a:solidFill>
+                  </a:tcPr>
+                </a:tc>
+                <a:tc>
+                  <a:txBody>
+                    <a:bodyPr lIns="90000" rIns="90000" tIns="46800" bIns="46800"/>
+                    <a:p>
+                      <a:pPr algn="ctr"/>
+                      <a:r>
+                        <a:rPr b="0" lang="en-US" sz="1800" spc="-1" strike="noStrike" u="sng">
+                          <a:solidFill>
+                            <a:srgbClr val="7da7d8"/>
+                          </a:solidFill>
+                          <a:uFillTx/>
+                          <a:latin typeface="Arial"/>
+                        </a:rPr>
+                        <a:t>הודעה </a:t>
+                      </a:r>
+                      <a:r>
+                        <a:rPr b="0" lang="en-US" sz="1800" spc="-1" strike="noStrike" u="sng">
+                          <a:solidFill>
+                            <a:srgbClr val="7da7d8"/>
+                          </a:solidFill>
+                          <a:uFillTx/>
+                          <a:latin typeface="Arial"/>
+                        </a:rPr>
+                        <a:t>1</a:t>
+                      </a:r>
+                      <a:endParaRPr b="0" lang="en-US" sz="1800" spc="-1" strike="noStrike" u="sng">
+                        <a:solidFill>
+                          <a:srgbClr val="7da7d8"/>
+                        </a:solidFill>
+                        <a:uFillTx/>
+                        <a:latin typeface="Arial"/>
+                      </a:endParaRPr>
+                    </a:p>
+                  </a:txBody>
+                  <a:tcPr marL="90000" marR="90000">
+                    <a:lnL w="720">
+                      <a:solidFill>
+                        <a:srgbClr val="ffffff"/>
+                      </a:solidFill>
+                    </a:lnL>
+                    <a:lnR w="720">
+                      <a:solidFill>
+                        <a:srgbClr val="ffffff"/>
+                      </a:solidFill>
+                    </a:lnR>
+                    <a:lnT w="720">
+                      <a:solidFill>
+                        <a:srgbClr val="ffffff"/>
+                      </a:solidFill>
+                    </a:lnT>
+                    <a:lnB w="720">
+                      <a:solidFill>
+                        <a:srgbClr val="ffffff"/>
+                      </a:solidFill>
+                    </a:lnB>
+                    <a:solidFill>
+                      <a:srgbClr val="cccccc"/>
+                    </a:solidFill>
+                  </a:tcPr>
+                </a:tc>
+              </a:tr>
+              <a:tr h="508320">
+                <a:tc>
+                  <a:tcPr marL="90000" marR="90000">
+                    <a:lnL w="720">
+                      <a:solidFill>
+                        <a:srgbClr val="ffffff"/>
+                      </a:solidFill>
+                    </a:lnL>
+                    <a:lnR w="720">
+                      <a:solidFill>
+                        <a:srgbClr val="ffffff"/>
+                      </a:solidFill>
+                    </a:lnR>
+                    <a:lnT w="720">
+                      <a:solidFill>
+                        <a:srgbClr val="ffffff"/>
+                      </a:solidFill>
+                    </a:lnT>
+                    <a:lnB w="720">
+                      <a:solidFill>
+                        <a:srgbClr val="ffffff"/>
+                      </a:solidFill>
+                    </a:lnB>
+                    <a:solidFill>
+                      <a:srgbClr val="e6e6e6"/>
+                    </a:solidFill>
+                  </a:tcPr>
+                </a:tc>
+                <a:tc>
+                  <a:tcPr marL="90000" marR="90000">
+                    <a:lnL w="720">
+                      <a:solidFill>
+                        <a:srgbClr val="ffffff"/>
+                      </a:solidFill>
+                    </a:lnL>
+                    <a:lnR w="720">
+                      <a:solidFill>
+                        <a:srgbClr val="ffffff"/>
+                      </a:solidFill>
+                    </a:lnR>
+                    <a:lnT w="720">
+                      <a:solidFill>
+                        <a:srgbClr val="ffffff"/>
+                      </a:solidFill>
+                    </a:lnT>
+                    <a:lnB w="720">
+                      <a:solidFill>
+                        <a:srgbClr val="ffffff"/>
+                      </a:solidFill>
+                    </a:lnB>
+                    <a:solidFill>
+                      <a:srgbClr val="e6e6e6"/>
+                    </a:solidFill>
+                  </a:tcPr>
+                </a:tc>
+                <a:tc>
+                  <a:tcPr marL="90000" marR="90000">
+                    <a:lnL w="720">
+                      <a:solidFill>
+                        <a:srgbClr val="ffffff"/>
+                      </a:solidFill>
+                    </a:lnL>
+                    <a:lnR w="720">
+                      <a:solidFill>
+                        <a:srgbClr val="ffffff"/>
+                      </a:solidFill>
+                    </a:lnR>
+                    <a:lnT w="720">
+                      <a:solidFill>
+                        <a:srgbClr val="ffffff"/>
+                      </a:solidFill>
+                    </a:lnT>
+                    <a:lnB w="720">
+                      <a:solidFill>
+                        <a:srgbClr val="ffffff"/>
+                      </a:solidFill>
+                    </a:lnB>
+                    <a:solidFill>
+                      <a:srgbClr val="e6e6e6"/>
+                    </a:solidFill>
+                  </a:tcPr>
+                </a:tc>
+                <a:tc>
+                  <a:tcPr marL="90000" marR="90000">
+                    <a:lnL w="720">
+                      <a:solidFill>
+                        <a:srgbClr val="ffffff"/>
+                      </a:solidFill>
+                    </a:lnL>
+                    <a:lnR w="720">
+                      <a:solidFill>
+                        <a:srgbClr val="ffffff"/>
+                      </a:solidFill>
+                    </a:lnR>
+                    <a:lnT w="720">
+                      <a:solidFill>
+                        <a:srgbClr val="ffffff"/>
+                      </a:solidFill>
+                    </a:lnT>
+                    <a:lnB w="720">
+                      <a:solidFill>
+                        <a:srgbClr val="ffffff"/>
+                      </a:solidFill>
+                    </a:lnB>
+                    <a:solidFill>
+                      <a:srgbClr val="e6e6e6"/>
+                    </a:solidFill>
+                  </a:tcPr>
+                </a:tc>
+                <a:tc>
+                  <a:tcPr marL="90000" marR="90000">
+                    <a:lnL w="720">
+                      <a:solidFill>
+                        <a:srgbClr val="ffffff"/>
+                      </a:solidFill>
+                    </a:lnL>
+                    <a:lnR w="720">
+                      <a:solidFill>
+                        <a:srgbClr val="ffffff"/>
+                      </a:solidFill>
+                    </a:lnR>
+                    <a:lnT w="720">
+                      <a:solidFill>
+                        <a:srgbClr val="ffffff"/>
+                      </a:solidFill>
+                    </a:lnT>
+                    <a:lnB w="720">
+                      <a:solidFill>
+                        <a:srgbClr val="ffffff"/>
+                      </a:solidFill>
+                    </a:lnB>
+                    <a:solidFill>
+                      <a:srgbClr val="e6e6e6"/>
+                    </a:solidFill>
+                  </a:tcPr>
+                </a:tc>
+              </a:tr>
+              <a:tr h="508320">
+                <a:tc>
+                  <a:tcPr marL="90000" marR="90000">
+                    <a:lnL w="720">
+                      <a:solidFill>
+                        <a:srgbClr val="ffffff"/>
+                      </a:solidFill>
+                    </a:lnL>
+                    <a:lnR w="720">
+                      <a:solidFill>
+                        <a:srgbClr val="ffffff"/>
+                      </a:solidFill>
+                    </a:lnR>
+                    <a:lnT w="720">
+                      <a:solidFill>
+                        <a:srgbClr val="ffffff"/>
+                      </a:solidFill>
+                    </a:lnT>
+                    <a:lnB w="720">
+                      <a:solidFill>
+                        <a:srgbClr val="ffffff"/>
+                      </a:solidFill>
+                    </a:lnB>
+                    <a:solidFill>
+                      <a:srgbClr val="cccccc"/>
+                    </a:solidFill>
+                  </a:tcPr>
+                </a:tc>
+                <a:tc>
+                  <a:tcPr marL="90000" marR="90000">
+                    <a:lnL w="720">
+                      <a:solidFill>
+                        <a:srgbClr val="ffffff"/>
+                      </a:solidFill>
+                    </a:lnL>
+                    <a:lnR w="720">
+                      <a:solidFill>
+                        <a:srgbClr val="ffffff"/>
+                      </a:solidFill>
+                    </a:lnR>
+                    <a:lnT w="720">
+                      <a:solidFill>
+                        <a:srgbClr val="ffffff"/>
+                      </a:solidFill>
+                    </a:lnT>
+                    <a:lnB w="720">
+                      <a:solidFill>
+                        <a:srgbClr val="ffffff"/>
+                      </a:solidFill>
+                    </a:lnB>
+                    <a:solidFill>
+                      <a:srgbClr val="cccccc"/>
+                    </a:solidFill>
+                  </a:tcPr>
+                </a:tc>
+                <a:tc>
+                  <a:tcPr marL="90000" marR="90000">
+                    <a:lnL w="720">
+                      <a:solidFill>
+                        <a:srgbClr val="ffffff"/>
+                      </a:solidFill>
+                    </a:lnL>
+                    <a:lnR w="720">
+                      <a:solidFill>
+                        <a:srgbClr val="ffffff"/>
+                      </a:solidFill>
+                    </a:lnR>
+                    <a:lnT w="720">
+                      <a:solidFill>
+                        <a:srgbClr val="ffffff"/>
+                      </a:solidFill>
+                    </a:lnT>
+                    <a:lnB w="720">
+                      <a:solidFill>
+                        <a:srgbClr val="ffffff"/>
+                      </a:solidFill>
+                    </a:lnB>
+                    <a:solidFill>
+                      <a:srgbClr val="cccccc"/>
+                    </a:solidFill>
+                  </a:tcPr>
+                </a:tc>
+                <a:tc>
+                  <a:tcPr marL="90000" marR="90000">
+                    <a:lnL w="720">
+                      <a:solidFill>
+                        <a:srgbClr val="ffffff"/>
+                      </a:solidFill>
+                    </a:lnL>
+                    <a:lnR w="720">
+                      <a:solidFill>
+                        <a:srgbClr val="ffffff"/>
+                      </a:solidFill>
+                    </a:lnR>
+                    <a:lnT w="720">
+                      <a:solidFill>
+                        <a:srgbClr val="ffffff"/>
+                      </a:solidFill>
+                    </a:lnT>
+                    <a:lnB w="720">
+                      <a:solidFill>
+                        <a:srgbClr val="ffffff"/>
+                      </a:solidFill>
+                    </a:lnB>
+                    <a:solidFill>
+                      <a:srgbClr val="cccccc"/>
+                    </a:solidFill>
+                  </a:tcPr>
+                </a:tc>
+                <a:tc>
+                  <a:tcPr marL="90000" marR="90000">
+                    <a:lnL w="720">
+                      <a:solidFill>
+                        <a:srgbClr val="ffffff"/>
+                      </a:solidFill>
+                    </a:lnL>
+                    <a:lnR w="720">
+                      <a:solidFill>
+                        <a:srgbClr val="ffffff"/>
+                      </a:solidFill>
+                    </a:lnR>
+                    <a:lnT w="720">
+                      <a:solidFill>
+                        <a:srgbClr val="ffffff"/>
+                      </a:solidFill>
+                    </a:lnT>
+                    <a:lnB w="720">
+                      <a:solidFill>
+                        <a:srgbClr val="ffffff"/>
+                      </a:solidFill>
+                    </a:lnB>
+                    <a:solidFill>
+                      <a:srgbClr val="cccccc"/>
+                    </a:solidFill>
+                  </a:tcPr>
+                </a:tc>
+              </a:tr>
+              <a:tr h="508320">
+                <a:tc>
+                  <a:tcPr marL="90000" marR="90000">
+                    <a:lnL w="720">
+                      <a:solidFill>
+                        <a:srgbClr val="ffffff"/>
+                      </a:solidFill>
+                    </a:lnL>
+                    <a:lnR w="720">
+                      <a:solidFill>
+                        <a:srgbClr val="ffffff"/>
+                      </a:solidFill>
+                    </a:lnR>
+                    <a:lnT w="720">
+                      <a:solidFill>
+                        <a:srgbClr val="ffffff"/>
+                      </a:solidFill>
+                    </a:lnT>
+                    <a:lnB w="720">
+                      <a:solidFill>
+                        <a:srgbClr val="ffffff"/>
+                      </a:solidFill>
+                    </a:lnB>
+                    <a:solidFill>
+                      <a:srgbClr val="e6e6e6"/>
+                    </a:solidFill>
+                  </a:tcPr>
+                </a:tc>
+                <a:tc>
+                  <a:tcPr marL="90000" marR="90000">
+                    <a:lnL w="720">
+                      <a:solidFill>
+                        <a:srgbClr val="ffffff"/>
+                      </a:solidFill>
+                    </a:lnL>
+                    <a:lnR w="720">
+                      <a:solidFill>
+                        <a:srgbClr val="ffffff"/>
+                      </a:solidFill>
+                    </a:lnR>
+                    <a:lnT w="720">
+                      <a:solidFill>
+                        <a:srgbClr val="ffffff"/>
+                      </a:solidFill>
+                    </a:lnT>
+                    <a:lnB w="720">
+                      <a:solidFill>
+                        <a:srgbClr val="ffffff"/>
+                      </a:solidFill>
+                    </a:lnB>
+                    <a:solidFill>
+                      <a:srgbClr val="e6e6e6"/>
+                    </a:solidFill>
+                  </a:tcPr>
+                </a:tc>
+                <a:tc>
+                  <a:tcPr marL="90000" marR="90000">
+                    <a:lnL w="720">
+                      <a:solidFill>
+                        <a:srgbClr val="ffffff"/>
+                      </a:solidFill>
+                    </a:lnL>
+                    <a:lnR w="720">
+                      <a:solidFill>
+                        <a:srgbClr val="ffffff"/>
+                      </a:solidFill>
+                    </a:lnR>
+                    <a:lnT w="720">
+                      <a:solidFill>
+                        <a:srgbClr val="ffffff"/>
+                      </a:solidFill>
+                    </a:lnT>
+                    <a:lnB w="720">
+                      <a:solidFill>
+                        <a:srgbClr val="ffffff"/>
+                      </a:solidFill>
+                    </a:lnB>
+                    <a:solidFill>
+                      <a:srgbClr val="e6e6e6"/>
+                    </a:solidFill>
+                  </a:tcPr>
+                </a:tc>
+                <a:tc>
+                  <a:tcPr marL="90000" marR="90000">
+                    <a:lnL w="720">
+                      <a:solidFill>
+                        <a:srgbClr val="ffffff"/>
+                      </a:solidFill>
+                    </a:lnL>
+                    <a:lnR w="720">
+                      <a:solidFill>
+                        <a:srgbClr val="ffffff"/>
+                      </a:solidFill>
+                    </a:lnR>
+                    <a:lnT w="720">
+                      <a:solidFill>
+                        <a:srgbClr val="ffffff"/>
+                      </a:solidFill>
+                    </a:lnT>
+                    <a:lnB w="720">
+                      <a:solidFill>
+                        <a:srgbClr val="ffffff"/>
+                      </a:solidFill>
+                    </a:lnB>
+                    <a:solidFill>
+                      <a:srgbClr val="e6e6e6"/>
+                    </a:solidFill>
+                  </a:tcPr>
+                </a:tc>
+                <a:tc>
+                  <a:tcPr marL="90000" marR="90000">
+                    <a:lnL w="720">
+                      <a:solidFill>
+                        <a:srgbClr val="ffffff"/>
+                      </a:solidFill>
+                    </a:lnL>
+                    <a:lnR w="720">
+                      <a:solidFill>
+                        <a:srgbClr val="ffffff"/>
+                      </a:solidFill>
+                    </a:lnR>
+                    <a:lnT w="720">
+                      <a:solidFill>
+                        <a:srgbClr val="ffffff"/>
+                      </a:solidFill>
+                    </a:lnT>
+                    <a:lnB w="720">
+                      <a:solidFill>
+                        <a:srgbClr val="ffffff"/>
+                      </a:solidFill>
+                    </a:lnB>
+                    <a:solidFill>
+                      <a:srgbClr val="e6e6e6"/>
+                    </a:solidFill>
+                  </a:tcPr>
+                </a:tc>
+              </a:tr>
+              <a:tr h="508320">
+                <a:tc>
+                  <a:tcPr marL="90000" marR="90000">
+                    <a:lnL w="720">
+                      <a:solidFill>
+                        <a:srgbClr val="ffffff"/>
+                      </a:solidFill>
+                    </a:lnL>
+                    <a:lnR w="720">
+                      <a:solidFill>
+                        <a:srgbClr val="ffffff"/>
+                      </a:solidFill>
+                    </a:lnR>
+                    <a:lnT w="720">
+                      <a:solidFill>
+                        <a:srgbClr val="ffffff"/>
+                      </a:solidFill>
+                    </a:lnT>
+                    <a:lnB w="720">
+                      <a:solidFill>
+                        <a:srgbClr val="ffffff"/>
+                      </a:solidFill>
+                    </a:lnB>
+                    <a:solidFill>
+                      <a:srgbClr val="cccccc"/>
+                    </a:solidFill>
+                  </a:tcPr>
+                </a:tc>
+                <a:tc>
+                  <a:tcPr marL="90000" marR="90000">
+                    <a:lnL w="720">
+                      <a:solidFill>
+                        <a:srgbClr val="ffffff"/>
+                      </a:solidFill>
+                    </a:lnL>
+                    <a:lnR w="720">
+                      <a:solidFill>
+                        <a:srgbClr val="ffffff"/>
+                      </a:solidFill>
+                    </a:lnR>
+                    <a:lnT w="720">
+                      <a:solidFill>
+                        <a:srgbClr val="ffffff"/>
+                      </a:solidFill>
+                    </a:lnT>
+                    <a:lnB w="720">
+                      <a:solidFill>
+                        <a:srgbClr val="ffffff"/>
+                      </a:solidFill>
+                    </a:lnB>
+                    <a:solidFill>
+                      <a:srgbClr val="cccccc"/>
+                    </a:solidFill>
+                  </a:tcPr>
+                </a:tc>
+                <a:tc>
+                  <a:tcPr marL="90000" marR="90000">
+                    <a:lnL w="720">
+                      <a:solidFill>
+                        <a:srgbClr val="ffffff"/>
+                      </a:solidFill>
+                    </a:lnL>
+                    <a:lnR w="720">
+                      <a:solidFill>
+                        <a:srgbClr val="ffffff"/>
+                      </a:solidFill>
+                    </a:lnR>
+                    <a:lnT w="720">
+                      <a:solidFill>
+                        <a:srgbClr val="ffffff"/>
+                      </a:solidFill>
+                    </a:lnT>
+                    <a:lnB w="720">
+                      <a:solidFill>
+                        <a:srgbClr val="ffffff"/>
+                      </a:solidFill>
+                    </a:lnB>
+                    <a:solidFill>
+                      <a:srgbClr val="cccccc"/>
+                    </a:solidFill>
+                  </a:tcPr>
+                </a:tc>
+                <a:tc>
+                  <a:tcPr marL="90000" marR="90000">
+                    <a:lnL w="720">
+                      <a:solidFill>
+                        <a:srgbClr val="ffffff"/>
+                      </a:solidFill>
+                    </a:lnL>
+                    <a:lnR w="720">
+                      <a:solidFill>
+                        <a:srgbClr val="ffffff"/>
+                      </a:solidFill>
+                    </a:lnR>
+                    <a:lnT w="720">
+                      <a:solidFill>
+                        <a:srgbClr val="ffffff"/>
+                      </a:solidFill>
+                    </a:lnT>
+                    <a:lnB w="720">
+                      <a:solidFill>
+                        <a:srgbClr val="ffffff"/>
+                      </a:solidFill>
+                    </a:lnB>
+                    <a:solidFill>
+                      <a:srgbClr val="cccccc"/>
+                    </a:solidFill>
+                  </a:tcPr>
+                </a:tc>
+                <a:tc>
+                  <a:tcPr marL="90000" marR="90000">
+                    <a:lnL w="720">
+                      <a:solidFill>
+                        <a:srgbClr val="ffffff"/>
+                      </a:solidFill>
+                    </a:lnL>
+                    <a:lnR w="720">
+                      <a:solidFill>
+                        <a:srgbClr val="ffffff"/>
+                      </a:solidFill>
+                    </a:lnR>
+                    <a:lnT w="720">
+                      <a:solidFill>
+                        <a:srgbClr val="ffffff"/>
+                      </a:solidFill>
+                    </a:lnT>
+                    <a:lnB w="720">
+                      <a:solidFill>
+                        <a:srgbClr val="ffffff"/>
+                      </a:solidFill>
+                    </a:lnB>
+                    <a:solidFill>
+                      <a:srgbClr val="cccccc"/>
+                    </a:solidFill>
+                  </a:tcPr>
+                </a:tc>
+              </a:tr>
+            </a:tbl>
+          </a:graphicData>
+        </a:graphic>
+      </p:graphicFrame>
+      <p:sp>
+        <p:nvSpPr>
+          <p:cNvPr id="120" name="CustomShape 15"/>
+          <p:cNvSpPr/>
+          <p:nvPr/>
+        </p:nvSpPr>
+        <p:spPr>
+          <a:xfrm>
+            <a:off x="2194560" y="2468880"/>
+            <a:ext cx="4572000" cy="365760"/>
+          </a:xfrm>
+          <a:prstGeom prst="rect">
+            <a:avLst/>
+          </a:prstGeom>
+          <a:solidFill>
+            <a:srgbClr val="729fcf"/>
+          </a:solidFill>
+          <a:ln>
+            <a:solidFill>
+              <a:srgbClr val="3465a4"/>
+            </a:solidFill>
+          </a:ln>
+        </p:spPr>
+        <p:style>
+          <a:lnRef idx="0"/>
+          <a:fillRef idx="0"/>
+          <a:effectRef idx="0"/>
+          <a:fontRef idx="minor"/>
+        </p:style>
+        <p:txBody>
+          <a:bodyPr wrap="none" lIns="90000" rIns="90000" tIns="45000" bIns="45000" anchor="ctr"/>
+          <a:p>
+            <a:pPr algn="ctr"/>
+            <a:r>
+              <a:rPr b="0" lang="en-US" sz="1800" spc="-1" strike="noStrike">
+                <a:latin typeface="Arial"/>
+              </a:rPr>
+              <a:t>שורת חיפוש</a:t>
+            </a:r>
+            <a:endParaRPr b="0" lang="en-US" sz="1800" spc="-1" strike="noStrike">
               <a:latin typeface="Arial"/>
             </a:endParaRPr>
           </a:p>
@@ -5183,10 +8615,10 @@
   <p:timing>
     <p:tnLst>
       <p:par>
-        <p:cTn id="17" dur="indefinite" restart="never" nodeType="tmRoot">
+        <p:cTn id="15" dur="indefinite" restart="never" nodeType="tmRoot">
           <p:childTnLst>
             <p:seq>
-              <p:cTn id="18" dur="indefinite" nodeType="mainSeq"/>
+              <p:cTn id="16" dur="indefinite" nodeType="mainSeq"/>
               <p:prevCondLst>
                 <p:cond delay="0" evt="onPrev">
                   <p:tgtEl>
